--- a/Interpretable Comp Boosting 02.09.19.pptx
+++ b/Interpretable Comp Boosting 02.09.19.pptx
@@ -5,27 +5,28 @@
     <p:sldMasterId id="2147483678" r:id="rId1"/>
   </p:sldMasterIdLst>
   <p:notesMasterIdLst>
-    <p:notesMasterId r:id="rId20"/>
+    <p:notesMasterId r:id="rId21"/>
   </p:notesMasterIdLst>
   <p:sldIdLst>
     <p:sldId id="256" r:id="rId2"/>
-    <p:sldId id="283" r:id="rId3"/>
-    <p:sldId id="284" r:id="rId4"/>
-    <p:sldId id="285" r:id="rId5"/>
-    <p:sldId id="286" r:id="rId6"/>
-    <p:sldId id="287" r:id="rId7"/>
-    <p:sldId id="288" r:id="rId8"/>
-    <p:sldId id="289" r:id="rId9"/>
-    <p:sldId id="290" r:id="rId10"/>
-    <p:sldId id="291" r:id="rId11"/>
-    <p:sldId id="293" r:id="rId12"/>
-    <p:sldId id="292" r:id="rId13"/>
-    <p:sldId id="295" r:id="rId14"/>
-    <p:sldId id="294" r:id="rId15"/>
-    <p:sldId id="296" r:id="rId16"/>
-    <p:sldId id="282" r:id="rId17"/>
-    <p:sldId id="257" r:id="rId18"/>
-    <p:sldId id="258" r:id="rId19"/>
+    <p:sldId id="257" r:id="rId3"/>
+    <p:sldId id="258" r:id="rId4"/>
+    <p:sldId id="283" r:id="rId5"/>
+    <p:sldId id="284" r:id="rId6"/>
+    <p:sldId id="297" r:id="rId7"/>
+    <p:sldId id="285" r:id="rId8"/>
+    <p:sldId id="286" r:id="rId9"/>
+    <p:sldId id="287" r:id="rId10"/>
+    <p:sldId id="288" r:id="rId11"/>
+    <p:sldId id="289" r:id="rId12"/>
+    <p:sldId id="290" r:id="rId13"/>
+    <p:sldId id="291" r:id="rId14"/>
+    <p:sldId id="293" r:id="rId15"/>
+    <p:sldId id="292" r:id="rId16"/>
+    <p:sldId id="295" r:id="rId17"/>
+    <p:sldId id="294" r:id="rId18"/>
+    <p:sldId id="296" r:id="rId19"/>
+    <p:sldId id="282" r:id="rId20"/>
   </p:sldIdLst>
   <p:sldSz cx="12192000" cy="6858000"/>
   <p:notesSz cx="6858000" cy="9144000"/>
@@ -226,7 +227,7 @@
           <a:p>
             <a:fld id="{18F8A3B8-074E-4236-B0A2-315ADC877D56}" type="datetimeFigureOut">
               <a:rPr lang="en-US" smtClean="0"/>
-              <a:t>9/3/2019</a:t>
+              <a:t>9/9/2019</a:t>
             </a:fld>
             <a:endParaRPr lang="en-US"/>
           </a:p>
@@ -636,7 +637,7 @@
           <a:p>
             <a:fld id="{C2C54507-BA1F-4D46-B28B-130F64DB9EB4}" type="datetimeFigureOut">
               <a:rPr lang="de-DE" smtClean="0"/>
-              <a:t>03.09.2019</a:t>
+              <a:t>09.09.2019</a:t>
             </a:fld>
             <a:endParaRPr lang="de-DE"/>
           </a:p>
@@ -806,7 +807,7 @@
           <a:p>
             <a:fld id="{C2C54507-BA1F-4D46-B28B-130F64DB9EB4}" type="datetimeFigureOut">
               <a:rPr lang="de-DE" smtClean="0"/>
-              <a:t>03.09.2019</a:t>
+              <a:t>09.09.2019</a:t>
             </a:fld>
             <a:endParaRPr lang="de-DE"/>
           </a:p>
@@ -986,7 +987,7 @@
           <a:p>
             <a:fld id="{C2C54507-BA1F-4D46-B28B-130F64DB9EB4}" type="datetimeFigureOut">
               <a:rPr lang="de-DE" smtClean="0"/>
-              <a:t>03.09.2019</a:t>
+              <a:t>09.09.2019</a:t>
             </a:fld>
             <a:endParaRPr lang="de-DE"/>
           </a:p>
@@ -1156,7 +1157,7 @@
           <a:p>
             <a:fld id="{C2C54507-BA1F-4D46-B28B-130F64DB9EB4}" type="datetimeFigureOut">
               <a:rPr lang="de-DE" smtClean="0"/>
-              <a:t>03.09.2019</a:t>
+              <a:t>09.09.2019</a:t>
             </a:fld>
             <a:endParaRPr lang="de-DE"/>
           </a:p>
@@ -1407,7 +1408,7 @@
           <a:p>
             <a:fld id="{C2C54507-BA1F-4D46-B28B-130F64DB9EB4}" type="datetimeFigureOut">
               <a:rPr lang="de-DE" smtClean="0"/>
-              <a:t>03.09.2019</a:t>
+              <a:t>09.09.2019</a:t>
             </a:fld>
             <a:endParaRPr lang="de-DE"/>
           </a:p>
@@ -1639,7 +1640,7 @@
           <a:p>
             <a:fld id="{C2C54507-BA1F-4D46-B28B-130F64DB9EB4}" type="datetimeFigureOut">
               <a:rPr lang="de-DE" smtClean="0"/>
-              <a:t>03.09.2019</a:t>
+              <a:t>09.09.2019</a:t>
             </a:fld>
             <a:endParaRPr lang="de-DE"/>
           </a:p>
@@ -1986,7 +1987,7 @@
           <a:p>
             <a:fld id="{C2C54507-BA1F-4D46-B28B-130F64DB9EB4}" type="datetimeFigureOut">
               <a:rPr lang="de-DE" smtClean="0"/>
-              <a:t>03.09.2019</a:t>
+              <a:t>09.09.2019</a:t>
             </a:fld>
             <a:endParaRPr lang="de-DE"/>
           </a:p>
@@ -2104,7 +2105,7 @@
           <a:p>
             <a:fld id="{C2C54507-BA1F-4D46-B28B-130F64DB9EB4}" type="datetimeFigureOut">
               <a:rPr lang="de-DE" smtClean="0"/>
-              <a:t>03.09.2019</a:t>
+              <a:t>09.09.2019</a:t>
             </a:fld>
             <a:endParaRPr lang="de-DE"/>
           </a:p>
@@ -2222,7 +2223,7 @@
           <a:p>
             <a:fld id="{C2C54507-BA1F-4D46-B28B-130F64DB9EB4}" type="datetimeFigureOut">
               <a:rPr lang="de-DE" smtClean="0"/>
-              <a:t>03.09.2019</a:t>
+              <a:t>09.09.2019</a:t>
             </a:fld>
             <a:endParaRPr lang="de-DE"/>
           </a:p>
@@ -2506,7 +2507,7 @@
           <a:p>
             <a:fld id="{C2C54507-BA1F-4D46-B28B-130F64DB9EB4}" type="datetimeFigureOut">
               <a:rPr lang="de-DE" smtClean="0"/>
-              <a:t>03.09.2019</a:t>
+              <a:t>09.09.2019</a:t>
             </a:fld>
             <a:endParaRPr lang="de-DE"/>
           </a:p>
@@ -2770,7 +2771,7 @@
           <a:p>
             <a:fld id="{C2C54507-BA1F-4D46-B28B-130F64DB9EB4}" type="datetimeFigureOut">
               <a:rPr lang="de-DE" smtClean="0"/>
-              <a:t>03.09.2019</a:t>
+              <a:t>09.09.2019</a:t>
             </a:fld>
             <a:endParaRPr lang="de-DE"/>
           </a:p>
@@ -2984,7 +2985,7 @@
           <a:p>
             <a:fld id="{C2C54507-BA1F-4D46-B28B-130F64DB9EB4}" type="datetimeFigureOut">
               <a:rPr lang="de-DE" smtClean="0"/>
-              <a:t>03.09.2019</a:t>
+              <a:t>09.09.2019</a:t>
             </a:fld>
             <a:endParaRPr lang="de-DE"/>
           </a:p>
@@ -3668,7 +3669,7 @@
           <a:p>
             <a:r>
               <a:rPr lang="en-US" dirty="0"/>
-              <a:t>Pseudo-Code: Return List</a:t>
+              <a:t>Pseudo-Code: Phase II Splines</a:t>
             </a:r>
           </a:p>
         </p:txBody>
@@ -3689,12 +3690,7 @@
             <p:ph idx="1"/>
           </p:nvPr>
         </p:nvSpPr>
-        <p:spPr>
-          <a:xfrm>
-            <a:off x="549704" y="1814732"/>
-            <a:ext cx="11843931" cy="4351337"/>
-          </a:xfrm>
-        </p:spPr>
+        <p:spPr/>
         <p:txBody>
           <a:bodyPr>
             <a:noAutofit/>
@@ -3705,41 +3701,47 @@
               <a:buNone/>
             </a:pPr>
             <a:r>
-              <a:rPr lang="en-US" sz="1700" dirty="0" err="1">
-                <a:latin typeface="Lucida Console" panose="020B0609040504020204" pitchFamily="49" charset="0"/>
-              </a:rPr>
-              <a:t>return_list</a:t>
-            </a:r>
-            <a:r>
-              <a:rPr lang="en-US" sz="1700" dirty="0">
-                <a:latin typeface="Lucida Console" panose="020B0609040504020204" pitchFamily="49" charset="0"/>
-              </a:rPr>
-              <a:t> &lt;- list()</a:t>
-            </a:r>
-          </a:p>
-          <a:p>
-            <a:pPr marL="0" indent="0">
-              <a:buNone/>
-            </a:pPr>
-            <a:r>
-              <a:rPr lang="en-US" sz="1700" dirty="0" err="1">
-                <a:latin typeface="Lucida Console" panose="020B0609040504020204" pitchFamily="49" charset="0"/>
-              </a:rPr>
-              <a:t>return_list</a:t>
-            </a:r>
-            <a:r>
-              <a:rPr lang="en-US" sz="1700" dirty="0">
-                <a:latin typeface="Lucida Console" panose="020B0609040504020204" pitchFamily="49" charset="0"/>
-              </a:rPr>
-              <a:t>[["Coefficients"]] &lt;- </a:t>
-            </a:r>
-            <a:r>
-              <a:rPr lang="en-US" sz="1700" dirty="0" err="1">
-                <a:latin typeface="Lucida Console" panose="020B0609040504020204" pitchFamily="49" charset="0"/>
-              </a:rPr>
-              <a:t>coeff_list</a:t>
-            </a:r>
-            <a:endParaRPr lang="en-US" sz="1700" dirty="0">
+              <a:rPr lang="en-US" sz="1800" dirty="0" err="1">
+                <a:latin typeface="Lucida Console" panose="020B0609040504020204" pitchFamily="49" charset="0"/>
+              </a:rPr>
+              <a:t>data_temp</a:t>
+            </a:r>
+            <a:r>
+              <a:rPr lang="en-US" sz="1800" dirty="0">
+                <a:latin typeface="Lucida Console" panose="020B0609040504020204" pitchFamily="49" charset="0"/>
+              </a:rPr>
+              <a:t>[,target] &lt;- </a:t>
+            </a:r>
+            <a:r>
+              <a:rPr lang="en-US" sz="1800" dirty="0" err="1">
+                <a:latin typeface="Lucida Console" panose="020B0609040504020204" pitchFamily="49" charset="0"/>
+              </a:rPr>
+              <a:t>ngradient</a:t>
+            </a:r>
+            <a:r>
+              <a:rPr lang="en-US" sz="1800" dirty="0">
+                <a:latin typeface="Lucida Console" panose="020B0609040504020204" pitchFamily="49" charset="0"/>
+              </a:rPr>
+              <a:t>(y = y, f = </a:t>
+            </a:r>
+            <a:r>
+              <a:rPr lang="en-US" sz="1800" dirty="0" err="1">
+                <a:latin typeface="Lucida Console" panose="020B0609040504020204" pitchFamily="49" charset="0"/>
+              </a:rPr>
+              <a:t>fitted_values</a:t>
+            </a:r>
+            <a:r>
+              <a:rPr lang="en-US" sz="1800" dirty="0">
+                <a:latin typeface="Lucida Console" panose="020B0609040504020204" pitchFamily="49" charset="0"/>
+              </a:rPr>
+              <a:t>)</a:t>
+            </a:r>
+          </a:p>
+          <a:p>
+            <a:pPr marL="0" indent="0">
+              <a:buNone/>
+            </a:pPr>
+            <a:endParaRPr lang="en-US" sz="1800" dirty="0">
               <a:latin typeface="Lucida Console" panose="020B0609040504020204" pitchFamily="49" charset="0"/>
             </a:endParaRPr>
           </a:p>
@@ -3747,37 +3749,7 @@
             <a:pPr marL="0" indent="0">
               <a:buNone/>
             </a:pPr>
-            <a:r>
-              <a:rPr lang="en-US" sz="1700" dirty="0" err="1">
-                <a:latin typeface="Lucida Console" panose="020B0609040504020204" pitchFamily="49" charset="0"/>
-              </a:rPr>
-              <a:t>return_list</a:t>
-            </a:r>
-            <a:r>
-              <a:rPr lang="en-US" sz="1700" dirty="0">
-                <a:latin typeface="Lucida Console" panose="020B0609040504020204" pitchFamily="49" charset="0"/>
-              </a:rPr>
-              <a:t>[["</a:t>
-            </a:r>
-            <a:r>
-              <a:rPr lang="en-US" sz="1700" dirty="0" err="1">
-                <a:latin typeface="Lucida Console" panose="020B0609040504020204" pitchFamily="49" charset="0"/>
-              </a:rPr>
-              <a:t>Fitted_Values</a:t>
-            </a:r>
-            <a:r>
-              <a:rPr lang="en-US" sz="1700" dirty="0">
-                <a:latin typeface="Lucida Console" panose="020B0609040504020204" pitchFamily="49" charset="0"/>
-              </a:rPr>
-              <a:t>"]] &lt;- </a:t>
-            </a:r>
-            <a:r>
-              <a:rPr lang="en-US" sz="1700" dirty="0" err="1">
-                <a:latin typeface="Lucida Console" panose="020B0609040504020204" pitchFamily="49" charset="0"/>
-              </a:rPr>
-              <a:t>fitted_values</a:t>
-            </a:r>
-            <a:endParaRPr lang="en-US" sz="1700" dirty="0">
+            <a:endParaRPr lang="en-US" sz="1800" dirty="0">
               <a:latin typeface="Lucida Console" panose="020B0609040504020204" pitchFamily="49" charset="0"/>
             </a:endParaRPr>
           </a:p>
@@ -3786,25 +3758,90 @@
               <a:buNone/>
             </a:pPr>
             <a:r>
-              <a:rPr lang="en-US" sz="1700" dirty="0" err="1">
-                <a:latin typeface="Lucida Console" panose="020B0609040504020204" pitchFamily="49" charset="0"/>
-              </a:rPr>
-              <a:t>return_list</a:t>
-            </a:r>
-            <a:r>
-              <a:rPr lang="en-US" sz="1700" dirty="0">
-                <a:latin typeface="Lucida Console" panose="020B0609040504020204" pitchFamily="49" charset="0"/>
-              </a:rPr>
-              <a:t>[["Transition Iterations"]] &lt;-c(</a:t>
-            </a:r>
-            <a:r>
-              <a:rPr lang="en-US" sz="1700" dirty="0" err="1">
-                <a:latin typeface="Lucida Console" panose="020B0609040504020204" pitchFamily="49" charset="0"/>
-              </a:rPr>
-              <a:t>transition_splines,transition_trees</a:t>
-            </a:r>
-            <a:r>
-              <a:rPr lang="en-US" sz="1700" dirty="0">
+              <a:rPr lang="en-US" sz="1800" dirty="0">
+                <a:latin typeface="Lucida Console" panose="020B0609040504020204" pitchFamily="49" charset="0"/>
+              </a:rPr>
+              <a:t>while((iteration &lt;= </a:t>
+            </a:r>
+            <a:r>
+              <a:rPr lang="en-US" sz="1800" dirty="0" err="1">
+                <a:latin typeface="Lucida Console" panose="020B0609040504020204" pitchFamily="49" charset="0"/>
+              </a:rPr>
+              <a:t>mstop</a:t>
+            </a:r>
+            <a:r>
+              <a:rPr lang="en-US" sz="1800" dirty="0">
+                <a:latin typeface="Lucida Console" panose="020B0609040504020204" pitchFamily="49" charset="0"/>
+              </a:rPr>
+              <a:t>) &amp; ((</a:t>
+            </a:r>
+            <a:r>
+              <a:rPr lang="en-US" sz="1800" dirty="0" err="1">
+                <a:latin typeface="Lucida Console" panose="020B0609040504020204" pitchFamily="49" charset="0"/>
+              </a:rPr>
+              <a:t>risk_temp</a:t>
+            </a:r>
+            <a:r>
+              <a:rPr lang="en-US" sz="1800" dirty="0">
+                <a:latin typeface="Lucida Console" panose="020B0609040504020204" pitchFamily="49" charset="0"/>
+              </a:rPr>
+              <a:t> / </a:t>
+            </a:r>
+            <a:r>
+              <a:rPr lang="en-US" sz="1800" dirty="0" err="1">
+                <a:latin typeface="Lucida Console" panose="020B0609040504020204" pitchFamily="49" charset="0"/>
+              </a:rPr>
+              <a:t>risk_iter</a:t>
+            </a:r>
+            <a:r>
+              <a:rPr lang="en-US" sz="1800" dirty="0">
+                <a:latin typeface="Lucida Console" panose="020B0609040504020204" pitchFamily="49" charset="0"/>
+              </a:rPr>
+              <a:t>[iteration+1]) &gt;= (1 + epsilon))){</a:t>
+            </a:r>
+          </a:p>
+          <a:p>
+            <a:pPr marL="0" indent="0">
+              <a:buNone/>
+            </a:pPr>
+            <a:r>
+              <a:rPr lang="en-US" sz="1800" dirty="0">
+                <a:latin typeface="Lucida Console" panose="020B0609040504020204" pitchFamily="49" charset="0"/>
+              </a:rPr>
+              <a:t>	</a:t>
+            </a:r>
+            <a:r>
+              <a:rPr lang="en-US" sz="1800" dirty="0" err="1">
+                <a:latin typeface="Lucida Console" panose="020B0609040504020204" pitchFamily="49" charset="0"/>
+              </a:rPr>
+              <a:t>risk_temp</a:t>
+            </a:r>
+            <a:r>
+              <a:rPr lang="en-US" sz="1800" dirty="0">
+                <a:latin typeface="Lucida Console" panose="020B0609040504020204" pitchFamily="49" charset="0"/>
+              </a:rPr>
+              <a:t> &lt;- </a:t>
+            </a:r>
+            <a:r>
+              <a:rPr lang="en-US" sz="1800" dirty="0" err="1">
+                <a:latin typeface="Lucida Console" panose="020B0609040504020204" pitchFamily="49" charset="0"/>
+              </a:rPr>
+              <a:t>riskfct</a:t>
+            </a:r>
+            <a:r>
+              <a:rPr lang="en-US" sz="1800" dirty="0">
+                <a:latin typeface="Lucida Console" panose="020B0609040504020204" pitchFamily="49" charset="0"/>
+              </a:rPr>
+              <a:t>(y = y, f = </a:t>
+            </a:r>
+            <a:r>
+              <a:rPr lang="en-US" sz="1800" dirty="0" err="1">
+                <a:latin typeface="Lucida Console" panose="020B0609040504020204" pitchFamily="49" charset="0"/>
+              </a:rPr>
+              <a:t>fitted_values</a:t>
+            </a:r>
+            <a:r>
+              <a:rPr lang="en-US" sz="1800" dirty="0">
                 <a:latin typeface="Lucida Console" panose="020B0609040504020204" pitchFamily="49" charset="0"/>
               </a:rPr>
               <a:t>)</a:t>
@@ -3815,63 +3852,31 @@
               <a:buNone/>
             </a:pPr>
             <a:r>
-              <a:rPr lang="en-US" sz="1700" dirty="0" err="1">
-                <a:latin typeface="Lucida Console" panose="020B0609040504020204" pitchFamily="49" charset="0"/>
-              </a:rPr>
-              <a:t>return_list</a:t>
-            </a:r>
-            <a:r>
-              <a:rPr lang="en-US" sz="1700" dirty="0">
-                <a:latin typeface="Lucida Console" panose="020B0609040504020204" pitchFamily="49" charset="0"/>
-              </a:rPr>
-              <a:t>[["Risk"]] &lt;- </a:t>
-            </a:r>
-            <a:r>
-              <a:rPr lang="en-US" sz="1700" dirty="0" err="1">
-                <a:latin typeface="Lucida Console" panose="020B0609040504020204" pitchFamily="49" charset="0"/>
-              </a:rPr>
-              <a:t>risk_iter</a:t>
-            </a:r>
-            <a:endParaRPr lang="en-US" sz="1700" dirty="0">
-              <a:latin typeface="Lucida Console" panose="020B0609040504020204" pitchFamily="49" charset="0"/>
-            </a:endParaRPr>
-          </a:p>
-          <a:p>
-            <a:pPr marL="0" indent="0">
-              <a:buNone/>
-            </a:pPr>
-            <a:r>
-              <a:rPr lang="en-US" sz="1700" dirty="0" err="1">
-                <a:latin typeface="Lucida Console" panose="020B0609040504020204" pitchFamily="49" charset="0"/>
-              </a:rPr>
-              <a:t>return_list</a:t>
-            </a:r>
-            <a:r>
-              <a:rPr lang="en-US" sz="1700" dirty="0">
-                <a:latin typeface="Lucida Console" panose="020B0609040504020204" pitchFamily="49" charset="0"/>
-              </a:rPr>
-              <a:t>[["</a:t>
-            </a:r>
-            <a:r>
-              <a:rPr lang="en-US" sz="1700" dirty="0" err="1">
-                <a:latin typeface="Lucida Console" panose="020B0609040504020204" pitchFamily="49" charset="0"/>
-              </a:rPr>
-              <a:t>Prediction_Models</a:t>
-            </a:r>
-            <a:r>
-              <a:rPr lang="en-US" sz="1700" dirty="0">
-                <a:latin typeface="Lucida Console" panose="020B0609040504020204" pitchFamily="49" charset="0"/>
-              </a:rPr>
-              <a:t>"]]&lt;- 		c(</a:t>
-            </a:r>
-            <a:r>
-              <a:rPr lang="en-US" sz="1700" dirty="0" err="1">
-                <a:latin typeface="Lucida Console" panose="020B0609040504020204" pitchFamily="49" charset="0"/>
-              </a:rPr>
-              <a:t>linear_coefficients,spline_coefficients,tree_models</a:t>
-            </a:r>
-            <a:r>
-              <a:rPr lang="en-US" sz="1700" dirty="0">
+              <a:rPr lang="en-US" sz="1800" dirty="0">
+                <a:latin typeface="Lucida Console" panose="020B0609040504020204" pitchFamily="49" charset="0"/>
+              </a:rPr>
+              <a:t>	u &lt;- </a:t>
+            </a:r>
+            <a:r>
+              <a:rPr lang="en-US" sz="1800" dirty="0" err="1">
+                <a:latin typeface="Lucida Console" panose="020B0609040504020204" pitchFamily="49" charset="0"/>
+              </a:rPr>
+              <a:t>ngradient</a:t>
+            </a:r>
+            <a:r>
+              <a:rPr lang="en-US" sz="1800" dirty="0">
+                <a:latin typeface="Lucida Console" panose="020B0609040504020204" pitchFamily="49" charset="0"/>
+              </a:rPr>
+              <a:t>(y = y, f = </a:t>
+            </a:r>
+            <a:r>
+              <a:rPr lang="en-US" sz="1800" dirty="0" err="1">
+                <a:latin typeface="Lucida Console" panose="020B0609040504020204" pitchFamily="49" charset="0"/>
+              </a:rPr>
+              <a:t>fitted_values</a:t>
+            </a:r>
+            <a:r>
+              <a:rPr lang="en-US" sz="1800" dirty="0">
                 <a:latin typeface="Lucida Console" panose="020B0609040504020204" pitchFamily="49" charset="0"/>
               </a:rPr>
               <a:t>)</a:t>
@@ -3882,126 +3887,128 @@
               <a:buNone/>
             </a:pPr>
             <a:r>
-              <a:rPr lang="en-US" sz="1700" dirty="0" err="1">
-                <a:latin typeface="Lucida Console" panose="020B0609040504020204" pitchFamily="49" charset="0"/>
-              </a:rPr>
-              <a:t>return_list</a:t>
-            </a:r>
-            <a:r>
-              <a:rPr lang="en-US" sz="1700" dirty="0">
-                <a:latin typeface="Lucida Console" panose="020B0609040504020204" pitchFamily="49" charset="0"/>
-              </a:rPr>
-              <a:t>[["</a:t>
-            </a:r>
-            <a:r>
-              <a:rPr lang="en-US" sz="1700" dirty="0" err="1">
-                <a:latin typeface="Lucida Console" panose="020B0609040504020204" pitchFamily="49" charset="0"/>
-              </a:rPr>
-              <a:t>Input_Parameters</a:t>
-            </a:r>
-            <a:r>
-              <a:rPr lang="en-US" sz="1700" dirty="0">
-                <a:latin typeface="Lucida Console" panose="020B0609040504020204" pitchFamily="49" charset="0"/>
-              </a:rPr>
-              <a:t>"]] &lt;-c(nu, </a:t>
-            </a:r>
-            <a:r>
-              <a:rPr lang="en-US" sz="1700" dirty="0" err="1">
+              <a:rPr lang="en-US" sz="1800" dirty="0">
+                <a:latin typeface="Lucida Console" panose="020B0609040504020204" pitchFamily="49" charset="0"/>
+              </a:rPr>
+              <a:t>	</a:t>
+            </a:r>
+          </a:p>
+          <a:p>
+            <a:pPr marL="0" indent="0">
+              <a:buNone/>
+            </a:pPr>
+            <a:r>
+              <a:rPr lang="en-US" sz="1800" dirty="0">
+                <a:latin typeface="Lucida Console" panose="020B0609040504020204" pitchFamily="49" charset="0"/>
+              </a:rPr>
+              <a:t>	</a:t>
+            </a:r>
+            <a:r>
+              <a:rPr lang="en-US" sz="1800" dirty="0" err="1">
+                <a:latin typeface="Lucida Console" panose="020B0609040504020204" pitchFamily="49" charset="0"/>
+              </a:rPr>
+              <a:t>mb_spline</a:t>
+            </a:r>
+            <a:r>
+              <a:rPr lang="en-US" sz="1800" dirty="0">
+                <a:latin typeface="Lucida Console" panose="020B0609040504020204" pitchFamily="49" charset="0"/>
+              </a:rPr>
+              <a:t> = </a:t>
+            </a:r>
+            <a:r>
+              <a:rPr lang="en-US" sz="1800" dirty="0" err="1">
+                <a:latin typeface="Lucida Console" panose="020B0609040504020204" pitchFamily="49" charset="0"/>
+              </a:rPr>
+              <a:t>mboost</a:t>
+            </a:r>
+            <a:r>
+              <a:rPr lang="en-US" sz="1800" dirty="0">
+                <a:latin typeface="Lucida Console" panose="020B0609040504020204" pitchFamily="49" charset="0"/>
+              </a:rPr>
+              <a:t>::</a:t>
+            </a:r>
+            <a:r>
+              <a:rPr lang="en-US" sz="1800" dirty="0" err="1">
+                <a:latin typeface="Lucida Console" panose="020B0609040504020204" pitchFamily="49" charset="0"/>
+              </a:rPr>
+              <a:t>gamboost</a:t>
+            </a:r>
+            <a:r>
+              <a:rPr lang="en-US" sz="1800" dirty="0">
+                <a:latin typeface="Lucida Console" panose="020B0609040504020204" pitchFamily="49" charset="0"/>
+              </a:rPr>
+              <a:t>(formula = formula, data = </a:t>
+            </a:r>
+            <a:r>
+              <a:rPr lang="en-US" sz="1800" dirty="0" err="1">
+                <a:latin typeface="Lucida Console" panose="020B0609040504020204" pitchFamily="49" charset="0"/>
+              </a:rPr>
+              <a:t>data_temp</a:t>
+            </a:r>
+            <a:r>
+              <a:rPr lang="en-US" sz="1800" dirty="0">
+                <a:latin typeface="Lucida Console" panose="020B0609040504020204" pitchFamily="49" charset="0"/>
+              </a:rPr>
+              <a:t>, 				family = family, </a:t>
+            </a:r>
+            <a:r>
+              <a:rPr lang="en-US" sz="1800" dirty="0" err="1">
+                <a:latin typeface="Lucida Console" panose="020B0609040504020204" pitchFamily="49" charset="0"/>
+              </a:rPr>
+              <a:t>baselearner</a:t>
+            </a:r>
+            <a:r>
+              <a:rPr lang="en-US" sz="1800" dirty="0">
+                <a:latin typeface="Lucida Console" panose="020B0609040504020204" pitchFamily="49" charset="0"/>
+              </a:rPr>
+              <a:t> = "</a:t>
+            </a:r>
+            <a:r>
+              <a:rPr lang="en-US" sz="1800" dirty="0" err="1">
+                <a:latin typeface="Lucida Console" panose="020B0609040504020204" pitchFamily="49" charset="0"/>
+              </a:rPr>
+              <a:t>bbs</a:t>
+            </a:r>
+            <a:r>
+              <a:rPr lang="en-US" sz="1800" dirty="0">
+                <a:latin typeface="Lucida Console" panose="020B0609040504020204" pitchFamily="49" charset="0"/>
+              </a:rPr>
+              <a:t>", control = 				</a:t>
+            </a:r>
+            <a:r>
+              <a:rPr lang="en-US" sz="1800" dirty="0" err="1">
+                <a:latin typeface="Lucida Console" panose="020B0609040504020204" pitchFamily="49" charset="0"/>
+              </a:rPr>
+              <a:t>boost_control</a:t>
+            </a:r>
+            <a:r>
+              <a:rPr lang="en-US" sz="1800" dirty="0">
+                <a:latin typeface="Lucida Console" panose="020B0609040504020204" pitchFamily="49" charset="0"/>
+              </a:rPr>
+              <a:t>(nu = nu, </a:t>
+            </a:r>
+            <a:r>
+              <a:rPr lang="en-US" sz="1800" dirty="0" err="1">
                 <a:latin typeface="Lucida Console" panose="020B0609040504020204" pitchFamily="49" charset="0"/>
               </a:rPr>
               <a:t>mstop</a:t>
             </a:r>
             <a:r>
-              <a:rPr lang="en-US" sz="1700" dirty="0">
-                <a:latin typeface="Lucida Console" panose="020B0609040504020204" pitchFamily="49" charset="0"/>
-              </a:rPr>
-              <a:t>, epsilon)</a:t>
-            </a:r>
-          </a:p>
-          <a:p>
-            <a:pPr marL="0" indent="0">
-              <a:buNone/>
-            </a:pPr>
-            <a:r>
-              <a:rPr lang="en-US" sz="1700" dirty="0" err="1">
-                <a:latin typeface="Lucida Console" panose="020B0609040504020204" pitchFamily="49" charset="0"/>
-              </a:rPr>
-              <a:t>return_list</a:t>
-            </a:r>
-            <a:r>
-              <a:rPr lang="en-US" sz="1700" dirty="0">
-                <a:latin typeface="Lucida Console" panose="020B0609040504020204" pitchFamily="49" charset="0"/>
-              </a:rPr>
-              <a:t>[["</a:t>
-            </a:r>
-            <a:r>
-              <a:rPr lang="en-US" sz="1700" dirty="0" err="1">
-                <a:latin typeface="Lucida Console" panose="020B0609040504020204" pitchFamily="49" charset="0"/>
-              </a:rPr>
-              <a:t>Riskfunction</a:t>
-            </a:r>
-            <a:r>
-              <a:rPr lang="en-US" sz="1700" dirty="0">
-                <a:latin typeface="Lucida Console" panose="020B0609040504020204" pitchFamily="49" charset="0"/>
-              </a:rPr>
-              <a:t>"]] &lt;- </a:t>
-            </a:r>
-            <a:r>
-              <a:rPr lang="en-US" sz="1700" dirty="0" err="1">
-                <a:latin typeface="Lucida Console" panose="020B0609040504020204" pitchFamily="49" charset="0"/>
-              </a:rPr>
-              <a:t>riskfct</a:t>
-            </a:r>
-            <a:endParaRPr lang="en-US" sz="1700" dirty="0">
-              <a:latin typeface="Lucida Console" panose="020B0609040504020204" pitchFamily="49" charset="0"/>
-            </a:endParaRPr>
-          </a:p>
-          <a:p>
-            <a:pPr marL="0" indent="0">
-              <a:buNone/>
-            </a:pPr>
-            <a:r>
-              <a:rPr lang="en-US" sz="1700" dirty="0">
-                <a:latin typeface="Lucida Console" panose="020B0609040504020204" pitchFamily="49" charset="0"/>
-              </a:rPr>
-              <a:t>  </a:t>
-            </a:r>
-          </a:p>
-          <a:p>
-            <a:pPr marL="0" indent="0">
-              <a:buNone/>
-            </a:pPr>
-            <a:endParaRPr lang="en-US" sz="1700" dirty="0">
-              <a:latin typeface="Lucida Console" panose="020B0609040504020204" pitchFamily="49" charset="0"/>
-            </a:endParaRPr>
-          </a:p>
-          <a:p>
-            <a:pPr marL="0" indent="0">
-              <a:buNone/>
-            </a:pPr>
-            <a:r>
-              <a:rPr lang="en-US" sz="1700" dirty="0">
-                <a:latin typeface="Lucida Console" panose="020B0609040504020204" pitchFamily="49" charset="0"/>
-              </a:rPr>
-              <a:t>return(</a:t>
-            </a:r>
-            <a:r>
-              <a:rPr lang="en-US" sz="1700" dirty="0" err="1">
-                <a:latin typeface="Lucida Console" panose="020B0609040504020204" pitchFamily="49" charset="0"/>
-              </a:rPr>
-              <a:t>return_list</a:t>
-            </a:r>
-            <a:r>
-              <a:rPr lang="en-US" sz="1700" dirty="0">
-                <a:latin typeface="Lucida Console" panose="020B0609040504020204" pitchFamily="49" charset="0"/>
-              </a:rPr>
-              <a:t>)</a:t>
-            </a:r>
-            <a:r>
-              <a:rPr lang="en-US" sz="1800" dirty="0">
-                <a:latin typeface="Lucida Console" panose="020B0609040504020204" pitchFamily="49" charset="0"/>
-              </a:rPr>
-              <a:t>	</a:t>
+              <a:rPr lang="en-US" sz="1800" dirty="0">
+                <a:latin typeface="Lucida Console" panose="020B0609040504020204" pitchFamily="49" charset="0"/>
+              </a:rPr>
+              <a:t> = 1))</a:t>
+            </a:r>
+          </a:p>
+          <a:p>
+            <a:pPr marL="0" indent="0">
+              <a:buNone/>
+            </a:pPr>
+            <a:r>
+              <a:rPr lang="en-US" sz="1800" dirty="0">
+                <a:latin typeface="Lucida Console" panose="020B0609040504020204" pitchFamily="49" charset="0"/>
+              </a:rPr>
+              <a:t>    </a:t>
             </a:r>
           </a:p>
           <a:p>
@@ -4020,7 +4027,7 @@
     </p:spTree>
     <p:extLst>
       <p:ext uri="{BB962C8B-B14F-4D97-AF65-F5344CB8AC3E}">
-        <p14:creationId xmlns:p14="http://schemas.microsoft.com/office/powerpoint/2010/main" val="1973972063"/>
+        <p14:creationId xmlns:p14="http://schemas.microsoft.com/office/powerpoint/2010/main" val="2368917616"/>
       </p:ext>
     </p:extLst>
   </p:cSld>
@@ -4070,13 +4077,8 @@
           <a:p>
             <a:r>
               <a:rPr lang="en-US" dirty="0"/>
-              <a:t>Pseudo-Code: predict-</a:t>
-            </a:r>
-            <a:r>
-              <a:rPr lang="en-US" dirty="0" err="1"/>
-              <a:t>Funktion</a:t>
-            </a:r>
-            <a:endParaRPr lang="en-US" dirty="0"/>
+              <a:t>Pseudo-Code: Phase II Splines</a:t>
+            </a:r>
           </a:p>
         </p:txBody>
       </p:sp>
@@ -4096,12 +4098,7 @@
             <p:ph idx="1"/>
           </p:nvPr>
         </p:nvSpPr>
-        <p:spPr>
-          <a:xfrm>
-            <a:off x="549704" y="1814732"/>
-            <a:ext cx="11843931" cy="4351337"/>
-          </a:xfrm>
-        </p:spPr>
+        <p:spPr/>
         <p:txBody>
           <a:bodyPr>
             <a:noAutofit/>
@@ -4112,70 +4109,147 @@
               <a:buNone/>
             </a:pPr>
             <a:r>
-              <a:rPr lang="en-US" sz="1700" dirty="0" err="1">
-                <a:latin typeface="Lucida Console" panose="020B0609040504020204" pitchFamily="49" charset="0"/>
-              </a:rPr>
-              <a:t>icb_predict</a:t>
-            </a:r>
-            <a:r>
-              <a:rPr lang="en-US" sz="1700" dirty="0">
-                <a:latin typeface="Lucida Console" panose="020B0609040504020204" pitchFamily="49" charset="0"/>
-              </a:rPr>
-              <a:t> &lt;- function(</a:t>
-            </a:r>
-            <a:r>
-              <a:rPr lang="en-US" sz="1700" dirty="0" err="1">
-                <a:latin typeface="Lucida Console" panose="020B0609040504020204" pitchFamily="49" charset="0"/>
-              </a:rPr>
-              <a:t>icb_object</a:t>
-            </a:r>
-            <a:r>
-              <a:rPr lang="en-US" sz="1700" dirty="0">
-                <a:latin typeface="Lucida Console" panose="020B0609040504020204" pitchFamily="49" charset="0"/>
-              </a:rPr>
-              <a:t>, </a:t>
-            </a:r>
-            <a:r>
-              <a:rPr lang="en-US" sz="1700" dirty="0" err="1">
-                <a:latin typeface="Lucida Console" panose="020B0609040504020204" pitchFamily="49" charset="0"/>
-              </a:rPr>
-              <a:t>newdata</a:t>
-            </a:r>
-            <a:r>
-              <a:rPr lang="en-US" sz="1700" dirty="0">
-                <a:latin typeface="Lucida Console" panose="020B0609040504020204" pitchFamily="49" charset="0"/>
-              </a:rPr>
-              <a:t>, target){</a:t>
-            </a:r>
-          </a:p>
-          <a:p>
-            <a:pPr marL="0" indent="0">
-              <a:buNone/>
-            </a:pPr>
-            <a:r>
-              <a:rPr lang="en-US" sz="1700" dirty="0">
-                <a:latin typeface="Lucida Console" panose="020B0609040504020204" pitchFamily="49" charset="0"/>
-              </a:rPr>
-              <a:t>	prediction &lt;- vector(mode = "numeric", length = dim(</a:t>
-            </a:r>
-            <a:r>
-              <a:rPr lang="en-US" sz="1700" dirty="0" err="1">
-                <a:latin typeface="Lucida Console" panose="020B0609040504020204" pitchFamily="49" charset="0"/>
-              </a:rPr>
-              <a:t>newdata</a:t>
-            </a:r>
-            <a:r>
-              <a:rPr lang="en-US" sz="1700" dirty="0">
-                <a:latin typeface="Lucida Console" panose="020B0609040504020204" pitchFamily="49" charset="0"/>
-              </a:rPr>
-              <a:t>)[1])</a:t>
-            </a:r>
-          </a:p>
-          <a:p>
-            <a:pPr marL="0" indent="0">
-              <a:buNone/>
-            </a:pPr>
-            <a:endParaRPr lang="en-US" sz="1700" dirty="0">
+              <a:rPr lang="en-US" sz="1800" dirty="0">
+                <a:latin typeface="Lucida Console" panose="020B0609040504020204" pitchFamily="49" charset="0"/>
+              </a:rPr>
+              <a:t>		</a:t>
+            </a:r>
+            <a:r>
+              <a:rPr lang="en-US" sz="1800" dirty="0" err="1">
+                <a:latin typeface="Lucida Console" panose="020B0609040504020204" pitchFamily="49" charset="0"/>
+              </a:rPr>
+              <a:t>mboost_coeff</a:t>
+            </a:r>
+            <a:r>
+              <a:rPr lang="en-US" sz="1800" dirty="0">
+                <a:latin typeface="Lucida Console" panose="020B0609040504020204" pitchFamily="49" charset="0"/>
+              </a:rPr>
+              <a:t> = </a:t>
+            </a:r>
+            <a:r>
+              <a:rPr lang="en-US" sz="1800" dirty="0" err="1">
+                <a:latin typeface="Lucida Console" panose="020B0609040504020204" pitchFamily="49" charset="0"/>
+              </a:rPr>
+              <a:t>mb_spline$coef</a:t>
+            </a:r>
+            <a:r>
+              <a:rPr lang="en-US" sz="1800" dirty="0">
+                <a:latin typeface="Lucida Console" panose="020B0609040504020204" pitchFamily="49" charset="0"/>
+              </a:rPr>
+              <a:t>()[[1]]</a:t>
+            </a:r>
+          </a:p>
+          <a:p>
+            <a:pPr marL="0" indent="0">
+              <a:buNone/>
+            </a:pPr>
+            <a:r>
+              <a:rPr lang="en-US" sz="1800" dirty="0">
+                <a:latin typeface="Lucida Console" panose="020B0609040504020204" pitchFamily="49" charset="0"/>
+              </a:rPr>
+              <a:t>		</a:t>
+            </a:r>
+            <a:r>
+              <a:rPr lang="en-US" sz="1800" dirty="0" err="1">
+                <a:latin typeface="Lucida Console" panose="020B0609040504020204" pitchFamily="49" charset="0"/>
+              </a:rPr>
+              <a:t>mboost_risk</a:t>
+            </a:r>
+            <a:r>
+              <a:rPr lang="en-US" sz="1800" dirty="0">
+                <a:latin typeface="Lucida Console" panose="020B0609040504020204" pitchFamily="49" charset="0"/>
+              </a:rPr>
+              <a:t> = </a:t>
+            </a:r>
+            <a:r>
+              <a:rPr lang="en-US" sz="1800" dirty="0" err="1">
+                <a:latin typeface="Lucida Console" panose="020B0609040504020204" pitchFamily="49" charset="0"/>
+              </a:rPr>
+              <a:t>mb_spline$risk</a:t>
+            </a:r>
+            <a:r>
+              <a:rPr lang="en-US" sz="1800" dirty="0">
+                <a:latin typeface="Lucida Console" panose="020B0609040504020204" pitchFamily="49" charset="0"/>
+              </a:rPr>
+              <a:t>()[2]</a:t>
+            </a:r>
+          </a:p>
+          <a:p>
+            <a:pPr marL="0" indent="0">
+              <a:buNone/>
+            </a:pPr>
+            <a:r>
+              <a:rPr lang="en-US" sz="1800" dirty="0">
+                <a:latin typeface="Lucida Console" panose="020B0609040504020204" pitchFamily="49" charset="0"/>
+              </a:rPr>
+              <a:t>    </a:t>
+            </a:r>
+          </a:p>
+          <a:p>
+            <a:pPr marL="0" indent="0">
+              <a:buNone/>
+            </a:pPr>
+            <a:r>
+              <a:rPr lang="en-US" sz="1800" dirty="0">
+                <a:latin typeface="Lucida Console" panose="020B0609040504020204" pitchFamily="49" charset="0"/>
+              </a:rPr>
+              <a:t>		</a:t>
+            </a:r>
+            <a:r>
+              <a:rPr lang="en-US" sz="1800" dirty="0" err="1">
+                <a:latin typeface="Lucida Console" panose="020B0609040504020204" pitchFamily="49" charset="0"/>
+              </a:rPr>
+              <a:t>coeff_list</a:t>
+            </a:r>
+            <a:r>
+              <a:rPr lang="en-US" sz="1800" dirty="0">
+                <a:latin typeface="Lucida Console" panose="020B0609040504020204" pitchFamily="49" charset="0"/>
+              </a:rPr>
+              <a:t>[[</a:t>
+            </a:r>
+            <a:r>
+              <a:rPr lang="en-US" sz="1800" dirty="0" err="1">
+                <a:latin typeface="Lucida Console" panose="020B0609040504020204" pitchFamily="49" charset="0"/>
+              </a:rPr>
+              <a:t>mboost_feature</a:t>
+            </a:r>
+            <a:r>
+              <a:rPr lang="en-US" sz="1800" dirty="0">
+                <a:latin typeface="Lucida Console" panose="020B0609040504020204" pitchFamily="49" charset="0"/>
+              </a:rPr>
+              <a:t>]] &lt;- </a:t>
+            </a:r>
+            <a:r>
+              <a:rPr lang="en-US" sz="1800" dirty="0" err="1">
+                <a:latin typeface="Lucida Console" panose="020B0609040504020204" pitchFamily="49" charset="0"/>
+              </a:rPr>
+              <a:t>coeff_list</a:t>
+            </a:r>
+            <a:r>
+              <a:rPr lang="en-US" sz="1800" dirty="0">
+                <a:latin typeface="Lucida Console" panose="020B0609040504020204" pitchFamily="49" charset="0"/>
+              </a:rPr>
+              <a:t>[[</a:t>
+            </a:r>
+            <a:r>
+              <a:rPr lang="en-US" sz="1800" dirty="0" err="1">
+                <a:latin typeface="Lucida Console" panose="020B0609040504020204" pitchFamily="49" charset="0"/>
+              </a:rPr>
+              <a:t>mboost_feature</a:t>
+            </a:r>
+            <a:r>
+              <a:rPr lang="en-US" sz="1800" dirty="0">
+                <a:latin typeface="Lucida Console" panose="020B0609040504020204" pitchFamily="49" charset="0"/>
+              </a:rPr>
+              <a:t>]] 							+ </a:t>
+            </a:r>
+            <a:r>
+              <a:rPr lang="en-US" sz="1800" dirty="0" err="1">
+                <a:latin typeface="Lucida Console" panose="020B0609040504020204" pitchFamily="49" charset="0"/>
+              </a:rPr>
+              <a:t>mboost_coeff</a:t>
+            </a:r>
+            <a:endParaRPr lang="en-US" sz="1800" dirty="0">
               <a:latin typeface="Lucida Console" panose="020B0609040504020204" pitchFamily="49" charset="0"/>
             </a:endParaRPr>
           </a:p>
@@ -4184,51 +4258,64 @@
               <a:buNone/>
             </a:pPr>
             <a:r>
-              <a:rPr lang="en-US" sz="1700" dirty="0">
-                <a:latin typeface="Lucida Console" panose="020B0609040504020204" pitchFamily="49" charset="0"/>
-              </a:rPr>
-              <a:t>	for (l in 1:length(prediction)){</a:t>
-            </a:r>
-          </a:p>
-          <a:p>
-            <a:pPr marL="0" indent="0">
-              <a:buNone/>
-            </a:pPr>
-            <a:r>
-              <a:rPr lang="en-US" sz="1700" dirty="0">
-                <a:latin typeface="Lucida Console" panose="020B0609040504020204" pitchFamily="49" charset="0"/>
-              </a:rPr>
-              <a:t>    		prediction[l] &lt;- </a:t>
-            </a:r>
-            <a:r>
-              <a:rPr lang="en-US" sz="1700" dirty="0" err="1">
-                <a:latin typeface="Lucida Console" panose="020B0609040504020204" pitchFamily="49" charset="0"/>
-              </a:rPr>
-              <a:t>icb_object$Coefficients$Intercept</a:t>
-            </a:r>
-            <a:r>
-              <a:rPr lang="en-US" sz="1700" dirty="0">
-                <a:latin typeface="Lucida Console" panose="020B0609040504020204" pitchFamily="49" charset="0"/>
-              </a:rPr>
-              <a:t>[[1]]</a:t>
-            </a:r>
-          </a:p>
-          <a:p>
-            <a:pPr marL="0" indent="0">
-              <a:buNone/>
-            </a:pPr>
-            <a:r>
-              <a:rPr lang="en-US" sz="1700" dirty="0">
-                <a:latin typeface="Lucida Console" panose="020B0609040504020204" pitchFamily="49" charset="0"/>
-              </a:rPr>
-              <a:t>  	}</a:t>
-            </a:r>
-          </a:p>
-          <a:p>
-            <a:pPr marL="0" indent="0">
-              <a:buNone/>
-            </a:pPr>
-            <a:endParaRPr lang="en-US" sz="1700" dirty="0">
+              <a:rPr lang="en-US" sz="1800" dirty="0">
+                <a:latin typeface="Lucida Console" panose="020B0609040504020204" pitchFamily="49" charset="0"/>
+              </a:rPr>
+              <a:t>    </a:t>
+            </a:r>
+          </a:p>
+          <a:p>
+            <a:pPr marL="0" indent="0">
+              <a:buNone/>
+            </a:pPr>
+            <a:r>
+              <a:rPr lang="en-US" sz="1800" dirty="0">
+                <a:latin typeface="Lucida Console" panose="020B0609040504020204" pitchFamily="49" charset="0"/>
+              </a:rPr>
+              <a:t>      		</a:t>
+            </a:r>
+            <a:r>
+              <a:rPr lang="en-US" sz="1800" dirty="0" err="1">
+                <a:latin typeface="Lucida Console" panose="020B0609040504020204" pitchFamily="49" charset="0"/>
+              </a:rPr>
+              <a:t>fitted_values</a:t>
+            </a:r>
+            <a:r>
+              <a:rPr lang="en-US" sz="1800" dirty="0">
+                <a:latin typeface="Lucida Console" panose="020B0609040504020204" pitchFamily="49" charset="0"/>
+              </a:rPr>
+              <a:t> &lt;- </a:t>
+            </a:r>
+            <a:r>
+              <a:rPr lang="en-US" sz="1800" dirty="0" err="1">
+                <a:latin typeface="Lucida Console" panose="020B0609040504020204" pitchFamily="49" charset="0"/>
+              </a:rPr>
+              <a:t>fitted_values</a:t>
+            </a:r>
+            <a:r>
+              <a:rPr lang="en-US" sz="1800" dirty="0">
+                <a:latin typeface="Lucida Console" panose="020B0609040504020204" pitchFamily="49" charset="0"/>
+              </a:rPr>
+              <a:t> + </a:t>
+            </a:r>
+            <a:r>
+              <a:rPr lang="en-US" sz="1800" dirty="0" err="1">
+                <a:latin typeface="Lucida Console" panose="020B0609040504020204" pitchFamily="49" charset="0"/>
+              </a:rPr>
+              <a:t>mb_spline$fitted</a:t>
+            </a:r>
+            <a:r>
+              <a:rPr lang="en-US" sz="1800" dirty="0">
+                <a:latin typeface="Lucida Console" panose="020B0609040504020204" pitchFamily="49" charset="0"/>
+              </a:rPr>
+              <a:t>()</a:t>
+            </a:r>
+          </a:p>
+          <a:p>
+            <a:pPr marL="0" indent="0">
+              <a:buNone/>
+            </a:pPr>
+            <a:endParaRPr lang="en-US" sz="1800" dirty="0">
               <a:latin typeface="Lucida Console" panose="020B0609040504020204" pitchFamily="49" charset="0"/>
             </a:endParaRPr>
           </a:p>
@@ -4237,123 +4324,41 @@
               <a:buNone/>
             </a:pPr>
             <a:r>
-              <a:rPr lang="en-US" sz="1700" dirty="0">
-                <a:latin typeface="Lucida Console" panose="020B0609040504020204" pitchFamily="49" charset="0"/>
-              </a:rPr>
-              <a:t>	 </a:t>
-            </a:r>
-          </a:p>
-          <a:p>
-            <a:pPr marL="0" indent="0">
-              <a:buNone/>
-            </a:pPr>
-            <a:r>
-              <a:rPr lang="en-US" sz="1700" dirty="0">
-                <a:latin typeface="Lucida Console" panose="020B0609040504020204" pitchFamily="49" charset="0"/>
-              </a:rPr>
-              <a:t>	while(iteration &lt;= (</a:t>
-            </a:r>
-            <a:r>
-              <a:rPr lang="en-US" sz="1700" dirty="0" err="1">
-                <a:latin typeface="Lucida Console" panose="020B0609040504020204" pitchFamily="49" charset="0"/>
-              </a:rPr>
-              <a:t>icb_object$`Transition</a:t>
-            </a:r>
-            <a:r>
-              <a:rPr lang="en-US" sz="1700" dirty="0">
-                <a:latin typeface="Lucida Console" panose="020B0609040504020204" pitchFamily="49" charset="0"/>
-              </a:rPr>
-              <a:t> Iterations`[1]+1)){</a:t>
-            </a:r>
-          </a:p>
-          <a:p>
-            <a:pPr marL="0" indent="0">
-              <a:buNone/>
-            </a:pPr>
-            <a:r>
-              <a:rPr lang="en-US" sz="1700" dirty="0">
-                <a:latin typeface="Lucida Console" panose="020B0609040504020204" pitchFamily="49" charset="0"/>
-              </a:rPr>
-              <a:t>		</a:t>
-            </a:r>
-            <a:r>
-              <a:rPr lang="en-US" sz="1700" dirty="0" err="1">
-                <a:latin typeface="Lucida Console" panose="020B0609040504020204" pitchFamily="49" charset="0"/>
-              </a:rPr>
-              <a:t>pred_iteration</a:t>
-            </a:r>
-            <a:r>
-              <a:rPr lang="en-US" sz="1700" dirty="0">
-                <a:latin typeface="Lucida Console" panose="020B0609040504020204" pitchFamily="49" charset="0"/>
-              </a:rPr>
-              <a:t> &lt;- </a:t>
-            </a:r>
-            <a:r>
-              <a:rPr lang="en-US" sz="1700" dirty="0" err="1">
-                <a:latin typeface="Lucida Console" panose="020B0609040504020204" pitchFamily="49" charset="0"/>
-              </a:rPr>
-              <a:t>newdata</a:t>
-            </a:r>
-            <a:r>
-              <a:rPr lang="en-US" sz="1700" dirty="0">
-                <a:latin typeface="Lucida Console" panose="020B0609040504020204" pitchFamily="49" charset="0"/>
-              </a:rPr>
-              <a:t>[,</a:t>
-            </a:r>
-            <a:r>
-              <a:rPr lang="en-US" sz="1700" dirty="0" err="1">
-                <a:latin typeface="Lucida Console" panose="020B0609040504020204" pitchFamily="49" charset="0"/>
-              </a:rPr>
-              <a:t>selected_feature</a:t>
-            </a:r>
-            <a:r>
-              <a:rPr lang="en-US" sz="1700" dirty="0">
-                <a:latin typeface="Lucida Console" panose="020B0609040504020204" pitchFamily="49" charset="0"/>
-              </a:rPr>
-              <a:t>] * 								</a:t>
-            </a:r>
-            <a:r>
-              <a:rPr lang="en-US" sz="1700" dirty="0" err="1">
-                <a:latin typeface="Lucida Console" panose="020B0609040504020204" pitchFamily="49" charset="0"/>
-              </a:rPr>
-              <a:t>icb_object$Prediction_Models</a:t>
-            </a:r>
-            <a:r>
-              <a:rPr lang="en-US" sz="1700" dirty="0">
-                <a:latin typeface="Lucida Console" panose="020B0609040504020204" pitchFamily="49" charset="0"/>
-              </a:rPr>
-              <a:t>[[iteration]][</a:t>
-            </a:r>
-            <a:r>
-              <a:rPr lang="en-US" sz="1700" dirty="0" err="1">
-                <a:latin typeface="Lucida Console" panose="020B0609040504020204" pitchFamily="49" charset="0"/>
-              </a:rPr>
-              <a:t>pos_feature</a:t>
-            </a:r>
-            <a:r>
-              <a:rPr lang="en-US" sz="1700" dirty="0">
-                <a:latin typeface="Lucida Console" panose="020B0609040504020204" pitchFamily="49" charset="0"/>
-              </a:rPr>
-              <a:t>]</a:t>
-            </a:r>
-          </a:p>
-          <a:p>
-            <a:pPr marL="0" indent="0">
-              <a:buNone/>
-            </a:pPr>
-            <a:r>
-              <a:rPr lang="en-US" sz="1700" dirty="0">
-                <a:latin typeface="Lucida Console" panose="020B0609040504020204" pitchFamily="49" charset="0"/>
-              </a:rPr>
-              <a:t>    		prediction &lt;- prediction + nu * </a:t>
-            </a:r>
-            <a:r>
-              <a:rPr lang="en-US" sz="1700" dirty="0" err="1">
-                <a:latin typeface="Lucida Console" panose="020B0609040504020204" pitchFamily="49" charset="0"/>
-              </a:rPr>
-              <a:t>pred_iteration</a:t>
-            </a:r>
-            <a:endParaRPr lang="en-US" sz="1700" dirty="0">
+              <a:rPr lang="en-US" sz="1800" dirty="0">
+                <a:latin typeface="Lucida Console" panose="020B0609040504020204" pitchFamily="49" charset="0"/>
+              </a:rPr>
+              <a:t>    		risk[iteration+1] &lt;- </a:t>
+            </a:r>
+            <a:r>
+              <a:rPr lang="en-US" sz="1800" dirty="0" err="1">
+                <a:latin typeface="Lucida Console" panose="020B0609040504020204" pitchFamily="49" charset="0"/>
+              </a:rPr>
+              <a:t>riskfct</a:t>
+            </a:r>
+            <a:r>
+              <a:rPr lang="en-US" sz="1800" dirty="0">
+                <a:latin typeface="Lucida Console" panose="020B0609040504020204" pitchFamily="49" charset="0"/>
+              </a:rPr>
+              <a:t>(y = y, f = </a:t>
+            </a:r>
+            <a:r>
+              <a:rPr lang="en-US" sz="1800" dirty="0" err="1">
+                <a:latin typeface="Lucida Console" panose="020B0609040504020204" pitchFamily="49" charset="0"/>
+              </a:rPr>
+              <a:t>fitted_values</a:t>
+            </a:r>
+            <a:r>
+              <a:rPr lang="en-US" sz="1800" dirty="0">
+                <a:latin typeface="Lucida Console" panose="020B0609040504020204" pitchFamily="49" charset="0"/>
+              </a:rPr>
+              <a:t>)</a:t>
+            </a:r>
+          </a:p>
+          <a:p>
+            <a:pPr marL="0" indent="0">
+              <a:buNone/>
+            </a:pPr>
+            <a:endParaRPr lang="en-US" sz="1800" dirty="0">
               <a:latin typeface="Lucida Console" panose="020B0609040504020204" pitchFamily="49" charset="0"/>
             </a:endParaRPr>
           </a:p>
@@ -4362,40 +4367,101 @@
               <a:buNone/>
             </a:pPr>
             <a:r>
-              <a:rPr lang="en-US" sz="1700" dirty="0">
-                <a:latin typeface="Lucida Console" panose="020B0609040504020204" pitchFamily="49" charset="0"/>
-              </a:rPr>
-              <a:t>		</a:t>
-            </a:r>
-            <a:r>
-              <a:rPr lang="en-US" sz="1700" dirty="0" err="1">
-                <a:latin typeface="Lucida Console" panose="020B0609040504020204" pitchFamily="49" charset="0"/>
-              </a:rPr>
-              <a:t>test_risk</a:t>
-            </a:r>
-            <a:r>
-              <a:rPr lang="en-US" sz="1700" dirty="0">
-                <a:latin typeface="Lucida Console" panose="020B0609040504020204" pitchFamily="49" charset="0"/>
-              </a:rPr>
-              <a:t>[iteration+1] &lt;- </a:t>
-            </a:r>
-            <a:r>
-              <a:rPr lang="en-US" sz="1700" dirty="0" err="1">
-                <a:latin typeface="Lucida Console" panose="020B0609040504020204" pitchFamily="49" charset="0"/>
-              </a:rPr>
-              <a:t>icb_object$Riskfunction</a:t>
-            </a:r>
-            <a:r>
-              <a:rPr lang="en-US" sz="1700" dirty="0">
-                <a:latin typeface="Lucida Console" panose="020B0609040504020204" pitchFamily="49" charset="0"/>
-              </a:rPr>
-              <a:t>(y = y, f = prediction)</a:t>
-            </a:r>
-            <a:r>
-              <a:rPr lang="en-US" sz="1800" dirty="0">
-                <a:latin typeface="Lucida Console" panose="020B0609040504020204" pitchFamily="49" charset="0"/>
-              </a:rPr>
-              <a:t>	}</a:t>
+              <a:rPr lang="en-US" sz="1800" dirty="0">
+                <a:latin typeface="Lucida Console" panose="020B0609040504020204" pitchFamily="49" charset="0"/>
+              </a:rPr>
+              <a:t>    		</a:t>
+            </a:r>
+            <a:r>
+              <a:rPr lang="en-US" sz="1800" dirty="0" err="1">
+                <a:latin typeface="Lucida Console" panose="020B0609040504020204" pitchFamily="49" charset="0"/>
+              </a:rPr>
+              <a:t>data_temp</a:t>
+            </a:r>
+            <a:r>
+              <a:rPr lang="en-US" sz="1800" dirty="0">
+                <a:latin typeface="Lucida Console" panose="020B0609040504020204" pitchFamily="49" charset="0"/>
+              </a:rPr>
+              <a:t>[,target] &lt;- </a:t>
+            </a:r>
+            <a:r>
+              <a:rPr lang="en-US" sz="1800" dirty="0" err="1">
+                <a:latin typeface="Lucida Console" panose="020B0609040504020204" pitchFamily="49" charset="0"/>
+              </a:rPr>
+              <a:t>ngradient</a:t>
+            </a:r>
+            <a:r>
+              <a:rPr lang="en-US" sz="1800" dirty="0">
+                <a:latin typeface="Lucida Console" panose="020B0609040504020204" pitchFamily="49" charset="0"/>
+              </a:rPr>
+              <a:t>(y = y, f = </a:t>
+            </a:r>
+            <a:r>
+              <a:rPr lang="en-US" sz="1800" dirty="0" err="1">
+                <a:latin typeface="Lucida Console" panose="020B0609040504020204" pitchFamily="49" charset="0"/>
+              </a:rPr>
+              <a:t>fitted_values</a:t>
+            </a:r>
+            <a:r>
+              <a:rPr lang="en-US" sz="1800" dirty="0">
+                <a:latin typeface="Lucida Console" panose="020B0609040504020204" pitchFamily="49" charset="0"/>
+              </a:rPr>
+              <a:t>)</a:t>
+            </a:r>
+          </a:p>
+          <a:p>
+            <a:pPr marL="0" indent="0">
+              <a:buNone/>
+            </a:pPr>
+            <a:r>
+              <a:rPr lang="en-US" sz="1800" dirty="0">
+                <a:latin typeface="Lucida Console" panose="020B0609040504020204" pitchFamily="49" charset="0"/>
+              </a:rPr>
+              <a:t>    </a:t>
+            </a:r>
+          </a:p>
+          <a:p>
+            <a:pPr marL="0" indent="0">
+              <a:buNone/>
+            </a:pPr>
+            <a:r>
+              <a:rPr lang="en-US" sz="1800" dirty="0">
+                <a:latin typeface="Lucida Console" panose="020B0609040504020204" pitchFamily="49" charset="0"/>
+              </a:rPr>
+              <a:t>  }</a:t>
+            </a:r>
+          </a:p>
+          <a:p>
+            <a:pPr marL="0" indent="0">
+              <a:buNone/>
+            </a:pPr>
+            <a:r>
+              <a:rPr lang="en-US" sz="1800" dirty="0">
+                <a:latin typeface="Lucida Console" panose="020B0609040504020204" pitchFamily="49" charset="0"/>
+              </a:rPr>
+              <a:t>      </a:t>
+            </a:r>
+          </a:p>
+          <a:p>
+            <a:pPr marL="0" indent="0">
+              <a:buNone/>
+            </a:pPr>
+            <a:r>
+              <a:rPr lang="en-US" sz="1800" dirty="0">
+                <a:latin typeface="Lucida Console" panose="020B0609040504020204" pitchFamily="49" charset="0"/>
+              </a:rPr>
+              <a:t>    </a:t>
+            </a:r>
+          </a:p>
+          <a:p>
+            <a:pPr marL="0" indent="0">
+              <a:buNone/>
+            </a:pPr>
+            <a:r>
+              <a:rPr lang="en-US" sz="1800" dirty="0">
+                <a:latin typeface="Lucida Console" panose="020B0609040504020204" pitchFamily="49" charset="0"/>
+              </a:rPr>
+              <a:t>	</a:t>
             </a:r>
           </a:p>
         </p:txBody>
@@ -4403,7 +4469,7 @@
     </p:spTree>
     <p:extLst>
       <p:ext uri="{BB962C8B-B14F-4D97-AF65-F5344CB8AC3E}">
-        <p14:creationId xmlns:p14="http://schemas.microsoft.com/office/powerpoint/2010/main" val="4087086615"/>
+        <p14:creationId xmlns:p14="http://schemas.microsoft.com/office/powerpoint/2010/main" val="1780484347"/>
       </p:ext>
     </p:extLst>
   </p:cSld>
@@ -4453,13 +4519,8 @@
           <a:p>
             <a:r>
               <a:rPr lang="en-US" dirty="0"/>
-              <a:t>Pseudo-Code: predict-</a:t>
-            </a:r>
-            <a:r>
-              <a:rPr lang="en-US" dirty="0" err="1"/>
-              <a:t>Funktion</a:t>
-            </a:r>
-            <a:endParaRPr lang="en-US" dirty="0"/>
+              <a:t>Pseudo-Code: Phase III Trees</a:t>
+            </a:r>
           </a:p>
         </p:txBody>
       </p:sp>
@@ -4481,7 +4542,7 @@
         </p:nvSpPr>
         <p:spPr>
           <a:xfrm>
-            <a:off x="465297" y="1596047"/>
+            <a:off x="549704" y="1814732"/>
             <a:ext cx="11843931" cy="4351337"/>
           </a:xfrm>
         </p:spPr>
@@ -4495,128 +4556,28 @@
               <a:buNone/>
             </a:pPr>
             <a:r>
-              <a:rPr lang="en-US" sz="1800" dirty="0">
-                <a:latin typeface="Lucida Console" panose="020B0609040504020204" pitchFamily="49" charset="0"/>
-              </a:rPr>
-              <a:t>	</a:t>
-            </a:r>
-            <a:r>
               <a:rPr lang="en-US" sz="1700" dirty="0">
                 <a:latin typeface="Lucida Console" panose="020B0609040504020204" pitchFamily="49" charset="0"/>
               </a:rPr>
-              <a:t>while(iteration &lt;= (</a:t>
+              <a:t>while((iteration &lt;= </a:t>
             </a:r>
             <a:r>
               <a:rPr lang="en-US" sz="1700" dirty="0" err="1">
                 <a:latin typeface="Lucida Console" panose="020B0609040504020204" pitchFamily="49" charset="0"/>
               </a:rPr>
-              <a:t>icb_object$`Transition</a:t>
+              <a:t>mstop</a:t>
             </a:r>
             <a:r>
               <a:rPr lang="en-US" sz="1700" dirty="0">
                 <a:latin typeface="Lucida Console" panose="020B0609040504020204" pitchFamily="49" charset="0"/>
               </a:rPr>
-              <a:t> Iterations`[2]+1)){</a:t>
-            </a:r>
-          </a:p>
-          <a:p>
-            <a:pPr marL="0" indent="0">
-              <a:buNone/>
-            </a:pPr>
-            <a:r>
-              <a:rPr lang="en-US" sz="1700" dirty="0">
-                <a:latin typeface="Lucida Console" panose="020B0609040504020204" pitchFamily="49" charset="0"/>
-              </a:rPr>
-              <a:t>    		</a:t>
-            </a:r>
-            <a:r>
-              <a:rPr lang="en-US" sz="1700" dirty="0" err="1">
-                <a:latin typeface="Lucida Console" panose="020B0609040504020204" pitchFamily="49" charset="0"/>
-              </a:rPr>
-              <a:t>mboost_spline_model</a:t>
-            </a:r>
-            <a:r>
-              <a:rPr lang="en-US" sz="1700" dirty="0">
-                <a:latin typeface="Lucida Console" panose="020B0609040504020204" pitchFamily="49" charset="0"/>
-              </a:rPr>
-              <a:t> &lt;- </a:t>
-            </a:r>
-            <a:r>
-              <a:rPr lang="en-US" sz="1700" dirty="0" err="1">
-                <a:latin typeface="Lucida Console" panose="020B0609040504020204" pitchFamily="49" charset="0"/>
-              </a:rPr>
-              <a:t>icb_object$Prediction_Models</a:t>
-            </a:r>
-            <a:r>
-              <a:rPr lang="en-US" sz="1700" dirty="0">
-                <a:latin typeface="Lucida Console" panose="020B0609040504020204" pitchFamily="49" charset="0"/>
-              </a:rPr>
-              <a:t>[[iteration]]</a:t>
-            </a:r>
-          </a:p>
-          <a:p>
-            <a:pPr marL="0" indent="0">
-              <a:buNone/>
-            </a:pPr>
-            <a:r>
-              <a:rPr lang="en-US" sz="1700" dirty="0">
-                <a:latin typeface="Lucida Console" panose="020B0609040504020204" pitchFamily="49" charset="0"/>
-              </a:rPr>
-              <a:t>    		</a:t>
-            </a:r>
-            <a:r>
-              <a:rPr lang="en-US" sz="1700" dirty="0" err="1">
-                <a:latin typeface="Lucida Console" panose="020B0609040504020204" pitchFamily="49" charset="0"/>
-              </a:rPr>
-              <a:t>pred_iteration</a:t>
-            </a:r>
-            <a:r>
-              <a:rPr lang="en-US" sz="1700" dirty="0">
-                <a:latin typeface="Lucida Console" panose="020B0609040504020204" pitchFamily="49" charset="0"/>
-              </a:rPr>
-              <a:t> &lt;- </a:t>
-            </a:r>
-            <a:r>
-              <a:rPr lang="en-US" sz="1700" dirty="0" err="1">
-                <a:latin typeface="Lucida Console" panose="020B0609040504020204" pitchFamily="49" charset="0"/>
-              </a:rPr>
-              <a:t>mboost_spline_model$predict</a:t>
-            </a:r>
-            <a:r>
-              <a:rPr lang="en-US" sz="1700" dirty="0">
-                <a:latin typeface="Lucida Console" panose="020B0609040504020204" pitchFamily="49" charset="0"/>
-              </a:rPr>
-              <a:t>(</a:t>
-            </a:r>
-            <a:r>
-              <a:rPr lang="en-US" sz="1700" dirty="0" err="1">
-                <a:latin typeface="Lucida Console" panose="020B0609040504020204" pitchFamily="49" charset="0"/>
-              </a:rPr>
-              <a:t>newdata</a:t>
-            </a:r>
-            <a:r>
-              <a:rPr lang="en-US" sz="1700" dirty="0">
-                <a:latin typeface="Lucida Console" panose="020B0609040504020204" pitchFamily="49" charset="0"/>
-              </a:rPr>
-              <a:t>)</a:t>
-            </a:r>
-          </a:p>
-          <a:p>
-            <a:pPr marL="0" indent="0">
-              <a:buNone/>
-            </a:pPr>
-            <a:r>
-              <a:rPr lang="en-US" sz="1700" dirty="0">
-                <a:latin typeface="Lucida Console" panose="020B0609040504020204" pitchFamily="49" charset="0"/>
-              </a:rPr>
-              <a:t>    		prediction &lt;- prediction + </a:t>
-            </a:r>
-            <a:r>
-              <a:rPr lang="en-US" sz="1700" dirty="0" err="1">
-                <a:latin typeface="Lucida Console" panose="020B0609040504020204" pitchFamily="49" charset="0"/>
-              </a:rPr>
-              <a:t>pred_iteration</a:t>
-            </a:r>
+              <a:t>) &amp; ((risk[iteration]/risk[iteration+1]) &gt;= (1 + epsilon))){</a:t>
+            </a:r>
+          </a:p>
+          <a:p>
+            <a:pPr marL="0" indent="0">
+              <a:buNone/>
+            </a:pPr>
             <a:endParaRPr lang="en-US" sz="1700" dirty="0">
               <a:latin typeface="Lucida Console" panose="020B0609040504020204" pitchFamily="49" charset="0"/>
             </a:endParaRPr>
@@ -4626,45 +4587,87 @@
               <a:buNone/>
             </a:pPr>
             <a:r>
+              <a:rPr lang="en-US" sz="1800" dirty="0">
+                <a:latin typeface="Lucida Console" panose="020B0609040504020204" pitchFamily="49" charset="0"/>
+              </a:rPr>
+              <a:t>	</a:t>
+            </a:r>
+            <a:r>
+              <a:rPr lang="en-US" sz="1800" dirty="0" err="1">
+                <a:latin typeface="Lucida Console" panose="020B0609040504020204" pitchFamily="49" charset="0"/>
+              </a:rPr>
+              <a:t>risk_temp</a:t>
+            </a:r>
+            <a:r>
+              <a:rPr lang="en-US" sz="1800" dirty="0">
+                <a:latin typeface="Lucida Console" panose="020B0609040504020204" pitchFamily="49" charset="0"/>
+              </a:rPr>
+              <a:t> &lt;- </a:t>
+            </a:r>
+            <a:r>
+              <a:rPr lang="en-US" sz="1800" dirty="0" err="1">
+                <a:latin typeface="Lucida Console" panose="020B0609040504020204" pitchFamily="49" charset="0"/>
+              </a:rPr>
+              <a:t>riskfct</a:t>
+            </a:r>
+            <a:r>
+              <a:rPr lang="en-US" sz="1800" dirty="0">
+                <a:latin typeface="Lucida Console" panose="020B0609040504020204" pitchFamily="49" charset="0"/>
+              </a:rPr>
+              <a:t>(y = y, f = </a:t>
+            </a:r>
+            <a:r>
+              <a:rPr lang="en-US" sz="1800" dirty="0" err="1">
+                <a:latin typeface="Lucida Console" panose="020B0609040504020204" pitchFamily="49" charset="0"/>
+              </a:rPr>
+              <a:t>fitted_values</a:t>
+            </a:r>
+            <a:r>
+              <a:rPr lang="en-US" sz="1800" dirty="0">
+                <a:latin typeface="Lucida Console" panose="020B0609040504020204" pitchFamily="49" charset="0"/>
+              </a:rPr>
+              <a:t>)</a:t>
+            </a:r>
+          </a:p>
+          <a:p>
+            <a:pPr marL="0" indent="0">
+              <a:buNone/>
+            </a:pPr>
+            <a:r>
+              <a:rPr lang="en-US" sz="1800" dirty="0">
+                <a:latin typeface="Lucida Console" panose="020B0609040504020204" pitchFamily="49" charset="0"/>
+              </a:rPr>
+              <a:t>	</a:t>
+            </a:r>
+            <a:r>
               <a:rPr lang="en-US" sz="1700" dirty="0">
                 <a:latin typeface="Lucida Console" panose="020B0609040504020204" pitchFamily="49" charset="0"/>
               </a:rPr>
-              <a:t>		</a:t>
+              <a:t>u &lt;- </a:t>
             </a:r>
             <a:r>
               <a:rPr lang="en-US" sz="1700" dirty="0" err="1">
                 <a:latin typeface="Lucida Console" panose="020B0609040504020204" pitchFamily="49" charset="0"/>
               </a:rPr>
-              <a:t>test_risk</a:t>
+              <a:t>ngradient</a:t>
             </a:r>
             <a:r>
               <a:rPr lang="en-US" sz="1700" dirty="0">
                 <a:latin typeface="Lucida Console" panose="020B0609040504020204" pitchFamily="49" charset="0"/>
               </a:rPr>
-              <a:t>[iteration+1] &lt;- </a:t>
+              <a:t>(y = y, f = </a:t>
             </a:r>
             <a:r>
               <a:rPr lang="en-US" sz="1700" dirty="0" err="1">
                 <a:latin typeface="Lucida Console" panose="020B0609040504020204" pitchFamily="49" charset="0"/>
               </a:rPr>
-              <a:t>icb_object$Riskfunction</a:t>
+              <a:t>fitted_values</a:t>
             </a:r>
             <a:r>
               <a:rPr lang="en-US" sz="1700" dirty="0">
                 <a:latin typeface="Lucida Console" panose="020B0609040504020204" pitchFamily="49" charset="0"/>
               </a:rPr>
-              <a:t>(y = y, f = 							prediction)</a:t>
-            </a:r>
-          </a:p>
-          <a:p>
-            <a:pPr marL="0" indent="0">
-              <a:buNone/>
-            </a:pPr>
-            <a:r>
-              <a:rPr lang="en-US" sz="1700" dirty="0">
-                <a:latin typeface="Lucida Console" panose="020B0609040504020204" pitchFamily="49" charset="0"/>
-              </a:rPr>
-              <a:t>	}</a:t>
+              <a:t>)</a:t>
             </a:r>
           </a:p>
           <a:p>
@@ -4676,127 +4679,163 @@
             </a:endParaRPr>
           </a:p>
           <a:p>
-            <a:pPr marL="0" indent="0">
+            <a:pPr marL="457200" lvl="1" indent="0">
               <a:buNone/>
             </a:pPr>
             <a:r>
               <a:rPr lang="en-US" sz="1700" dirty="0">
                 <a:latin typeface="Lucida Console" panose="020B0609040504020204" pitchFamily="49" charset="0"/>
               </a:rPr>
-              <a:t>	while(iteration &lt; length(</a:t>
+              <a:t>	</a:t>
             </a:r>
             <a:r>
               <a:rPr lang="en-US" sz="1700" dirty="0" err="1">
                 <a:latin typeface="Lucida Console" panose="020B0609040504020204" pitchFamily="49" charset="0"/>
               </a:rPr>
-              <a:t>icb_object$Risk</a:t>
+              <a:t>mb_tree</a:t>
             </a:r>
             <a:r>
               <a:rPr lang="en-US" sz="1700" dirty="0">
                 <a:latin typeface="Lucida Console" panose="020B0609040504020204" pitchFamily="49" charset="0"/>
               </a:rPr>
-              <a:t>)){</a:t>
-            </a:r>
-          </a:p>
-          <a:p>
-            <a:pPr marL="0" indent="0">
-              <a:buNone/>
-            </a:pPr>
+              <a:t> = </a:t>
+            </a:r>
+            <a:r>
+              <a:rPr lang="en-US" sz="1700" dirty="0" err="1">
+                <a:latin typeface="Lucida Console" panose="020B0609040504020204" pitchFamily="49" charset="0"/>
+              </a:rPr>
+              <a:t>mboost</a:t>
+            </a:r>
             <a:r>
               <a:rPr lang="en-US" sz="1700" dirty="0">
                 <a:latin typeface="Lucida Console" panose="020B0609040504020204" pitchFamily="49" charset="0"/>
               </a:rPr>
-              <a:t>       	</a:t>
+              <a:t>::</a:t>
             </a:r>
             <a:r>
               <a:rPr lang="en-US" sz="1700" dirty="0" err="1">
                 <a:latin typeface="Lucida Console" panose="020B0609040504020204" pitchFamily="49" charset="0"/>
               </a:rPr>
-              <a:t>mboost_tree_model</a:t>
+              <a:t>mboost</a:t>
             </a:r>
             <a:r>
               <a:rPr lang="en-US" sz="1700" dirty="0">
                 <a:latin typeface="Lucida Console" panose="020B0609040504020204" pitchFamily="49" charset="0"/>
               </a:rPr>
-              <a:t> &lt;- </a:t>
+              <a:t>(formula = formula, data = </a:t>
             </a:r>
             <a:r>
               <a:rPr lang="en-US" sz="1700" dirty="0" err="1">
                 <a:latin typeface="Lucida Console" panose="020B0609040504020204" pitchFamily="49" charset="0"/>
               </a:rPr>
-              <a:t>icb_object$Prediction_Models</a:t>
+              <a:t>data_temp</a:t>
             </a:r>
             <a:r>
               <a:rPr lang="en-US" sz="1700" dirty="0">
                 <a:latin typeface="Lucida Console" panose="020B0609040504020204" pitchFamily="49" charset="0"/>
               </a:rPr>
-              <a:t>[[iteration]]</a:t>
-            </a:r>
-          </a:p>
-          <a:p>
-            <a:pPr marL="0" indent="0">
-              <a:buNone/>
-            </a:pPr>
+              <a:t>, family = 						family, </a:t>
+            </a:r>
+            <a:r>
+              <a:rPr lang="en-US" sz="1700" dirty="0" err="1">
+                <a:latin typeface="Lucida Console" panose="020B0609040504020204" pitchFamily="49" charset="0"/>
+              </a:rPr>
+              <a:t>baselearner</a:t>
+            </a:r>
             <a:r>
               <a:rPr lang="en-US" sz="1700" dirty="0">
                 <a:latin typeface="Lucida Console" panose="020B0609040504020204" pitchFamily="49" charset="0"/>
               </a:rPr>
-              <a:t>    		</a:t>
+              <a:t> = "</a:t>
             </a:r>
             <a:r>
               <a:rPr lang="en-US" sz="1700" dirty="0" err="1">
                 <a:latin typeface="Lucida Console" panose="020B0609040504020204" pitchFamily="49" charset="0"/>
               </a:rPr>
-              <a:t>pred_iteration</a:t>
+              <a:t>btree</a:t>
             </a:r>
             <a:r>
               <a:rPr lang="en-US" sz="1700" dirty="0">
                 <a:latin typeface="Lucida Console" panose="020B0609040504020204" pitchFamily="49" charset="0"/>
               </a:rPr>
-              <a:t> &lt;- </a:t>
+              <a:t>", control = 							</a:t>
             </a:r>
             <a:r>
               <a:rPr lang="en-US" sz="1700" dirty="0" err="1">
                 <a:latin typeface="Lucida Console" panose="020B0609040504020204" pitchFamily="49" charset="0"/>
               </a:rPr>
-              <a:t>mboost_tree_model$predict</a:t>
+              <a:t>boost_control</a:t>
             </a:r>
             <a:r>
               <a:rPr lang="en-US" sz="1700" dirty="0">
                 <a:latin typeface="Lucida Console" panose="020B0609040504020204" pitchFamily="49" charset="0"/>
               </a:rPr>
-              <a:t>(</a:t>
+              <a:t>(nu = nu, </a:t>
             </a:r>
             <a:r>
               <a:rPr lang="en-US" sz="1700" dirty="0" err="1">
                 <a:latin typeface="Lucida Console" panose="020B0609040504020204" pitchFamily="49" charset="0"/>
               </a:rPr>
-              <a:t>newdata</a:t>
+              <a:t>mstop</a:t>
             </a:r>
             <a:r>
               <a:rPr lang="en-US" sz="1700" dirty="0">
                 <a:latin typeface="Lucida Console" panose="020B0609040504020204" pitchFamily="49" charset="0"/>
               </a:rPr>
-              <a:t>)</a:t>
-            </a:r>
-          </a:p>
-          <a:p>
-            <a:pPr marL="0" indent="0">
-              <a:buNone/>
-            </a:pPr>
-            <a:r>
-              <a:rPr lang="en-US" sz="1700" dirty="0">
-                <a:latin typeface="Lucida Console" panose="020B0609040504020204" pitchFamily="49" charset="0"/>
-              </a:rPr>
-              <a:t>    		prediction &lt;- prediction + </a:t>
-            </a:r>
-            <a:r>
-              <a:rPr lang="en-US" sz="1700" dirty="0" err="1">
-                <a:latin typeface="Lucida Console" panose="020B0609040504020204" pitchFamily="49" charset="0"/>
-              </a:rPr>
-              <a:t>pred_iteration</a:t>
-            </a:r>
-            <a:endParaRPr lang="en-US" sz="1700" dirty="0">
+              <a:t> = 1))</a:t>
+            </a:r>
+          </a:p>
+          <a:p>
+            <a:pPr marL="0" indent="0">
+              <a:buNone/>
+            </a:pPr>
+            <a:r>
+              <a:rPr lang="en-US" sz="1800" dirty="0">
+                <a:latin typeface="Lucida Console" panose="020B0609040504020204" pitchFamily="49" charset="0"/>
+              </a:rPr>
+              <a:t>    </a:t>
+            </a:r>
+          </a:p>
+          <a:p>
+            <a:pPr marL="0" indent="0">
+              <a:buNone/>
+            </a:pPr>
+            <a:r>
+              <a:rPr lang="en-US" sz="1800" dirty="0">
+                <a:latin typeface="Lucida Console" panose="020B0609040504020204" pitchFamily="49" charset="0"/>
+              </a:rPr>
+              <a:t>	</a:t>
+            </a:r>
+            <a:r>
+              <a:rPr lang="en-US" sz="1800" dirty="0" err="1">
+                <a:latin typeface="Lucida Console" panose="020B0609040504020204" pitchFamily="49" charset="0"/>
+              </a:rPr>
+              <a:t>mboost_risk</a:t>
+            </a:r>
+            <a:r>
+              <a:rPr lang="en-US" sz="1800" dirty="0">
+                <a:latin typeface="Lucida Console" panose="020B0609040504020204" pitchFamily="49" charset="0"/>
+              </a:rPr>
+              <a:t> = </a:t>
+            </a:r>
+            <a:r>
+              <a:rPr lang="en-US" sz="1800" dirty="0" err="1">
+                <a:latin typeface="Lucida Console" panose="020B0609040504020204" pitchFamily="49" charset="0"/>
+              </a:rPr>
+              <a:t>mb_tree$risk</a:t>
+            </a:r>
+            <a:r>
+              <a:rPr lang="en-US" sz="1800" dirty="0">
+                <a:latin typeface="Lucida Console" panose="020B0609040504020204" pitchFamily="49" charset="0"/>
+              </a:rPr>
+              <a:t>()[2]</a:t>
+            </a:r>
+          </a:p>
+          <a:p>
+            <a:pPr marL="0" indent="0">
+              <a:buNone/>
+            </a:pPr>
+            <a:endParaRPr lang="en-US" sz="1800" dirty="0">
               <a:latin typeface="Lucida Console" panose="020B0609040504020204" pitchFamily="49" charset="0"/>
             </a:endParaRPr>
           </a:p>
@@ -4805,59 +4844,207 @@
               <a:buNone/>
             </a:pPr>
             <a:r>
-              <a:rPr lang="en-US" sz="1700" dirty="0">
-                <a:latin typeface="Lucida Console" panose="020B0609040504020204" pitchFamily="49" charset="0"/>
-              </a:rPr>
-              <a:t>    		</a:t>
-            </a:r>
-            <a:r>
-              <a:rPr lang="en-US" sz="1700" dirty="0" err="1">
-                <a:latin typeface="Lucida Console" panose="020B0609040504020204" pitchFamily="49" charset="0"/>
-              </a:rPr>
-              <a:t>test_risk</a:t>
-            </a:r>
-            <a:r>
-              <a:rPr lang="en-US" sz="1700" dirty="0">
-                <a:latin typeface="Lucida Console" panose="020B0609040504020204" pitchFamily="49" charset="0"/>
-              </a:rPr>
-              <a:t>[iteration+1] &lt;- </a:t>
-            </a:r>
-            <a:r>
-              <a:rPr lang="en-US" sz="1700" dirty="0" err="1">
-                <a:latin typeface="Lucida Console" panose="020B0609040504020204" pitchFamily="49" charset="0"/>
-              </a:rPr>
-              <a:t>icb_object$Riskfunction</a:t>
-            </a:r>
-            <a:r>
-              <a:rPr lang="en-US" sz="1700" dirty="0">
-                <a:latin typeface="Lucida Console" panose="020B0609040504020204" pitchFamily="49" charset="0"/>
-              </a:rPr>
-              <a:t>(y = y, f = 							prediction)</a:t>
-            </a:r>
-          </a:p>
-          <a:p>
-            <a:pPr marL="0" indent="0">
-              <a:buNone/>
-            </a:pPr>
-            <a:r>
-              <a:rPr lang="en-US" sz="1700" dirty="0">
-                <a:latin typeface="Lucida Console" panose="020B0609040504020204" pitchFamily="49" charset="0"/>
-              </a:rPr>
-              <a:t> 	}</a:t>
-            </a:r>
-            <a:r>
               <a:rPr lang="en-US" sz="1800" dirty="0">
                 <a:latin typeface="Lucida Console" panose="020B0609040504020204" pitchFamily="49" charset="0"/>
               </a:rPr>
               <a:t>	</a:t>
             </a:r>
+            <a:r>
+              <a:rPr lang="en-US" sz="1800" dirty="0" err="1">
+                <a:latin typeface="Lucida Console" panose="020B0609040504020204" pitchFamily="49" charset="0"/>
+              </a:rPr>
+              <a:t>fitted_values</a:t>
+            </a:r>
+            <a:r>
+              <a:rPr lang="en-US" sz="1800" dirty="0">
+                <a:latin typeface="Lucida Console" panose="020B0609040504020204" pitchFamily="49" charset="0"/>
+              </a:rPr>
+              <a:t> &lt;- </a:t>
+            </a:r>
+            <a:r>
+              <a:rPr lang="en-US" sz="1800" dirty="0" err="1">
+                <a:latin typeface="Lucida Console" panose="020B0609040504020204" pitchFamily="49" charset="0"/>
+              </a:rPr>
+              <a:t>fitted_values</a:t>
+            </a:r>
+            <a:r>
+              <a:rPr lang="en-US" sz="1800" dirty="0">
+                <a:latin typeface="Lucida Console" panose="020B0609040504020204" pitchFamily="49" charset="0"/>
+              </a:rPr>
+              <a:t> + </a:t>
+            </a:r>
+            <a:r>
+              <a:rPr lang="en-US" sz="1800" dirty="0" err="1">
+                <a:latin typeface="Lucida Console" panose="020B0609040504020204" pitchFamily="49" charset="0"/>
+              </a:rPr>
+              <a:t>mb_tree$fitted</a:t>
+            </a:r>
+            <a:r>
+              <a:rPr lang="en-US" sz="1800" dirty="0">
+                <a:latin typeface="Lucida Console" panose="020B0609040504020204" pitchFamily="49" charset="0"/>
+              </a:rPr>
+              <a:t>()</a:t>
+            </a:r>
+          </a:p>
+          <a:p>
+            <a:pPr marL="0" indent="0">
+              <a:buNone/>
+            </a:pPr>
+            <a:r>
+              <a:rPr lang="en-US" sz="1800" dirty="0">
+                <a:latin typeface="Lucida Console" panose="020B0609040504020204" pitchFamily="49" charset="0"/>
+              </a:rPr>
+              <a:t>	</a:t>
+            </a:r>
+          </a:p>
+          <a:p>
+            <a:pPr marL="0" indent="0">
+              <a:buNone/>
+            </a:pPr>
+            <a:r>
+              <a:rPr lang="en-US" sz="1800" dirty="0">
+                <a:latin typeface="Lucida Console" panose="020B0609040504020204" pitchFamily="49" charset="0"/>
+              </a:rPr>
+              <a:t>	</a:t>
+            </a:r>
+            <a:r>
+              <a:rPr lang="en-US" sz="1800" dirty="0" err="1">
+                <a:latin typeface="Lucida Console" panose="020B0609040504020204" pitchFamily="49" charset="0"/>
+              </a:rPr>
+              <a:t>data_temp</a:t>
+            </a:r>
+            <a:r>
+              <a:rPr lang="en-US" sz="1800" dirty="0">
+                <a:latin typeface="Lucida Console" panose="020B0609040504020204" pitchFamily="49" charset="0"/>
+              </a:rPr>
+              <a:t>[,target] &lt;- </a:t>
+            </a:r>
+            <a:r>
+              <a:rPr lang="en-US" sz="1800" dirty="0" err="1">
+                <a:latin typeface="Lucida Console" panose="020B0609040504020204" pitchFamily="49" charset="0"/>
+              </a:rPr>
+              <a:t>ngradient</a:t>
+            </a:r>
+            <a:r>
+              <a:rPr lang="en-US" sz="1800" dirty="0">
+                <a:latin typeface="Lucida Console" panose="020B0609040504020204" pitchFamily="49" charset="0"/>
+              </a:rPr>
+              <a:t>(y = y, f = </a:t>
+            </a:r>
+            <a:r>
+              <a:rPr lang="en-US" sz="1800" dirty="0" err="1">
+                <a:latin typeface="Lucida Console" panose="020B0609040504020204" pitchFamily="49" charset="0"/>
+              </a:rPr>
+              <a:t>fitted_values</a:t>
+            </a:r>
+            <a:r>
+              <a:rPr lang="en-US" sz="1800" dirty="0">
+                <a:latin typeface="Lucida Console" panose="020B0609040504020204" pitchFamily="49" charset="0"/>
+              </a:rPr>
+              <a:t>)</a:t>
+            </a:r>
+          </a:p>
+          <a:p>
+            <a:pPr marL="0" indent="0">
+              <a:buNone/>
+            </a:pPr>
+            <a:r>
+              <a:rPr lang="en-US" sz="1800" dirty="0">
+                <a:latin typeface="Lucida Console" panose="020B0609040504020204" pitchFamily="49" charset="0"/>
+              </a:rPr>
+              <a:t> 	</a:t>
+            </a:r>
+          </a:p>
+          <a:p>
+            <a:pPr marL="0" indent="0">
+              <a:buNone/>
+            </a:pPr>
+            <a:r>
+              <a:rPr lang="en-US" sz="1800" dirty="0">
+                <a:latin typeface="Lucida Console" panose="020B0609040504020204" pitchFamily="49" charset="0"/>
+              </a:rPr>
+              <a:t>	</a:t>
+            </a:r>
+          </a:p>
+        </p:txBody>
+      </p:sp>
+      <p:sp>
+        <p:nvSpPr>
+          <p:cNvPr id="4" name="Textfeld 3">
+            <a:extLst>
+              <a:ext uri="{FF2B5EF4-FFF2-40B4-BE49-F238E27FC236}">
+                <a16:creationId xmlns:a16="http://schemas.microsoft.com/office/drawing/2014/main" id="{D037148E-89B7-426B-B63F-E2663F75E3FB}"/>
+              </a:ext>
+            </a:extLst>
+          </p:cNvPr>
+          <p:cNvSpPr txBox="1"/>
+          <p:nvPr/>
+        </p:nvSpPr>
+        <p:spPr>
+          <a:xfrm>
+            <a:off x="8932983" y="2585590"/>
+            <a:ext cx="3151163" cy="923330"/>
+          </a:xfrm>
+          <a:prstGeom prst="rect">
+            <a:avLst/>
+          </a:prstGeom>
+          <a:solidFill>
+            <a:schemeClr val="accent2">
+              <a:lumMod val="60000"/>
+              <a:lumOff val="40000"/>
+            </a:schemeClr>
+          </a:solidFill>
+        </p:spPr>
+        <p:txBody>
+          <a:bodyPr wrap="square" rtlCol="0">
+            <a:spAutoFit/>
+          </a:bodyPr>
+          <a:lstStyle/>
+          <a:p>
+            <a:r>
+              <a:rPr lang="en-US" dirty="0" err="1"/>
+              <a:t>Hier</a:t>
+            </a:r>
+            <a:r>
+              <a:rPr lang="en-US" dirty="0"/>
+              <a:t> </a:t>
+            </a:r>
+            <a:r>
+              <a:rPr lang="en-US" dirty="0" err="1"/>
+              <a:t>werden</a:t>
+            </a:r>
+            <a:r>
+              <a:rPr lang="en-US" dirty="0"/>
+              <a:t> </a:t>
+            </a:r>
+            <a:r>
+              <a:rPr lang="en-US" dirty="0" err="1"/>
+              <a:t>aktuell</a:t>
+            </a:r>
+            <a:r>
+              <a:rPr lang="en-US" dirty="0"/>
+              <a:t> </a:t>
+            </a:r>
+            <a:r>
+              <a:rPr lang="en-US" dirty="0" err="1"/>
+              <a:t>standardmäßig</a:t>
+            </a:r>
+            <a:r>
+              <a:rPr lang="en-US" dirty="0"/>
+              <a:t> tree stumps </a:t>
+            </a:r>
+            <a:r>
+              <a:rPr lang="en-US" dirty="0" err="1"/>
+              <a:t>gefittet</a:t>
+            </a:r>
+            <a:endParaRPr lang="en-US" dirty="0"/>
           </a:p>
         </p:txBody>
       </p:sp>
     </p:spTree>
     <p:extLst>
       <p:ext uri="{BB962C8B-B14F-4D97-AF65-F5344CB8AC3E}">
-        <p14:creationId xmlns:p14="http://schemas.microsoft.com/office/powerpoint/2010/main" val="2753538034"/>
+        <p14:creationId xmlns:p14="http://schemas.microsoft.com/office/powerpoint/2010/main" val="257691928"/>
       </p:ext>
     </p:extLst>
   </p:cSld>
@@ -4907,6 +5094,831 @@
           <a:p>
             <a:r>
               <a:rPr lang="en-US" dirty="0"/>
+              <a:t>Pseudo-Code: Return List</a:t>
+            </a:r>
+          </a:p>
+        </p:txBody>
+      </p:sp>
+      <p:sp>
+        <p:nvSpPr>
+          <p:cNvPr id="3" name="Inhaltsplatzhalter 2">
+            <a:extLst>
+              <a:ext uri="{FF2B5EF4-FFF2-40B4-BE49-F238E27FC236}">
+                <a16:creationId xmlns:a16="http://schemas.microsoft.com/office/drawing/2014/main" id="{B20FC451-9691-475B-9DC5-F4A60672423B}"/>
+              </a:ext>
+            </a:extLst>
+          </p:cNvPr>
+          <p:cNvSpPr>
+            <a:spLocks noGrp="1"/>
+          </p:cNvSpPr>
+          <p:nvPr>
+            <p:ph idx="1"/>
+          </p:nvPr>
+        </p:nvSpPr>
+        <p:spPr>
+          <a:xfrm>
+            <a:off x="549704" y="1814732"/>
+            <a:ext cx="11843931" cy="4351337"/>
+          </a:xfrm>
+        </p:spPr>
+        <p:txBody>
+          <a:bodyPr>
+            <a:noAutofit/>
+          </a:bodyPr>
+          <a:lstStyle/>
+          <a:p>
+            <a:pPr marL="0" indent="0">
+              <a:buNone/>
+            </a:pPr>
+            <a:r>
+              <a:rPr lang="en-US" sz="1700" dirty="0" err="1">
+                <a:latin typeface="Lucida Console" panose="020B0609040504020204" pitchFamily="49" charset="0"/>
+              </a:rPr>
+              <a:t>return_list</a:t>
+            </a:r>
+            <a:r>
+              <a:rPr lang="en-US" sz="1700" dirty="0">
+                <a:latin typeface="Lucida Console" panose="020B0609040504020204" pitchFamily="49" charset="0"/>
+              </a:rPr>
+              <a:t> &lt;- list()</a:t>
+            </a:r>
+          </a:p>
+          <a:p>
+            <a:pPr marL="0" indent="0">
+              <a:buNone/>
+            </a:pPr>
+            <a:r>
+              <a:rPr lang="en-US" sz="1700" dirty="0" err="1">
+                <a:latin typeface="Lucida Console" panose="020B0609040504020204" pitchFamily="49" charset="0"/>
+              </a:rPr>
+              <a:t>return_list</a:t>
+            </a:r>
+            <a:r>
+              <a:rPr lang="en-US" sz="1700" dirty="0">
+                <a:latin typeface="Lucida Console" panose="020B0609040504020204" pitchFamily="49" charset="0"/>
+              </a:rPr>
+              <a:t>[["Coefficients"]] &lt;- </a:t>
+            </a:r>
+            <a:r>
+              <a:rPr lang="en-US" sz="1700" dirty="0" err="1">
+                <a:latin typeface="Lucida Console" panose="020B0609040504020204" pitchFamily="49" charset="0"/>
+              </a:rPr>
+              <a:t>coeff_list</a:t>
+            </a:r>
+            <a:endParaRPr lang="en-US" sz="1700" dirty="0">
+              <a:latin typeface="Lucida Console" panose="020B0609040504020204" pitchFamily="49" charset="0"/>
+            </a:endParaRPr>
+          </a:p>
+          <a:p>
+            <a:pPr marL="0" indent="0">
+              <a:buNone/>
+            </a:pPr>
+            <a:r>
+              <a:rPr lang="en-US" sz="1700" dirty="0" err="1">
+                <a:latin typeface="Lucida Console" panose="020B0609040504020204" pitchFamily="49" charset="0"/>
+              </a:rPr>
+              <a:t>return_list</a:t>
+            </a:r>
+            <a:r>
+              <a:rPr lang="en-US" sz="1700" dirty="0">
+                <a:latin typeface="Lucida Console" panose="020B0609040504020204" pitchFamily="49" charset="0"/>
+              </a:rPr>
+              <a:t>[["</a:t>
+            </a:r>
+            <a:r>
+              <a:rPr lang="en-US" sz="1700" dirty="0" err="1">
+                <a:latin typeface="Lucida Console" panose="020B0609040504020204" pitchFamily="49" charset="0"/>
+              </a:rPr>
+              <a:t>Fitted_Values</a:t>
+            </a:r>
+            <a:r>
+              <a:rPr lang="en-US" sz="1700" dirty="0">
+                <a:latin typeface="Lucida Console" panose="020B0609040504020204" pitchFamily="49" charset="0"/>
+              </a:rPr>
+              <a:t>"]] &lt;- </a:t>
+            </a:r>
+            <a:r>
+              <a:rPr lang="en-US" sz="1700" dirty="0" err="1">
+                <a:latin typeface="Lucida Console" panose="020B0609040504020204" pitchFamily="49" charset="0"/>
+              </a:rPr>
+              <a:t>fitted_values</a:t>
+            </a:r>
+            <a:endParaRPr lang="en-US" sz="1700" dirty="0">
+              <a:latin typeface="Lucida Console" panose="020B0609040504020204" pitchFamily="49" charset="0"/>
+            </a:endParaRPr>
+          </a:p>
+          <a:p>
+            <a:pPr marL="0" indent="0">
+              <a:buNone/>
+            </a:pPr>
+            <a:r>
+              <a:rPr lang="en-US" sz="1700" dirty="0" err="1">
+                <a:latin typeface="Lucida Console" panose="020B0609040504020204" pitchFamily="49" charset="0"/>
+              </a:rPr>
+              <a:t>return_list</a:t>
+            </a:r>
+            <a:r>
+              <a:rPr lang="en-US" sz="1700" dirty="0">
+                <a:latin typeface="Lucida Console" panose="020B0609040504020204" pitchFamily="49" charset="0"/>
+              </a:rPr>
+              <a:t>[["Transition Iterations"]] &lt;-c(</a:t>
+            </a:r>
+            <a:r>
+              <a:rPr lang="en-US" sz="1700" dirty="0" err="1">
+                <a:latin typeface="Lucida Console" panose="020B0609040504020204" pitchFamily="49" charset="0"/>
+              </a:rPr>
+              <a:t>transition_splines,transition_trees</a:t>
+            </a:r>
+            <a:r>
+              <a:rPr lang="en-US" sz="1700" dirty="0">
+                <a:latin typeface="Lucida Console" panose="020B0609040504020204" pitchFamily="49" charset="0"/>
+              </a:rPr>
+              <a:t>)</a:t>
+            </a:r>
+          </a:p>
+          <a:p>
+            <a:pPr marL="0" indent="0">
+              <a:buNone/>
+            </a:pPr>
+            <a:r>
+              <a:rPr lang="en-US" sz="1700" dirty="0" err="1">
+                <a:latin typeface="Lucida Console" panose="020B0609040504020204" pitchFamily="49" charset="0"/>
+              </a:rPr>
+              <a:t>return_list</a:t>
+            </a:r>
+            <a:r>
+              <a:rPr lang="en-US" sz="1700" dirty="0">
+                <a:latin typeface="Lucida Console" panose="020B0609040504020204" pitchFamily="49" charset="0"/>
+              </a:rPr>
+              <a:t>[["Risk"]] &lt;- </a:t>
+            </a:r>
+            <a:r>
+              <a:rPr lang="en-US" sz="1700" dirty="0" err="1">
+                <a:latin typeface="Lucida Console" panose="020B0609040504020204" pitchFamily="49" charset="0"/>
+              </a:rPr>
+              <a:t>risk_iter</a:t>
+            </a:r>
+            <a:endParaRPr lang="en-US" sz="1700" dirty="0">
+              <a:latin typeface="Lucida Console" panose="020B0609040504020204" pitchFamily="49" charset="0"/>
+            </a:endParaRPr>
+          </a:p>
+          <a:p>
+            <a:pPr marL="0" indent="0">
+              <a:buNone/>
+            </a:pPr>
+            <a:r>
+              <a:rPr lang="en-US" sz="1700" dirty="0" err="1">
+                <a:latin typeface="Lucida Console" panose="020B0609040504020204" pitchFamily="49" charset="0"/>
+              </a:rPr>
+              <a:t>return_list</a:t>
+            </a:r>
+            <a:r>
+              <a:rPr lang="en-US" sz="1700" dirty="0">
+                <a:latin typeface="Lucida Console" panose="020B0609040504020204" pitchFamily="49" charset="0"/>
+              </a:rPr>
+              <a:t>[["</a:t>
+            </a:r>
+            <a:r>
+              <a:rPr lang="en-US" sz="1700" dirty="0" err="1">
+                <a:latin typeface="Lucida Console" panose="020B0609040504020204" pitchFamily="49" charset="0"/>
+              </a:rPr>
+              <a:t>Prediction_Models</a:t>
+            </a:r>
+            <a:r>
+              <a:rPr lang="en-US" sz="1700" dirty="0">
+                <a:latin typeface="Lucida Console" panose="020B0609040504020204" pitchFamily="49" charset="0"/>
+              </a:rPr>
+              <a:t>"]]&lt;- 		c(</a:t>
+            </a:r>
+            <a:r>
+              <a:rPr lang="en-US" sz="1700" dirty="0" err="1">
+                <a:latin typeface="Lucida Console" panose="020B0609040504020204" pitchFamily="49" charset="0"/>
+              </a:rPr>
+              <a:t>linear_coefficients,spline_coefficients,tree_models</a:t>
+            </a:r>
+            <a:r>
+              <a:rPr lang="en-US" sz="1700" dirty="0">
+                <a:latin typeface="Lucida Console" panose="020B0609040504020204" pitchFamily="49" charset="0"/>
+              </a:rPr>
+              <a:t>)</a:t>
+            </a:r>
+          </a:p>
+          <a:p>
+            <a:pPr marL="0" indent="0">
+              <a:buNone/>
+            </a:pPr>
+            <a:r>
+              <a:rPr lang="en-US" sz="1700" dirty="0" err="1">
+                <a:latin typeface="Lucida Console" panose="020B0609040504020204" pitchFamily="49" charset="0"/>
+              </a:rPr>
+              <a:t>return_list</a:t>
+            </a:r>
+            <a:r>
+              <a:rPr lang="en-US" sz="1700" dirty="0">
+                <a:latin typeface="Lucida Console" panose="020B0609040504020204" pitchFamily="49" charset="0"/>
+              </a:rPr>
+              <a:t>[["</a:t>
+            </a:r>
+            <a:r>
+              <a:rPr lang="en-US" sz="1700" dirty="0" err="1">
+                <a:latin typeface="Lucida Console" panose="020B0609040504020204" pitchFamily="49" charset="0"/>
+              </a:rPr>
+              <a:t>Input_Parameters</a:t>
+            </a:r>
+            <a:r>
+              <a:rPr lang="en-US" sz="1700" dirty="0">
+                <a:latin typeface="Lucida Console" panose="020B0609040504020204" pitchFamily="49" charset="0"/>
+              </a:rPr>
+              <a:t>"]] &lt;-c(nu, </a:t>
+            </a:r>
+            <a:r>
+              <a:rPr lang="en-US" sz="1700" dirty="0" err="1">
+                <a:latin typeface="Lucida Console" panose="020B0609040504020204" pitchFamily="49" charset="0"/>
+              </a:rPr>
+              <a:t>mstop</a:t>
+            </a:r>
+            <a:r>
+              <a:rPr lang="en-US" sz="1700" dirty="0">
+                <a:latin typeface="Lucida Console" panose="020B0609040504020204" pitchFamily="49" charset="0"/>
+              </a:rPr>
+              <a:t>, epsilon)</a:t>
+            </a:r>
+          </a:p>
+          <a:p>
+            <a:pPr marL="0" indent="0">
+              <a:buNone/>
+            </a:pPr>
+            <a:r>
+              <a:rPr lang="en-US" sz="1700" dirty="0" err="1">
+                <a:latin typeface="Lucida Console" panose="020B0609040504020204" pitchFamily="49" charset="0"/>
+              </a:rPr>
+              <a:t>return_list</a:t>
+            </a:r>
+            <a:r>
+              <a:rPr lang="en-US" sz="1700" dirty="0">
+                <a:latin typeface="Lucida Console" panose="020B0609040504020204" pitchFamily="49" charset="0"/>
+              </a:rPr>
+              <a:t>[["</a:t>
+            </a:r>
+            <a:r>
+              <a:rPr lang="en-US" sz="1700" dirty="0" err="1">
+                <a:latin typeface="Lucida Console" panose="020B0609040504020204" pitchFamily="49" charset="0"/>
+              </a:rPr>
+              <a:t>Riskfunction</a:t>
+            </a:r>
+            <a:r>
+              <a:rPr lang="en-US" sz="1700" dirty="0">
+                <a:latin typeface="Lucida Console" panose="020B0609040504020204" pitchFamily="49" charset="0"/>
+              </a:rPr>
+              <a:t>"]] &lt;- </a:t>
+            </a:r>
+            <a:r>
+              <a:rPr lang="en-US" sz="1700" dirty="0" err="1">
+                <a:latin typeface="Lucida Console" panose="020B0609040504020204" pitchFamily="49" charset="0"/>
+              </a:rPr>
+              <a:t>riskfct</a:t>
+            </a:r>
+            <a:endParaRPr lang="en-US" sz="1700" dirty="0">
+              <a:latin typeface="Lucida Console" panose="020B0609040504020204" pitchFamily="49" charset="0"/>
+            </a:endParaRPr>
+          </a:p>
+          <a:p>
+            <a:pPr marL="0" indent="0">
+              <a:buNone/>
+            </a:pPr>
+            <a:r>
+              <a:rPr lang="en-US" sz="1700" dirty="0">
+                <a:latin typeface="Lucida Console" panose="020B0609040504020204" pitchFamily="49" charset="0"/>
+              </a:rPr>
+              <a:t>  </a:t>
+            </a:r>
+          </a:p>
+          <a:p>
+            <a:pPr marL="0" indent="0">
+              <a:buNone/>
+            </a:pPr>
+            <a:endParaRPr lang="en-US" sz="1700" dirty="0">
+              <a:latin typeface="Lucida Console" panose="020B0609040504020204" pitchFamily="49" charset="0"/>
+            </a:endParaRPr>
+          </a:p>
+          <a:p>
+            <a:pPr marL="0" indent="0">
+              <a:buNone/>
+            </a:pPr>
+            <a:r>
+              <a:rPr lang="en-US" sz="1700" dirty="0">
+                <a:latin typeface="Lucida Console" panose="020B0609040504020204" pitchFamily="49" charset="0"/>
+              </a:rPr>
+              <a:t>return(</a:t>
+            </a:r>
+            <a:r>
+              <a:rPr lang="en-US" sz="1700" dirty="0" err="1">
+                <a:latin typeface="Lucida Console" panose="020B0609040504020204" pitchFamily="49" charset="0"/>
+              </a:rPr>
+              <a:t>return_list</a:t>
+            </a:r>
+            <a:r>
+              <a:rPr lang="en-US" sz="1700" dirty="0">
+                <a:latin typeface="Lucida Console" panose="020B0609040504020204" pitchFamily="49" charset="0"/>
+              </a:rPr>
+              <a:t>)</a:t>
+            </a:r>
+            <a:r>
+              <a:rPr lang="en-US" sz="1800" dirty="0">
+                <a:latin typeface="Lucida Console" panose="020B0609040504020204" pitchFamily="49" charset="0"/>
+              </a:rPr>
+              <a:t>	</a:t>
+            </a:r>
+          </a:p>
+          <a:p>
+            <a:pPr marL="0" indent="0">
+              <a:buNone/>
+            </a:pPr>
+            <a:r>
+              <a:rPr lang="en-US" sz="1800" dirty="0">
+                <a:latin typeface="Lucida Console" panose="020B0609040504020204" pitchFamily="49" charset="0"/>
+              </a:rPr>
+              <a:t>	</a:t>
+            </a:r>
+          </a:p>
+        </p:txBody>
+      </p:sp>
+    </p:spTree>
+    <p:extLst>
+      <p:ext uri="{BB962C8B-B14F-4D97-AF65-F5344CB8AC3E}">
+        <p14:creationId xmlns:p14="http://schemas.microsoft.com/office/powerpoint/2010/main" val="1973972063"/>
+      </p:ext>
+    </p:extLst>
+  </p:cSld>
+  <p:clrMapOvr>
+    <a:masterClrMapping/>
+  </p:clrMapOvr>
+</p:sld>
+</file>
+
+<file path=ppt/slides/slide14.xml><?xml version="1.0" encoding="utf-8"?>
+<p:sld xmlns:a="http://schemas.openxmlformats.org/drawingml/2006/main" xmlns:r="http://schemas.openxmlformats.org/officeDocument/2006/relationships" xmlns:p="http://schemas.openxmlformats.org/presentationml/2006/main">
+  <p:cSld>
+    <p:spTree>
+      <p:nvGrpSpPr>
+        <p:cNvPr id="1" name=""/>
+        <p:cNvGrpSpPr/>
+        <p:nvPr/>
+      </p:nvGrpSpPr>
+      <p:grpSpPr>
+        <a:xfrm>
+          <a:off x="0" y="0"/>
+          <a:ext cx="0" cy="0"/>
+          <a:chOff x="0" y="0"/>
+          <a:chExt cx="0" cy="0"/>
+        </a:xfrm>
+      </p:grpSpPr>
+      <p:sp>
+        <p:nvSpPr>
+          <p:cNvPr id="2" name="Titel 1">
+            <a:extLst>
+              <a:ext uri="{FF2B5EF4-FFF2-40B4-BE49-F238E27FC236}">
+                <a16:creationId xmlns:a16="http://schemas.microsoft.com/office/drawing/2014/main" id="{67DEBF9B-7A0C-45CB-9E56-84330177AAE1}"/>
+              </a:ext>
+            </a:extLst>
+          </p:cNvPr>
+          <p:cNvSpPr>
+            <a:spLocks noGrp="1"/>
+          </p:cNvSpPr>
+          <p:nvPr>
+            <p:ph type="title"/>
+          </p:nvPr>
+        </p:nvSpPr>
+        <p:spPr/>
+        <p:txBody>
+          <a:bodyPr/>
+          <a:lstStyle/>
+          <a:p>
+            <a:r>
+              <a:rPr lang="en-US" dirty="0"/>
+              <a:t>Pseudo-Code: predict-</a:t>
+            </a:r>
+            <a:r>
+              <a:rPr lang="en-US" dirty="0" err="1"/>
+              <a:t>Funktion</a:t>
+            </a:r>
+            <a:endParaRPr lang="en-US" dirty="0"/>
+          </a:p>
+        </p:txBody>
+      </p:sp>
+      <p:sp>
+        <p:nvSpPr>
+          <p:cNvPr id="3" name="Inhaltsplatzhalter 2">
+            <a:extLst>
+              <a:ext uri="{FF2B5EF4-FFF2-40B4-BE49-F238E27FC236}">
+                <a16:creationId xmlns:a16="http://schemas.microsoft.com/office/drawing/2014/main" id="{B20FC451-9691-475B-9DC5-F4A60672423B}"/>
+              </a:ext>
+            </a:extLst>
+          </p:cNvPr>
+          <p:cNvSpPr>
+            <a:spLocks noGrp="1"/>
+          </p:cNvSpPr>
+          <p:nvPr>
+            <p:ph idx="1"/>
+          </p:nvPr>
+        </p:nvSpPr>
+        <p:spPr>
+          <a:xfrm>
+            <a:off x="549704" y="1814732"/>
+            <a:ext cx="11843931" cy="4351337"/>
+          </a:xfrm>
+        </p:spPr>
+        <p:txBody>
+          <a:bodyPr>
+            <a:noAutofit/>
+          </a:bodyPr>
+          <a:lstStyle/>
+          <a:p>
+            <a:pPr marL="0" indent="0">
+              <a:buNone/>
+            </a:pPr>
+            <a:r>
+              <a:rPr lang="en-US" sz="1700" dirty="0" err="1">
+                <a:latin typeface="Lucida Console" panose="020B0609040504020204" pitchFamily="49" charset="0"/>
+              </a:rPr>
+              <a:t>icb_predict</a:t>
+            </a:r>
+            <a:r>
+              <a:rPr lang="en-US" sz="1700" dirty="0">
+                <a:latin typeface="Lucida Console" panose="020B0609040504020204" pitchFamily="49" charset="0"/>
+              </a:rPr>
+              <a:t> &lt;- function(</a:t>
+            </a:r>
+            <a:r>
+              <a:rPr lang="en-US" sz="1700" dirty="0" err="1">
+                <a:latin typeface="Lucida Console" panose="020B0609040504020204" pitchFamily="49" charset="0"/>
+              </a:rPr>
+              <a:t>icb_object</a:t>
+            </a:r>
+            <a:r>
+              <a:rPr lang="en-US" sz="1700" dirty="0">
+                <a:latin typeface="Lucida Console" panose="020B0609040504020204" pitchFamily="49" charset="0"/>
+              </a:rPr>
+              <a:t>, </a:t>
+            </a:r>
+            <a:r>
+              <a:rPr lang="en-US" sz="1700" dirty="0" err="1">
+                <a:latin typeface="Lucida Console" panose="020B0609040504020204" pitchFamily="49" charset="0"/>
+              </a:rPr>
+              <a:t>newdata</a:t>
+            </a:r>
+            <a:r>
+              <a:rPr lang="en-US" sz="1700" dirty="0">
+                <a:latin typeface="Lucida Console" panose="020B0609040504020204" pitchFamily="49" charset="0"/>
+              </a:rPr>
+              <a:t>, target){</a:t>
+            </a:r>
+          </a:p>
+          <a:p>
+            <a:pPr marL="0" indent="0">
+              <a:buNone/>
+            </a:pPr>
+            <a:r>
+              <a:rPr lang="en-US" sz="1700" dirty="0">
+                <a:latin typeface="Lucida Console" panose="020B0609040504020204" pitchFamily="49" charset="0"/>
+              </a:rPr>
+              <a:t>	prediction &lt;- vector(mode = "numeric", length = dim(</a:t>
+            </a:r>
+            <a:r>
+              <a:rPr lang="en-US" sz="1700" dirty="0" err="1">
+                <a:latin typeface="Lucida Console" panose="020B0609040504020204" pitchFamily="49" charset="0"/>
+              </a:rPr>
+              <a:t>newdata</a:t>
+            </a:r>
+            <a:r>
+              <a:rPr lang="en-US" sz="1700" dirty="0">
+                <a:latin typeface="Lucida Console" panose="020B0609040504020204" pitchFamily="49" charset="0"/>
+              </a:rPr>
+              <a:t>)[1])</a:t>
+            </a:r>
+          </a:p>
+          <a:p>
+            <a:pPr marL="0" indent="0">
+              <a:buNone/>
+            </a:pPr>
+            <a:endParaRPr lang="en-US" sz="1700" dirty="0">
+              <a:latin typeface="Lucida Console" panose="020B0609040504020204" pitchFamily="49" charset="0"/>
+            </a:endParaRPr>
+          </a:p>
+          <a:p>
+            <a:pPr marL="0" indent="0">
+              <a:buNone/>
+            </a:pPr>
+            <a:r>
+              <a:rPr lang="en-US" sz="1700" dirty="0">
+                <a:latin typeface="Lucida Console" panose="020B0609040504020204" pitchFamily="49" charset="0"/>
+              </a:rPr>
+              <a:t>	for (l in 1:length(prediction)){</a:t>
+            </a:r>
+          </a:p>
+          <a:p>
+            <a:pPr marL="0" indent="0">
+              <a:buNone/>
+            </a:pPr>
+            <a:r>
+              <a:rPr lang="en-US" sz="1700" dirty="0">
+                <a:latin typeface="Lucida Console" panose="020B0609040504020204" pitchFamily="49" charset="0"/>
+              </a:rPr>
+              <a:t>    		prediction[l] &lt;- </a:t>
+            </a:r>
+            <a:r>
+              <a:rPr lang="en-US" sz="1700" dirty="0" err="1">
+                <a:latin typeface="Lucida Console" panose="020B0609040504020204" pitchFamily="49" charset="0"/>
+              </a:rPr>
+              <a:t>icb_object$Coefficients$Intercept</a:t>
+            </a:r>
+            <a:r>
+              <a:rPr lang="en-US" sz="1700" dirty="0">
+                <a:latin typeface="Lucida Console" panose="020B0609040504020204" pitchFamily="49" charset="0"/>
+              </a:rPr>
+              <a:t>[[1]]</a:t>
+            </a:r>
+          </a:p>
+          <a:p>
+            <a:pPr marL="0" indent="0">
+              <a:buNone/>
+            </a:pPr>
+            <a:r>
+              <a:rPr lang="en-US" sz="1700" dirty="0">
+                <a:latin typeface="Lucida Console" panose="020B0609040504020204" pitchFamily="49" charset="0"/>
+              </a:rPr>
+              <a:t>  	}</a:t>
+            </a:r>
+          </a:p>
+          <a:p>
+            <a:pPr marL="0" indent="0">
+              <a:buNone/>
+            </a:pPr>
+            <a:endParaRPr lang="en-US" sz="1700" dirty="0">
+              <a:latin typeface="Lucida Console" panose="020B0609040504020204" pitchFamily="49" charset="0"/>
+            </a:endParaRPr>
+          </a:p>
+          <a:p>
+            <a:pPr marL="0" indent="0">
+              <a:buNone/>
+            </a:pPr>
+            <a:r>
+              <a:rPr lang="en-US" sz="1700" dirty="0">
+                <a:latin typeface="Lucida Console" panose="020B0609040504020204" pitchFamily="49" charset="0"/>
+              </a:rPr>
+              <a:t>	 </a:t>
+            </a:r>
+          </a:p>
+          <a:p>
+            <a:pPr marL="0" indent="0">
+              <a:buNone/>
+            </a:pPr>
+            <a:r>
+              <a:rPr lang="en-US" sz="1700" dirty="0">
+                <a:latin typeface="Lucida Console" panose="020B0609040504020204" pitchFamily="49" charset="0"/>
+              </a:rPr>
+              <a:t>	while(iteration &lt;= (</a:t>
+            </a:r>
+            <a:r>
+              <a:rPr lang="en-US" sz="1700" dirty="0" err="1">
+                <a:latin typeface="Lucida Console" panose="020B0609040504020204" pitchFamily="49" charset="0"/>
+              </a:rPr>
+              <a:t>icb_object$`Transition</a:t>
+            </a:r>
+            <a:r>
+              <a:rPr lang="en-US" sz="1700" dirty="0">
+                <a:latin typeface="Lucida Console" panose="020B0609040504020204" pitchFamily="49" charset="0"/>
+              </a:rPr>
+              <a:t> Iterations`[1]+1)){</a:t>
+            </a:r>
+          </a:p>
+          <a:p>
+            <a:pPr marL="0" indent="0">
+              <a:buNone/>
+            </a:pPr>
+            <a:r>
+              <a:rPr lang="en-US" sz="1700" dirty="0">
+                <a:latin typeface="Lucida Console" panose="020B0609040504020204" pitchFamily="49" charset="0"/>
+              </a:rPr>
+              <a:t>		</a:t>
+            </a:r>
+            <a:r>
+              <a:rPr lang="en-US" sz="1700" dirty="0" err="1">
+                <a:latin typeface="Lucida Console" panose="020B0609040504020204" pitchFamily="49" charset="0"/>
+              </a:rPr>
+              <a:t>pred_iteration</a:t>
+            </a:r>
+            <a:r>
+              <a:rPr lang="en-US" sz="1700" dirty="0">
+                <a:latin typeface="Lucida Console" panose="020B0609040504020204" pitchFamily="49" charset="0"/>
+              </a:rPr>
+              <a:t> &lt;- </a:t>
+            </a:r>
+            <a:r>
+              <a:rPr lang="en-US" sz="1700" dirty="0" err="1">
+                <a:latin typeface="Lucida Console" panose="020B0609040504020204" pitchFamily="49" charset="0"/>
+              </a:rPr>
+              <a:t>newdata</a:t>
+            </a:r>
+            <a:r>
+              <a:rPr lang="en-US" sz="1700" dirty="0">
+                <a:latin typeface="Lucida Console" panose="020B0609040504020204" pitchFamily="49" charset="0"/>
+              </a:rPr>
+              <a:t>[,</a:t>
+            </a:r>
+            <a:r>
+              <a:rPr lang="en-US" sz="1700" dirty="0" err="1">
+                <a:latin typeface="Lucida Console" panose="020B0609040504020204" pitchFamily="49" charset="0"/>
+              </a:rPr>
+              <a:t>selected_feature</a:t>
+            </a:r>
+            <a:r>
+              <a:rPr lang="en-US" sz="1700" dirty="0">
+                <a:latin typeface="Lucida Console" panose="020B0609040504020204" pitchFamily="49" charset="0"/>
+              </a:rPr>
+              <a:t>] * 								</a:t>
+            </a:r>
+            <a:r>
+              <a:rPr lang="en-US" sz="1700" dirty="0" err="1">
+                <a:latin typeface="Lucida Console" panose="020B0609040504020204" pitchFamily="49" charset="0"/>
+              </a:rPr>
+              <a:t>icb_object$Prediction_Models</a:t>
+            </a:r>
+            <a:r>
+              <a:rPr lang="en-US" sz="1700" dirty="0">
+                <a:latin typeface="Lucida Console" panose="020B0609040504020204" pitchFamily="49" charset="0"/>
+              </a:rPr>
+              <a:t>[[iteration]][</a:t>
+            </a:r>
+            <a:r>
+              <a:rPr lang="en-US" sz="1700" dirty="0" err="1">
+                <a:latin typeface="Lucida Console" panose="020B0609040504020204" pitchFamily="49" charset="0"/>
+              </a:rPr>
+              <a:t>pos_feature</a:t>
+            </a:r>
+            <a:r>
+              <a:rPr lang="en-US" sz="1700" dirty="0">
+                <a:latin typeface="Lucida Console" panose="020B0609040504020204" pitchFamily="49" charset="0"/>
+              </a:rPr>
+              <a:t>]</a:t>
+            </a:r>
+          </a:p>
+          <a:p>
+            <a:pPr marL="0" indent="0">
+              <a:buNone/>
+            </a:pPr>
+            <a:r>
+              <a:rPr lang="en-US" sz="1700" dirty="0">
+                <a:latin typeface="Lucida Console" panose="020B0609040504020204" pitchFamily="49" charset="0"/>
+              </a:rPr>
+              <a:t>    		prediction &lt;- prediction + nu * </a:t>
+            </a:r>
+            <a:r>
+              <a:rPr lang="en-US" sz="1700" dirty="0" err="1">
+                <a:latin typeface="Lucida Console" panose="020B0609040504020204" pitchFamily="49" charset="0"/>
+              </a:rPr>
+              <a:t>pred_iteration</a:t>
+            </a:r>
+            <a:endParaRPr lang="en-US" sz="1700" dirty="0">
+              <a:latin typeface="Lucida Console" panose="020B0609040504020204" pitchFamily="49" charset="0"/>
+            </a:endParaRPr>
+          </a:p>
+          <a:p>
+            <a:pPr marL="0" indent="0">
+              <a:buNone/>
+            </a:pPr>
+            <a:r>
+              <a:rPr lang="en-US" sz="1700" dirty="0">
+                <a:latin typeface="Lucida Console" panose="020B0609040504020204" pitchFamily="49" charset="0"/>
+              </a:rPr>
+              <a:t>		</a:t>
+            </a:r>
+            <a:r>
+              <a:rPr lang="en-US" sz="1700" dirty="0" err="1">
+                <a:latin typeface="Lucida Console" panose="020B0609040504020204" pitchFamily="49" charset="0"/>
+              </a:rPr>
+              <a:t>test_risk</a:t>
+            </a:r>
+            <a:r>
+              <a:rPr lang="en-US" sz="1700" dirty="0">
+                <a:latin typeface="Lucida Console" panose="020B0609040504020204" pitchFamily="49" charset="0"/>
+              </a:rPr>
+              <a:t>[iteration+1] &lt;- </a:t>
+            </a:r>
+            <a:r>
+              <a:rPr lang="en-US" sz="1700" dirty="0" err="1">
+                <a:latin typeface="Lucida Console" panose="020B0609040504020204" pitchFamily="49" charset="0"/>
+              </a:rPr>
+              <a:t>icb_object$Riskfunction</a:t>
+            </a:r>
+            <a:r>
+              <a:rPr lang="en-US" sz="1700" dirty="0">
+                <a:latin typeface="Lucida Console" panose="020B0609040504020204" pitchFamily="49" charset="0"/>
+              </a:rPr>
+              <a:t>(y = y, f = prediction)</a:t>
+            </a:r>
+            <a:r>
+              <a:rPr lang="en-US" sz="1800" dirty="0">
+                <a:latin typeface="Lucida Console" panose="020B0609040504020204" pitchFamily="49" charset="0"/>
+              </a:rPr>
+              <a:t>	}</a:t>
+            </a:r>
+          </a:p>
+        </p:txBody>
+      </p:sp>
+      <p:sp>
+        <p:nvSpPr>
+          <p:cNvPr id="4" name="Textfeld 3">
+            <a:extLst>
+              <a:ext uri="{FF2B5EF4-FFF2-40B4-BE49-F238E27FC236}">
+                <a16:creationId xmlns:a16="http://schemas.microsoft.com/office/drawing/2014/main" id="{DA3AEAEB-407A-474C-BD8C-716A85AC0484}"/>
+              </a:ext>
+            </a:extLst>
+          </p:cNvPr>
+          <p:cNvSpPr txBox="1"/>
+          <p:nvPr/>
+        </p:nvSpPr>
+        <p:spPr>
+          <a:xfrm>
+            <a:off x="239151" y="5359791"/>
+            <a:ext cx="851515" cy="369332"/>
+          </a:xfrm>
+          <a:prstGeom prst="rect">
+            <a:avLst/>
+          </a:prstGeom>
+          <a:solidFill>
+            <a:schemeClr val="accent1">
+              <a:lumMod val="40000"/>
+              <a:lumOff val="60000"/>
+            </a:schemeClr>
+          </a:solidFill>
+        </p:spPr>
+        <p:txBody>
+          <a:bodyPr wrap="none" rtlCol="0">
+            <a:spAutoFit/>
+          </a:bodyPr>
+          <a:lstStyle/>
+          <a:p>
+            <a:r>
+              <a:rPr lang="en-US" dirty="0"/>
+              <a:t>Phase I</a:t>
+            </a:r>
+          </a:p>
+        </p:txBody>
+      </p:sp>
+    </p:spTree>
+    <p:extLst>
+      <p:ext uri="{BB962C8B-B14F-4D97-AF65-F5344CB8AC3E}">
+        <p14:creationId xmlns:p14="http://schemas.microsoft.com/office/powerpoint/2010/main" val="4087086615"/>
+      </p:ext>
+    </p:extLst>
+  </p:cSld>
+  <p:clrMapOvr>
+    <a:masterClrMapping/>
+  </p:clrMapOvr>
+</p:sld>
+</file>
+
+<file path=ppt/slides/slide15.xml><?xml version="1.0" encoding="utf-8"?>
+<p:sld xmlns:a="http://schemas.openxmlformats.org/drawingml/2006/main" xmlns:r="http://schemas.openxmlformats.org/officeDocument/2006/relationships" xmlns:p="http://schemas.openxmlformats.org/presentationml/2006/main">
+  <p:cSld>
+    <p:spTree>
+      <p:nvGrpSpPr>
+        <p:cNvPr id="1" name=""/>
+        <p:cNvGrpSpPr/>
+        <p:nvPr/>
+      </p:nvGrpSpPr>
+      <p:grpSpPr>
+        <a:xfrm>
+          <a:off x="0" y="0"/>
+          <a:ext cx="0" cy="0"/>
+          <a:chOff x="0" y="0"/>
+          <a:chExt cx="0" cy="0"/>
+        </a:xfrm>
+      </p:grpSpPr>
+      <p:sp>
+        <p:nvSpPr>
+          <p:cNvPr id="2" name="Titel 1">
+            <a:extLst>
+              <a:ext uri="{FF2B5EF4-FFF2-40B4-BE49-F238E27FC236}">
+                <a16:creationId xmlns:a16="http://schemas.microsoft.com/office/drawing/2014/main" id="{67DEBF9B-7A0C-45CB-9E56-84330177AAE1}"/>
+              </a:ext>
+            </a:extLst>
+          </p:cNvPr>
+          <p:cNvSpPr>
+            <a:spLocks noGrp="1"/>
+          </p:cNvSpPr>
+          <p:nvPr>
+            <p:ph type="title"/>
+          </p:nvPr>
+        </p:nvSpPr>
+        <p:spPr/>
+        <p:txBody>
+          <a:bodyPr/>
+          <a:lstStyle/>
+          <a:p>
+            <a:r>
+              <a:rPr lang="en-US" dirty="0"/>
               <a:t>Pseudo-Code: predict-</a:t>
             </a:r>
             <a:r>
@@ -4954,6 +5966,540 @@
               </a:rPr>
               <a:t>	</a:t>
             </a:r>
+            <a:r>
+              <a:rPr lang="en-US" sz="1700" dirty="0">
+                <a:latin typeface="Lucida Console" panose="020B0609040504020204" pitchFamily="49" charset="0"/>
+              </a:rPr>
+              <a:t>while(iteration &lt;= (</a:t>
+            </a:r>
+            <a:r>
+              <a:rPr lang="en-US" sz="1700" dirty="0" err="1">
+                <a:latin typeface="Lucida Console" panose="020B0609040504020204" pitchFamily="49" charset="0"/>
+              </a:rPr>
+              <a:t>icb_object$`Transition</a:t>
+            </a:r>
+            <a:r>
+              <a:rPr lang="en-US" sz="1700" dirty="0">
+                <a:latin typeface="Lucida Console" panose="020B0609040504020204" pitchFamily="49" charset="0"/>
+              </a:rPr>
+              <a:t> Iterations`[2]+1)){</a:t>
+            </a:r>
+          </a:p>
+          <a:p>
+            <a:pPr marL="0" indent="0">
+              <a:buNone/>
+            </a:pPr>
+            <a:r>
+              <a:rPr lang="en-US" sz="1700" dirty="0">
+                <a:latin typeface="Lucida Console" panose="020B0609040504020204" pitchFamily="49" charset="0"/>
+              </a:rPr>
+              <a:t>    		</a:t>
+            </a:r>
+            <a:r>
+              <a:rPr lang="en-US" sz="1700" dirty="0" err="1">
+                <a:latin typeface="Lucida Console" panose="020B0609040504020204" pitchFamily="49" charset="0"/>
+              </a:rPr>
+              <a:t>mboost_spline_model</a:t>
+            </a:r>
+            <a:r>
+              <a:rPr lang="en-US" sz="1700" dirty="0">
+                <a:latin typeface="Lucida Console" panose="020B0609040504020204" pitchFamily="49" charset="0"/>
+              </a:rPr>
+              <a:t> &lt;- </a:t>
+            </a:r>
+            <a:r>
+              <a:rPr lang="en-US" sz="1700" dirty="0" err="1">
+                <a:latin typeface="Lucida Console" panose="020B0609040504020204" pitchFamily="49" charset="0"/>
+              </a:rPr>
+              <a:t>icb_object$Prediction_Models</a:t>
+            </a:r>
+            <a:r>
+              <a:rPr lang="en-US" sz="1700" dirty="0">
+                <a:latin typeface="Lucida Console" panose="020B0609040504020204" pitchFamily="49" charset="0"/>
+              </a:rPr>
+              <a:t>[[iteration]]</a:t>
+            </a:r>
+          </a:p>
+          <a:p>
+            <a:pPr marL="0" indent="0">
+              <a:buNone/>
+            </a:pPr>
+            <a:r>
+              <a:rPr lang="en-US" sz="1700" dirty="0">
+                <a:latin typeface="Lucida Console" panose="020B0609040504020204" pitchFamily="49" charset="0"/>
+              </a:rPr>
+              <a:t>    		</a:t>
+            </a:r>
+            <a:r>
+              <a:rPr lang="en-US" sz="1700" dirty="0" err="1">
+                <a:latin typeface="Lucida Console" panose="020B0609040504020204" pitchFamily="49" charset="0"/>
+              </a:rPr>
+              <a:t>pred_iteration</a:t>
+            </a:r>
+            <a:r>
+              <a:rPr lang="en-US" sz="1700" dirty="0">
+                <a:latin typeface="Lucida Console" panose="020B0609040504020204" pitchFamily="49" charset="0"/>
+              </a:rPr>
+              <a:t> &lt;- </a:t>
+            </a:r>
+            <a:r>
+              <a:rPr lang="en-US" sz="1700" dirty="0" err="1">
+                <a:latin typeface="Lucida Console" panose="020B0609040504020204" pitchFamily="49" charset="0"/>
+              </a:rPr>
+              <a:t>mboost_spline_model$predict</a:t>
+            </a:r>
+            <a:r>
+              <a:rPr lang="en-US" sz="1700" dirty="0">
+                <a:latin typeface="Lucida Console" panose="020B0609040504020204" pitchFamily="49" charset="0"/>
+              </a:rPr>
+              <a:t>(</a:t>
+            </a:r>
+            <a:r>
+              <a:rPr lang="en-US" sz="1700" dirty="0" err="1">
+                <a:latin typeface="Lucida Console" panose="020B0609040504020204" pitchFamily="49" charset="0"/>
+              </a:rPr>
+              <a:t>newdata</a:t>
+            </a:r>
+            <a:r>
+              <a:rPr lang="en-US" sz="1700" dirty="0">
+                <a:latin typeface="Lucida Console" panose="020B0609040504020204" pitchFamily="49" charset="0"/>
+              </a:rPr>
+              <a:t>)</a:t>
+            </a:r>
+          </a:p>
+          <a:p>
+            <a:pPr marL="0" indent="0">
+              <a:buNone/>
+            </a:pPr>
+            <a:r>
+              <a:rPr lang="en-US" sz="1700" dirty="0">
+                <a:latin typeface="Lucida Console" panose="020B0609040504020204" pitchFamily="49" charset="0"/>
+              </a:rPr>
+              <a:t>    		prediction &lt;- prediction + </a:t>
+            </a:r>
+            <a:r>
+              <a:rPr lang="en-US" sz="1700" dirty="0" err="1">
+                <a:latin typeface="Lucida Console" panose="020B0609040504020204" pitchFamily="49" charset="0"/>
+              </a:rPr>
+              <a:t>pred_iteration</a:t>
+            </a:r>
+            <a:endParaRPr lang="en-US" sz="1700" dirty="0">
+              <a:latin typeface="Lucida Console" panose="020B0609040504020204" pitchFamily="49" charset="0"/>
+            </a:endParaRPr>
+          </a:p>
+          <a:p>
+            <a:pPr marL="0" indent="0">
+              <a:buNone/>
+            </a:pPr>
+            <a:r>
+              <a:rPr lang="en-US" sz="1700" dirty="0">
+                <a:latin typeface="Lucida Console" panose="020B0609040504020204" pitchFamily="49" charset="0"/>
+              </a:rPr>
+              <a:t>		</a:t>
+            </a:r>
+            <a:r>
+              <a:rPr lang="en-US" sz="1700" dirty="0" err="1">
+                <a:latin typeface="Lucida Console" panose="020B0609040504020204" pitchFamily="49" charset="0"/>
+              </a:rPr>
+              <a:t>test_risk</a:t>
+            </a:r>
+            <a:r>
+              <a:rPr lang="en-US" sz="1700" dirty="0">
+                <a:latin typeface="Lucida Console" panose="020B0609040504020204" pitchFamily="49" charset="0"/>
+              </a:rPr>
+              <a:t>[iteration+1] &lt;- </a:t>
+            </a:r>
+            <a:r>
+              <a:rPr lang="en-US" sz="1700" dirty="0" err="1">
+                <a:latin typeface="Lucida Console" panose="020B0609040504020204" pitchFamily="49" charset="0"/>
+              </a:rPr>
+              <a:t>icb_object$Riskfunction</a:t>
+            </a:r>
+            <a:r>
+              <a:rPr lang="en-US" sz="1700" dirty="0">
+                <a:latin typeface="Lucida Console" panose="020B0609040504020204" pitchFamily="49" charset="0"/>
+              </a:rPr>
+              <a:t>(y = y, f = 							prediction)</a:t>
+            </a:r>
+          </a:p>
+          <a:p>
+            <a:pPr marL="0" indent="0">
+              <a:buNone/>
+            </a:pPr>
+            <a:r>
+              <a:rPr lang="en-US" sz="1700" dirty="0">
+                <a:latin typeface="Lucida Console" panose="020B0609040504020204" pitchFamily="49" charset="0"/>
+              </a:rPr>
+              <a:t>	}</a:t>
+            </a:r>
+          </a:p>
+          <a:p>
+            <a:pPr marL="0" indent="0">
+              <a:buNone/>
+            </a:pPr>
+            <a:endParaRPr lang="en-US" sz="1700" dirty="0">
+              <a:latin typeface="Lucida Console" panose="020B0609040504020204" pitchFamily="49" charset="0"/>
+            </a:endParaRPr>
+          </a:p>
+          <a:p>
+            <a:pPr marL="0" indent="0">
+              <a:buNone/>
+            </a:pPr>
+            <a:r>
+              <a:rPr lang="en-US" sz="1700" dirty="0">
+                <a:latin typeface="Lucida Console" panose="020B0609040504020204" pitchFamily="49" charset="0"/>
+              </a:rPr>
+              <a:t>	while(iteration &lt; length(</a:t>
+            </a:r>
+            <a:r>
+              <a:rPr lang="en-US" sz="1700" dirty="0" err="1">
+                <a:latin typeface="Lucida Console" panose="020B0609040504020204" pitchFamily="49" charset="0"/>
+              </a:rPr>
+              <a:t>icb_object$Risk</a:t>
+            </a:r>
+            <a:r>
+              <a:rPr lang="en-US" sz="1700" dirty="0">
+                <a:latin typeface="Lucida Console" panose="020B0609040504020204" pitchFamily="49" charset="0"/>
+              </a:rPr>
+              <a:t>)){</a:t>
+            </a:r>
+          </a:p>
+          <a:p>
+            <a:pPr marL="0" indent="0">
+              <a:buNone/>
+            </a:pPr>
+            <a:r>
+              <a:rPr lang="en-US" sz="1700" dirty="0">
+                <a:latin typeface="Lucida Console" panose="020B0609040504020204" pitchFamily="49" charset="0"/>
+              </a:rPr>
+              <a:t>       	</a:t>
+            </a:r>
+            <a:r>
+              <a:rPr lang="en-US" sz="1700" dirty="0" err="1">
+                <a:latin typeface="Lucida Console" panose="020B0609040504020204" pitchFamily="49" charset="0"/>
+              </a:rPr>
+              <a:t>mboost_tree_model</a:t>
+            </a:r>
+            <a:r>
+              <a:rPr lang="en-US" sz="1700" dirty="0">
+                <a:latin typeface="Lucida Console" panose="020B0609040504020204" pitchFamily="49" charset="0"/>
+              </a:rPr>
+              <a:t> &lt;- </a:t>
+            </a:r>
+            <a:r>
+              <a:rPr lang="en-US" sz="1700" dirty="0" err="1">
+                <a:latin typeface="Lucida Console" panose="020B0609040504020204" pitchFamily="49" charset="0"/>
+              </a:rPr>
+              <a:t>icb_object$Prediction_Models</a:t>
+            </a:r>
+            <a:r>
+              <a:rPr lang="en-US" sz="1700" dirty="0">
+                <a:latin typeface="Lucida Console" panose="020B0609040504020204" pitchFamily="49" charset="0"/>
+              </a:rPr>
+              <a:t>[[iteration]]</a:t>
+            </a:r>
+          </a:p>
+          <a:p>
+            <a:pPr marL="0" indent="0">
+              <a:buNone/>
+            </a:pPr>
+            <a:r>
+              <a:rPr lang="en-US" sz="1700" dirty="0">
+                <a:latin typeface="Lucida Console" panose="020B0609040504020204" pitchFamily="49" charset="0"/>
+              </a:rPr>
+              <a:t>    		</a:t>
+            </a:r>
+            <a:r>
+              <a:rPr lang="en-US" sz="1700" dirty="0" err="1">
+                <a:latin typeface="Lucida Console" panose="020B0609040504020204" pitchFamily="49" charset="0"/>
+              </a:rPr>
+              <a:t>pred_iteration</a:t>
+            </a:r>
+            <a:r>
+              <a:rPr lang="en-US" sz="1700" dirty="0">
+                <a:latin typeface="Lucida Console" panose="020B0609040504020204" pitchFamily="49" charset="0"/>
+              </a:rPr>
+              <a:t> &lt;- </a:t>
+            </a:r>
+            <a:r>
+              <a:rPr lang="en-US" sz="1700" dirty="0" err="1">
+                <a:latin typeface="Lucida Console" panose="020B0609040504020204" pitchFamily="49" charset="0"/>
+              </a:rPr>
+              <a:t>mboost_tree_model$predict</a:t>
+            </a:r>
+            <a:r>
+              <a:rPr lang="en-US" sz="1700" dirty="0">
+                <a:latin typeface="Lucida Console" panose="020B0609040504020204" pitchFamily="49" charset="0"/>
+              </a:rPr>
+              <a:t>(</a:t>
+            </a:r>
+            <a:r>
+              <a:rPr lang="en-US" sz="1700" dirty="0" err="1">
+                <a:latin typeface="Lucida Console" panose="020B0609040504020204" pitchFamily="49" charset="0"/>
+              </a:rPr>
+              <a:t>newdata</a:t>
+            </a:r>
+            <a:r>
+              <a:rPr lang="en-US" sz="1700" dirty="0">
+                <a:latin typeface="Lucida Console" panose="020B0609040504020204" pitchFamily="49" charset="0"/>
+              </a:rPr>
+              <a:t>)</a:t>
+            </a:r>
+          </a:p>
+          <a:p>
+            <a:pPr marL="0" indent="0">
+              <a:buNone/>
+            </a:pPr>
+            <a:r>
+              <a:rPr lang="en-US" sz="1700" dirty="0">
+                <a:latin typeface="Lucida Console" panose="020B0609040504020204" pitchFamily="49" charset="0"/>
+              </a:rPr>
+              <a:t>    		prediction &lt;- prediction + </a:t>
+            </a:r>
+            <a:r>
+              <a:rPr lang="en-US" sz="1700" dirty="0" err="1">
+                <a:latin typeface="Lucida Console" panose="020B0609040504020204" pitchFamily="49" charset="0"/>
+              </a:rPr>
+              <a:t>pred_iteration</a:t>
+            </a:r>
+            <a:endParaRPr lang="en-US" sz="1700" dirty="0">
+              <a:latin typeface="Lucida Console" panose="020B0609040504020204" pitchFamily="49" charset="0"/>
+            </a:endParaRPr>
+          </a:p>
+          <a:p>
+            <a:pPr marL="0" indent="0">
+              <a:buNone/>
+            </a:pPr>
+            <a:r>
+              <a:rPr lang="en-US" sz="1700" dirty="0">
+                <a:latin typeface="Lucida Console" panose="020B0609040504020204" pitchFamily="49" charset="0"/>
+              </a:rPr>
+              <a:t>    		</a:t>
+            </a:r>
+            <a:r>
+              <a:rPr lang="en-US" sz="1700" dirty="0" err="1">
+                <a:latin typeface="Lucida Console" panose="020B0609040504020204" pitchFamily="49" charset="0"/>
+              </a:rPr>
+              <a:t>test_risk</a:t>
+            </a:r>
+            <a:r>
+              <a:rPr lang="en-US" sz="1700" dirty="0">
+                <a:latin typeface="Lucida Console" panose="020B0609040504020204" pitchFamily="49" charset="0"/>
+              </a:rPr>
+              <a:t>[iteration+1] &lt;- </a:t>
+            </a:r>
+            <a:r>
+              <a:rPr lang="en-US" sz="1700" dirty="0" err="1">
+                <a:latin typeface="Lucida Console" panose="020B0609040504020204" pitchFamily="49" charset="0"/>
+              </a:rPr>
+              <a:t>icb_object$Riskfunction</a:t>
+            </a:r>
+            <a:r>
+              <a:rPr lang="en-US" sz="1700" dirty="0">
+                <a:latin typeface="Lucida Console" panose="020B0609040504020204" pitchFamily="49" charset="0"/>
+              </a:rPr>
+              <a:t>(y = y, f = 							prediction)</a:t>
+            </a:r>
+          </a:p>
+          <a:p>
+            <a:pPr marL="0" indent="0">
+              <a:buNone/>
+            </a:pPr>
+            <a:r>
+              <a:rPr lang="en-US" sz="1700" dirty="0">
+                <a:latin typeface="Lucida Console" panose="020B0609040504020204" pitchFamily="49" charset="0"/>
+              </a:rPr>
+              <a:t> 	}</a:t>
+            </a:r>
+            <a:r>
+              <a:rPr lang="en-US" sz="1800" dirty="0">
+                <a:latin typeface="Lucida Console" panose="020B0609040504020204" pitchFamily="49" charset="0"/>
+              </a:rPr>
+              <a:t>	</a:t>
+            </a:r>
+          </a:p>
+        </p:txBody>
+      </p:sp>
+      <p:sp>
+        <p:nvSpPr>
+          <p:cNvPr id="4" name="Textfeld 3">
+            <a:extLst>
+              <a:ext uri="{FF2B5EF4-FFF2-40B4-BE49-F238E27FC236}">
+                <a16:creationId xmlns:a16="http://schemas.microsoft.com/office/drawing/2014/main" id="{F02295E3-C8F4-4BB9-92C6-0D5C925A0E45}"/>
+              </a:ext>
+            </a:extLst>
+          </p:cNvPr>
+          <p:cNvSpPr txBox="1"/>
+          <p:nvPr/>
+        </p:nvSpPr>
+        <p:spPr>
+          <a:xfrm>
+            <a:off x="239151" y="4318785"/>
+            <a:ext cx="966931" cy="369332"/>
+          </a:xfrm>
+          <a:prstGeom prst="rect">
+            <a:avLst/>
+          </a:prstGeom>
+          <a:solidFill>
+            <a:schemeClr val="accent1">
+              <a:lumMod val="40000"/>
+              <a:lumOff val="60000"/>
+            </a:schemeClr>
+          </a:solidFill>
+        </p:spPr>
+        <p:txBody>
+          <a:bodyPr wrap="none" rtlCol="0">
+            <a:spAutoFit/>
+          </a:bodyPr>
+          <a:lstStyle/>
+          <a:p>
+            <a:r>
+              <a:rPr lang="en-US" dirty="0"/>
+              <a:t>Phase III</a:t>
+            </a:r>
+          </a:p>
+        </p:txBody>
+      </p:sp>
+      <p:sp>
+        <p:nvSpPr>
+          <p:cNvPr id="5" name="Textfeld 4">
+            <a:extLst>
+              <a:ext uri="{FF2B5EF4-FFF2-40B4-BE49-F238E27FC236}">
+                <a16:creationId xmlns:a16="http://schemas.microsoft.com/office/drawing/2014/main" id="{B4382AC4-3421-4F2F-BF43-4B18774BB233}"/>
+              </a:ext>
+            </a:extLst>
+          </p:cNvPr>
+          <p:cNvSpPr txBox="1"/>
+          <p:nvPr/>
+        </p:nvSpPr>
+        <p:spPr>
+          <a:xfrm>
+            <a:off x="239150" y="1589642"/>
+            <a:ext cx="909223" cy="369332"/>
+          </a:xfrm>
+          <a:prstGeom prst="rect">
+            <a:avLst/>
+          </a:prstGeom>
+          <a:solidFill>
+            <a:schemeClr val="accent1">
+              <a:lumMod val="40000"/>
+              <a:lumOff val="60000"/>
+            </a:schemeClr>
+          </a:solidFill>
+        </p:spPr>
+        <p:txBody>
+          <a:bodyPr wrap="none" rtlCol="0">
+            <a:spAutoFit/>
+          </a:bodyPr>
+          <a:lstStyle/>
+          <a:p>
+            <a:r>
+              <a:rPr lang="en-US" dirty="0"/>
+              <a:t>Phase II</a:t>
+            </a:r>
+          </a:p>
+        </p:txBody>
+      </p:sp>
+    </p:spTree>
+    <p:extLst>
+      <p:ext uri="{BB962C8B-B14F-4D97-AF65-F5344CB8AC3E}">
+        <p14:creationId xmlns:p14="http://schemas.microsoft.com/office/powerpoint/2010/main" val="2753538034"/>
+      </p:ext>
+    </p:extLst>
+  </p:cSld>
+  <p:clrMapOvr>
+    <a:masterClrMapping/>
+  </p:clrMapOvr>
+</p:sld>
+</file>
+
+<file path=ppt/slides/slide16.xml><?xml version="1.0" encoding="utf-8"?>
+<p:sld xmlns:a="http://schemas.openxmlformats.org/drawingml/2006/main" xmlns:r="http://schemas.openxmlformats.org/officeDocument/2006/relationships" xmlns:p="http://schemas.openxmlformats.org/presentationml/2006/main">
+  <p:cSld>
+    <p:spTree>
+      <p:nvGrpSpPr>
+        <p:cNvPr id="1" name=""/>
+        <p:cNvGrpSpPr/>
+        <p:nvPr/>
+      </p:nvGrpSpPr>
+      <p:grpSpPr>
+        <a:xfrm>
+          <a:off x="0" y="0"/>
+          <a:ext cx="0" cy="0"/>
+          <a:chOff x="0" y="0"/>
+          <a:chExt cx="0" cy="0"/>
+        </a:xfrm>
+      </p:grpSpPr>
+      <p:sp>
+        <p:nvSpPr>
+          <p:cNvPr id="2" name="Titel 1">
+            <a:extLst>
+              <a:ext uri="{FF2B5EF4-FFF2-40B4-BE49-F238E27FC236}">
+                <a16:creationId xmlns:a16="http://schemas.microsoft.com/office/drawing/2014/main" id="{67DEBF9B-7A0C-45CB-9E56-84330177AAE1}"/>
+              </a:ext>
+            </a:extLst>
+          </p:cNvPr>
+          <p:cNvSpPr>
+            <a:spLocks noGrp="1"/>
+          </p:cNvSpPr>
+          <p:nvPr>
+            <p:ph type="title"/>
+          </p:nvPr>
+        </p:nvSpPr>
+        <p:spPr/>
+        <p:txBody>
+          <a:bodyPr/>
+          <a:lstStyle/>
+          <a:p>
+            <a:r>
+              <a:rPr lang="en-US" dirty="0"/>
+              <a:t>Pseudo-Code: predict-</a:t>
+            </a:r>
+            <a:r>
+              <a:rPr lang="en-US" dirty="0" err="1"/>
+              <a:t>Funktion</a:t>
+            </a:r>
+            <a:endParaRPr lang="en-US" dirty="0"/>
+          </a:p>
+        </p:txBody>
+      </p:sp>
+      <p:sp>
+        <p:nvSpPr>
+          <p:cNvPr id="3" name="Inhaltsplatzhalter 2">
+            <a:extLst>
+              <a:ext uri="{FF2B5EF4-FFF2-40B4-BE49-F238E27FC236}">
+                <a16:creationId xmlns:a16="http://schemas.microsoft.com/office/drawing/2014/main" id="{B20FC451-9691-475B-9DC5-F4A60672423B}"/>
+              </a:ext>
+            </a:extLst>
+          </p:cNvPr>
+          <p:cNvSpPr>
+            <a:spLocks noGrp="1"/>
+          </p:cNvSpPr>
+          <p:nvPr>
+            <p:ph idx="1"/>
+          </p:nvPr>
+        </p:nvSpPr>
+        <p:spPr>
+          <a:xfrm>
+            <a:off x="465297" y="1596047"/>
+            <a:ext cx="11843931" cy="4351337"/>
+          </a:xfrm>
+        </p:spPr>
+        <p:txBody>
+          <a:bodyPr>
+            <a:noAutofit/>
+          </a:bodyPr>
+          <a:lstStyle/>
+          <a:p>
+            <a:pPr marL="0" indent="0">
+              <a:buNone/>
+            </a:pPr>
+            <a:r>
+              <a:rPr lang="en-US" sz="1800" dirty="0">
+                <a:latin typeface="Lucida Console" panose="020B0609040504020204" pitchFamily="49" charset="0"/>
+              </a:rPr>
+              <a:t>	</a:t>
+            </a:r>
           </a:p>
           <a:p>
             <a:pPr marL="0" indent="0">
@@ -5127,7 +6673,7 @@
 </p:sld>
 </file>
 
-<file path=ppt/slides/slide14.xml><?xml version="1.0" encoding="utf-8"?>
+<file path=ppt/slides/slide17.xml><?xml version="1.0" encoding="utf-8"?>
 <p:sld xmlns:a="http://schemas.openxmlformats.org/drawingml/2006/main" xmlns:r="http://schemas.openxmlformats.org/officeDocument/2006/relationships" xmlns:p="http://schemas.openxmlformats.org/presentationml/2006/main">
   <p:cSld>
     <p:bg>
@@ -5203,7 +6749,7 @@
 </p:sld>
 </file>
 
-<file path=ppt/slides/slide15.xml><?xml version="1.0" encoding="utf-8"?>
+<file path=ppt/slides/slide18.xml><?xml version="1.0" encoding="utf-8"?>
 <p:sld xmlns:a="http://schemas.openxmlformats.org/drawingml/2006/main" xmlns:r="http://schemas.openxmlformats.org/officeDocument/2006/relationships" xmlns:p="http://schemas.openxmlformats.org/presentationml/2006/main">
   <p:cSld>
     <p:bg>
@@ -5279,7 +6825,7 @@
 </p:sld>
 </file>
 
-<file path=ppt/slides/slide16.xml><?xml version="1.0" encoding="utf-8"?>
+<file path=ppt/slides/slide19.xml><?xml version="1.0" encoding="utf-8"?>
 <p:sld xmlns:a="http://schemas.openxmlformats.org/drawingml/2006/main" xmlns:r="http://schemas.openxmlformats.org/officeDocument/2006/relationships" xmlns:p="http://schemas.openxmlformats.org/presentationml/2006/main">
   <p:cSld>
     <p:bg>
@@ -6008,7 +7554,7 @@
 </p:sld>
 </file>
 
-<file path=ppt/slides/slide17.xml><?xml version="1.0" encoding="utf-8"?>
+<file path=ppt/slides/slide2.xml><?xml version="1.0" encoding="utf-8"?>
 <p:sld xmlns:a="http://schemas.openxmlformats.org/drawingml/2006/main" xmlns:r="http://schemas.openxmlformats.org/officeDocument/2006/relationships" xmlns:p="http://schemas.openxmlformats.org/presentationml/2006/main">
   <p:cSld>
     <p:spTree>
@@ -6428,7 +7974,7 @@
 </p:sld>
 </file>
 
-<file path=ppt/slides/slide18.xml><?xml version="1.0" encoding="utf-8"?>
+<file path=ppt/slides/slide3.xml><?xml version="1.0" encoding="utf-8"?>
 <p:sld xmlns:a="http://schemas.openxmlformats.org/drawingml/2006/main" xmlns:r="http://schemas.openxmlformats.org/officeDocument/2006/relationships" xmlns:p="http://schemas.openxmlformats.org/presentationml/2006/main">
   <p:cSld>
     <p:spTree>
@@ -6841,7 +8387,7 @@
 </p:sld>
 </file>
 
-<file path=ppt/slides/slide2.xml><?xml version="1.0" encoding="utf-8"?>
+<file path=ppt/slides/slide4.xml><?xml version="1.0" encoding="utf-8"?>
 <p:sld xmlns:a="http://schemas.openxmlformats.org/drawingml/2006/main" xmlns:r="http://schemas.openxmlformats.org/officeDocument/2006/relationships" xmlns:p="http://schemas.openxmlformats.org/presentationml/2006/main">
   <p:cSld>
     <p:spTree>
@@ -6911,77 +8457,402 @@
         <p:spPr>
           <a:xfrm>
             <a:off x="845127" y="1828800"/>
-            <a:ext cx="10515600" cy="4351337"/>
+            <a:ext cx="10515600" cy="4663440"/>
           </a:xfrm>
         </p:spPr>
         <p:txBody>
-          <a:bodyPr/>
+          <a:bodyPr>
+            <a:normAutofit fontScale="92500" lnSpcReduction="10000"/>
+          </a:bodyPr>
           <a:lstStyle/>
           <a:p>
             <a:r>
-              <a:rPr lang="en-US"/>
-              <a:t>Mehrstufiges Verfahren unter Verwendung von Componentwise Boosting</a:t>
-            </a:r>
-          </a:p>
-          <a:p>
-            <a:r>
-              <a:rPr lang="en-US"/>
-              <a:t>Aktuell drei Phasen, hart voneinander getrennt:</a:t>
-            </a:r>
-          </a:p>
-          <a:p>
-            <a:pPr marL="0" indent="0">
-              <a:buNone/>
-            </a:pPr>
-            <a:endParaRPr lang="en-US"/>
+              <a:rPr lang="en-US" dirty="0" err="1"/>
+              <a:t>Mehrstufiges</a:t>
+            </a:r>
+            <a:r>
+              <a:rPr lang="en-US" dirty="0"/>
+              <a:t> </a:t>
+            </a:r>
+            <a:r>
+              <a:rPr lang="en-US" dirty="0" err="1"/>
+              <a:t>Verfahren</a:t>
+            </a:r>
+            <a:r>
+              <a:rPr lang="en-US" dirty="0"/>
+              <a:t> </a:t>
+            </a:r>
+            <a:r>
+              <a:rPr lang="en-US" dirty="0" err="1"/>
+              <a:t>unter</a:t>
+            </a:r>
+            <a:r>
+              <a:rPr lang="en-US" dirty="0"/>
+              <a:t> </a:t>
+            </a:r>
+            <a:r>
+              <a:rPr lang="en-US" dirty="0" err="1"/>
+              <a:t>Verwendung</a:t>
+            </a:r>
+            <a:r>
+              <a:rPr lang="en-US" dirty="0"/>
+              <a:t> von </a:t>
+            </a:r>
+            <a:r>
+              <a:rPr lang="en-US" dirty="0" err="1"/>
+              <a:t>Componentwise</a:t>
+            </a:r>
+            <a:r>
+              <a:rPr lang="en-US" dirty="0"/>
+              <a:t> Boosting</a:t>
+            </a:r>
+          </a:p>
+          <a:p>
+            <a:r>
+              <a:rPr lang="en-US" dirty="0"/>
+              <a:t>Will den Trade-Off </a:t>
+            </a:r>
+            <a:r>
+              <a:rPr lang="en-US" dirty="0" err="1"/>
+              <a:t>zwischen</a:t>
+            </a:r>
+            <a:r>
+              <a:rPr lang="en-US" dirty="0"/>
+              <a:t> </a:t>
+            </a:r>
+            <a:r>
+              <a:rPr lang="en-US" dirty="0" err="1"/>
+              <a:t>Prädiktionsgüte</a:t>
+            </a:r>
+            <a:r>
+              <a:rPr lang="en-US" dirty="0"/>
+              <a:t> und </a:t>
+            </a:r>
+            <a:r>
+              <a:rPr lang="en-US" dirty="0" err="1"/>
+              <a:t>Interpretierbarkeit</a:t>
+            </a:r>
+            <a:r>
+              <a:rPr lang="en-US" dirty="0"/>
+              <a:t> </a:t>
+            </a:r>
+            <a:r>
+              <a:rPr lang="en-US" dirty="0" err="1"/>
+              <a:t>besser</a:t>
+            </a:r>
+            <a:r>
+              <a:rPr lang="en-US" dirty="0"/>
+              <a:t> </a:t>
+            </a:r>
+            <a:r>
+              <a:rPr lang="en-US" dirty="0" err="1"/>
+              <a:t>berücksichtigen</a:t>
+            </a:r>
+            <a:endParaRPr lang="en-US" dirty="0"/>
+          </a:p>
+          <a:p>
+            <a:endParaRPr lang="en-US" dirty="0"/>
+          </a:p>
+          <a:p>
+            <a:r>
+              <a:rPr lang="en-US" dirty="0" err="1"/>
+              <a:t>Aktuell</a:t>
+            </a:r>
+            <a:r>
+              <a:rPr lang="en-US" dirty="0"/>
+              <a:t> </a:t>
+            </a:r>
+            <a:r>
+              <a:rPr lang="en-US" dirty="0" err="1"/>
+              <a:t>drei</a:t>
+            </a:r>
+            <a:r>
+              <a:rPr lang="en-US" dirty="0"/>
+              <a:t> </a:t>
+            </a:r>
+            <a:r>
+              <a:rPr lang="en-US" dirty="0" err="1"/>
+              <a:t>Phasen</a:t>
+            </a:r>
+            <a:r>
+              <a:rPr lang="en-US" dirty="0"/>
+              <a:t> </a:t>
+            </a:r>
+            <a:r>
+              <a:rPr lang="en-US" dirty="0" err="1"/>
+              <a:t>mit</a:t>
+            </a:r>
+            <a:r>
+              <a:rPr lang="en-US" dirty="0"/>
+              <a:t> </a:t>
+            </a:r>
+            <a:r>
+              <a:rPr lang="en-US" dirty="0" err="1"/>
+              <a:t>unterschiedlichen</a:t>
+            </a:r>
+            <a:r>
+              <a:rPr lang="en-US" dirty="0"/>
+              <a:t> </a:t>
+            </a:r>
+            <a:r>
+              <a:rPr lang="en-US" dirty="0" err="1"/>
+              <a:t>Baselearnern</a:t>
+            </a:r>
+            <a:r>
+              <a:rPr lang="en-US" dirty="0"/>
+              <a:t>, hart </a:t>
+            </a:r>
+            <a:r>
+              <a:rPr lang="en-US" dirty="0" err="1"/>
+              <a:t>voneinander</a:t>
+            </a:r>
+            <a:r>
+              <a:rPr lang="en-US" dirty="0"/>
+              <a:t> </a:t>
+            </a:r>
+            <a:r>
+              <a:rPr lang="en-US" dirty="0" err="1"/>
+              <a:t>getrennt</a:t>
+            </a:r>
+            <a:r>
+              <a:rPr lang="en-US" dirty="0"/>
+              <a:t>:</a:t>
+            </a:r>
+          </a:p>
+          <a:p>
+            <a:pPr marL="0" indent="0">
+              <a:buNone/>
+            </a:pPr>
+            <a:endParaRPr lang="en-US" dirty="0"/>
           </a:p>
           <a:p>
             <a:pPr marL="971550" lvl="1" indent="-514350">
               <a:buAutoNum type="arabicPeriod"/>
             </a:pPr>
             <a:r>
-              <a:rPr lang="en-US"/>
-              <a:t>Lineare Komponenten (lineares Modell)</a:t>
+              <a:rPr lang="en-US" dirty="0" err="1"/>
+              <a:t>Lineare</a:t>
+            </a:r>
+            <a:r>
+              <a:rPr lang="en-US" dirty="0"/>
+              <a:t> </a:t>
+            </a:r>
+            <a:r>
+              <a:rPr lang="en-US" dirty="0" err="1"/>
+              <a:t>Komponenten</a:t>
+            </a:r>
+            <a:r>
+              <a:rPr lang="en-US" dirty="0"/>
+              <a:t> (</a:t>
+            </a:r>
+            <a:r>
+              <a:rPr lang="en-US" dirty="0" err="1"/>
+              <a:t>lineares</a:t>
+            </a:r>
+            <a:r>
+              <a:rPr lang="en-US" dirty="0"/>
+              <a:t> Modell)</a:t>
             </a:r>
           </a:p>
           <a:p>
             <a:pPr marL="971550" lvl="1" indent="-514350">
               <a:buAutoNum type="arabicPeriod"/>
             </a:pPr>
-            <a:endParaRPr lang="en-US"/>
+            <a:endParaRPr lang="en-US" dirty="0"/>
           </a:p>
           <a:p>
             <a:pPr marL="971550" lvl="1" indent="-514350">
               <a:buAutoNum type="arabicPeriod"/>
             </a:pPr>
             <a:r>
-              <a:rPr lang="en-US"/>
-              <a:t>Nicht-lineare Komponenten (über Splines)</a:t>
+              <a:rPr lang="en-US" dirty="0" err="1"/>
+              <a:t>Nicht-lineare</a:t>
+            </a:r>
+            <a:r>
+              <a:rPr lang="en-US" dirty="0"/>
+              <a:t> </a:t>
+            </a:r>
+            <a:r>
+              <a:rPr lang="en-US" dirty="0" err="1"/>
+              <a:t>Komponenten</a:t>
+            </a:r>
+            <a:r>
+              <a:rPr lang="en-US" dirty="0"/>
+              <a:t> (</a:t>
+            </a:r>
+            <a:r>
+              <a:rPr lang="en-US" dirty="0" err="1"/>
+              <a:t>über</a:t>
+            </a:r>
+            <a:r>
+              <a:rPr lang="en-US" dirty="0"/>
+              <a:t> Splines)</a:t>
             </a:r>
           </a:p>
           <a:p>
             <a:pPr marL="971550" lvl="1" indent="-514350">
               <a:buAutoNum type="arabicPeriod"/>
             </a:pPr>
-            <a:endParaRPr lang="en-US"/>
+            <a:endParaRPr lang="en-US" dirty="0"/>
           </a:p>
           <a:p>
             <a:pPr marL="971550" lvl="1" indent="-514350">
               <a:buAutoNum type="arabicPeriod"/>
             </a:pPr>
             <a:r>
-              <a:rPr lang="en-US"/>
-              <a:t>Feature Interaktionen (Trees (oder zweidim. Splines denkbar))</a:t>
-            </a:r>
-          </a:p>
-          <a:p>
-            <a:endParaRPr lang="en-US"/>
-          </a:p>
-          <a:p>
-            <a:endParaRPr lang="en-US"/>
+              <a:rPr lang="en-US" dirty="0"/>
+              <a:t>Feature </a:t>
+            </a:r>
+            <a:r>
+              <a:rPr lang="en-US" dirty="0" err="1"/>
+              <a:t>Interaktionen</a:t>
+            </a:r>
+            <a:r>
+              <a:rPr lang="en-US" dirty="0"/>
+              <a:t> (Trees)</a:t>
+            </a:r>
           </a:p>
           <a:p>
             <a:endParaRPr lang="en-US" dirty="0"/>
+          </a:p>
+          <a:p>
+            <a:endParaRPr lang="en-US" dirty="0"/>
+          </a:p>
+          <a:p>
+            <a:endParaRPr lang="en-US" dirty="0"/>
+          </a:p>
+        </p:txBody>
+      </p:sp>
+      <p:sp>
+        <p:nvSpPr>
+          <p:cNvPr id="4" name="Textfeld 3">
+            <a:extLst>
+              <a:ext uri="{FF2B5EF4-FFF2-40B4-BE49-F238E27FC236}">
+                <a16:creationId xmlns:a16="http://schemas.microsoft.com/office/drawing/2014/main" id="{ECD1EAAB-E5F7-49FC-B00A-6C67F5E5803E}"/>
+              </a:ext>
+            </a:extLst>
+          </p:cNvPr>
+          <p:cNvSpPr txBox="1"/>
+          <p:nvPr/>
+        </p:nvSpPr>
+        <p:spPr>
+          <a:xfrm>
+            <a:off x="7554349" y="4610686"/>
+            <a:ext cx="3348111" cy="1477328"/>
+          </a:xfrm>
+          <a:prstGeom prst="rect">
+            <a:avLst/>
+          </a:prstGeom>
+          <a:solidFill>
+            <a:schemeClr val="accent1">
+              <a:lumMod val="40000"/>
+              <a:lumOff val="60000"/>
+            </a:schemeClr>
+          </a:solidFill>
+        </p:spPr>
+        <p:txBody>
+          <a:bodyPr wrap="square" rtlCol="0">
+            <a:spAutoFit/>
+          </a:bodyPr>
+          <a:lstStyle/>
+          <a:p>
+            <a:r>
+              <a:rPr lang="en-US" dirty="0"/>
+              <a:t>Comp. Boosting </a:t>
+            </a:r>
+            <a:r>
+              <a:rPr lang="en-US" dirty="0" err="1"/>
+              <a:t>mit</a:t>
+            </a:r>
+            <a:r>
+              <a:rPr lang="en-US" dirty="0"/>
+              <a:t> </a:t>
+            </a:r>
+            <a:r>
+              <a:rPr lang="en-US" dirty="0" err="1"/>
+              <a:t>Baselearnern</a:t>
+            </a:r>
+            <a:r>
+              <a:rPr lang="en-US" dirty="0"/>
+              <a:t> </a:t>
+            </a:r>
+            <a:r>
+              <a:rPr lang="en-US" dirty="0" err="1"/>
+              <a:t>einer</a:t>
+            </a:r>
+            <a:r>
+              <a:rPr lang="en-US" dirty="0"/>
+              <a:t> Phase bis </a:t>
+            </a:r>
+            <a:r>
+              <a:rPr lang="en-US" dirty="0" err="1"/>
+              <a:t>keine</a:t>
+            </a:r>
+            <a:r>
+              <a:rPr lang="en-US" dirty="0"/>
+              <a:t> </a:t>
+            </a:r>
+            <a:r>
+              <a:rPr lang="en-US" dirty="0" err="1"/>
+              <a:t>weitere</a:t>
+            </a:r>
+            <a:r>
+              <a:rPr lang="en-US" dirty="0"/>
+              <a:t> </a:t>
+            </a:r>
+            <a:r>
+              <a:rPr lang="en-US" dirty="0" err="1"/>
+              <a:t>Verbesserung</a:t>
+            </a:r>
+            <a:endParaRPr lang="en-US" dirty="0"/>
+          </a:p>
+          <a:p>
+            <a:r>
+              <a:rPr lang="en-US" dirty="0">
+                <a:sym typeface="Wingdings" panose="05000000000000000000" pitchFamily="2" charset="2"/>
+              </a:rPr>
+              <a:t> Dann </a:t>
+            </a:r>
+            <a:r>
+              <a:rPr lang="en-US" dirty="0" err="1">
+                <a:sym typeface="Wingdings" panose="05000000000000000000" pitchFamily="2" charset="2"/>
+              </a:rPr>
+              <a:t>Übergang</a:t>
+            </a:r>
+            <a:r>
+              <a:rPr lang="en-US" dirty="0">
+                <a:sym typeface="Wingdings" panose="05000000000000000000" pitchFamily="2" charset="2"/>
+              </a:rPr>
+              <a:t> </a:t>
+            </a:r>
+            <a:r>
+              <a:rPr lang="en-US" dirty="0" err="1">
+                <a:sym typeface="Wingdings" panose="05000000000000000000" pitchFamily="2" charset="2"/>
+              </a:rPr>
+              <a:t>zur</a:t>
+            </a:r>
+            <a:r>
+              <a:rPr lang="en-US" dirty="0">
+                <a:sym typeface="Wingdings" panose="05000000000000000000" pitchFamily="2" charset="2"/>
+              </a:rPr>
+              <a:t> </a:t>
+            </a:r>
+            <a:r>
+              <a:rPr lang="en-US" dirty="0" err="1">
+                <a:sym typeface="Wingdings" panose="05000000000000000000" pitchFamily="2" charset="2"/>
+              </a:rPr>
+              <a:t>nächsten</a:t>
+            </a:r>
+            <a:r>
+              <a:rPr lang="en-US" dirty="0">
+                <a:sym typeface="Wingdings" panose="05000000000000000000" pitchFamily="2" charset="2"/>
+              </a:rPr>
+              <a:t> Phase</a:t>
+            </a:r>
+            <a:r>
+              <a:rPr lang="en-US" dirty="0"/>
+              <a:t> </a:t>
+            </a:r>
           </a:p>
         </p:txBody>
       </p:sp>
@@ -6998,7 +8869,7 @@
 </p:sld>
 </file>
 
-<file path=ppt/slides/slide3.xml><?xml version="1.0" encoding="utf-8"?>
+<file path=ppt/slides/slide5.xml><?xml version="1.0" encoding="utf-8"?>
 <p:sld xmlns:a="http://schemas.openxmlformats.org/drawingml/2006/main" xmlns:r="http://schemas.openxmlformats.org/officeDocument/2006/relationships" xmlns:p="http://schemas.openxmlformats.org/presentationml/2006/main">
   <p:cSld>
     <p:spTree>
@@ -7078,8 +8949,84 @@
           <a:lstStyle/>
           <a:p>
             <a:r>
-              <a:rPr lang="en-US"/>
-              <a:t>Übergang zwischen den Phasen über eine minimal notwendige Verbesserung des Risikos von einer Phase auf die nächste </a:t>
+              <a:rPr lang="en-US" dirty="0" err="1"/>
+              <a:t>Übergang</a:t>
+            </a:r>
+            <a:r>
+              <a:rPr lang="en-US" dirty="0"/>
+              <a:t> </a:t>
+            </a:r>
+            <a:r>
+              <a:rPr lang="en-US" dirty="0" err="1"/>
+              <a:t>zwischen</a:t>
+            </a:r>
+            <a:r>
+              <a:rPr lang="en-US" dirty="0"/>
+              <a:t> den </a:t>
+            </a:r>
+            <a:r>
+              <a:rPr lang="en-US" dirty="0" err="1"/>
+              <a:t>Phasen</a:t>
+            </a:r>
+            <a:r>
+              <a:rPr lang="en-US" dirty="0"/>
+              <a:t> </a:t>
+            </a:r>
+            <a:r>
+              <a:rPr lang="en-US" dirty="0" err="1"/>
+              <a:t>über</a:t>
+            </a:r>
+            <a:r>
+              <a:rPr lang="en-US" dirty="0"/>
+              <a:t> </a:t>
+            </a:r>
+            <a:r>
+              <a:rPr lang="en-US" dirty="0" err="1"/>
+              <a:t>eine</a:t>
+            </a:r>
+            <a:r>
+              <a:rPr lang="en-US" dirty="0"/>
+              <a:t> minimal </a:t>
+            </a:r>
+            <a:r>
+              <a:rPr lang="en-US" dirty="0" err="1"/>
+              <a:t>notwendige</a:t>
+            </a:r>
+            <a:r>
+              <a:rPr lang="en-US" dirty="0"/>
+              <a:t> </a:t>
+            </a:r>
+            <a:r>
+              <a:rPr lang="en-US" dirty="0" err="1"/>
+              <a:t>Verbesserung</a:t>
+            </a:r>
+            <a:r>
+              <a:rPr lang="en-US" dirty="0"/>
+              <a:t> des </a:t>
+            </a:r>
+            <a:r>
+              <a:rPr lang="en-US" dirty="0" err="1"/>
+              <a:t>Risikos</a:t>
+            </a:r>
+            <a:r>
+              <a:rPr lang="en-US" dirty="0"/>
+              <a:t> von </a:t>
+            </a:r>
+            <a:r>
+              <a:rPr lang="en-US" dirty="0" err="1"/>
+              <a:t>einer</a:t>
+            </a:r>
+            <a:r>
+              <a:rPr lang="en-US" dirty="0"/>
+              <a:t> Phase auf die </a:t>
+            </a:r>
+            <a:r>
+              <a:rPr lang="en-US" dirty="0" err="1"/>
+              <a:t>nächste</a:t>
+            </a:r>
+            <a:r>
+              <a:rPr lang="en-US" dirty="0"/>
+              <a:t> </a:t>
             </a:r>
           </a:p>
           <a:p>
@@ -7088,32 +9035,141 @@
               <a:buChar char="à"/>
             </a:pPr>
             <a:r>
-              <a:rPr lang="en-US">
+              <a:rPr lang="en-US" dirty="0">
                 <a:latin typeface="Calibri" panose="020F0502020204030204" pitchFamily="34" charset="0"/>
                 <a:cs typeface="Calibri" panose="020F0502020204030204" pitchFamily="34" charset="0"/>
               </a:rPr>
               <a:t>ꜫ</a:t>
             </a:r>
-            <a:endParaRPr lang="en-US"/>
-          </a:p>
-          <a:p>
-            <a:r>
-              <a:rPr lang="en-US"/>
-              <a:t>Eine Phase läuft, solange der Quotient aus dem Risiko einer Iteration und dem Risiko aus der Iteration davor größer als </a:t>
-            </a:r>
-            <a:r>
-              <a:rPr lang="en-US">
+            <a:endParaRPr lang="en-US" dirty="0"/>
+          </a:p>
+          <a:p>
+            <a:r>
+              <a:rPr lang="en-US" dirty="0"/>
+              <a:t>Eine Phase </a:t>
+            </a:r>
+            <a:r>
+              <a:rPr lang="en-US" dirty="0" err="1"/>
+              <a:t>läuft</a:t>
+            </a:r>
+            <a:r>
+              <a:rPr lang="en-US" dirty="0"/>
+              <a:t>, </a:t>
+            </a:r>
+            <a:r>
+              <a:rPr lang="en-US" dirty="0" err="1"/>
+              <a:t>solange</a:t>
+            </a:r>
+            <a:r>
+              <a:rPr lang="en-US" dirty="0"/>
+              <a:t> der </a:t>
+            </a:r>
+            <a:r>
+              <a:rPr lang="en-US" b="1" dirty="0"/>
+              <a:t>Quotient</a:t>
+            </a:r>
+            <a:r>
+              <a:rPr lang="en-US" dirty="0"/>
+              <a:t> </a:t>
+            </a:r>
+            <a:r>
+              <a:rPr lang="en-US" dirty="0" err="1"/>
+              <a:t>aus</a:t>
+            </a:r>
+            <a:r>
+              <a:rPr lang="en-US" dirty="0"/>
+              <a:t> dem </a:t>
+            </a:r>
+            <a:r>
+              <a:rPr lang="en-US" dirty="0" err="1"/>
+              <a:t>Risiko</a:t>
+            </a:r>
+            <a:r>
+              <a:rPr lang="en-US" dirty="0"/>
+              <a:t> </a:t>
+            </a:r>
+            <a:r>
+              <a:rPr lang="en-US" dirty="0" err="1"/>
+              <a:t>einer</a:t>
+            </a:r>
+            <a:r>
+              <a:rPr lang="en-US" dirty="0"/>
+              <a:t> Iteration und dem </a:t>
+            </a:r>
+            <a:r>
+              <a:rPr lang="en-US" dirty="0" err="1"/>
+              <a:t>Risiko</a:t>
+            </a:r>
+            <a:r>
+              <a:rPr lang="en-US" dirty="0"/>
+              <a:t> </a:t>
+            </a:r>
+            <a:r>
+              <a:rPr lang="en-US" dirty="0" err="1"/>
+              <a:t>aus</a:t>
+            </a:r>
+            <a:r>
+              <a:rPr lang="en-US" dirty="0"/>
+              <a:t> der Iteration </a:t>
+            </a:r>
+            <a:r>
+              <a:rPr lang="en-US" dirty="0" err="1"/>
+              <a:t>davor</a:t>
+            </a:r>
+            <a:r>
+              <a:rPr lang="en-US" dirty="0"/>
+              <a:t> </a:t>
+            </a:r>
+            <a:r>
+              <a:rPr lang="en-US" dirty="0" err="1"/>
+              <a:t>größer</a:t>
+            </a:r>
+            <a:r>
+              <a:rPr lang="en-US" dirty="0"/>
+              <a:t> </a:t>
+            </a:r>
+            <a:r>
+              <a:rPr lang="en-US" dirty="0" err="1"/>
+              <a:t>als</a:t>
+            </a:r>
+            <a:r>
+              <a:rPr lang="en-US" dirty="0"/>
+              <a:t> </a:t>
+            </a:r>
+            <a:r>
+              <a:rPr lang="en-US" b="1" dirty="0">
                 <a:latin typeface="Calibri" panose="020F0502020204030204" pitchFamily="34" charset="0"/>
                 <a:cs typeface="Calibri" panose="020F0502020204030204" pitchFamily="34" charset="0"/>
               </a:rPr>
-              <a:t>ꜫ ist:</a:t>
-            </a:r>
-          </a:p>
-          <a:p>
-            <a:pPr marL="0" indent="0">
-              <a:buNone/>
-            </a:pPr>
-            <a:endParaRPr lang="en-US">
+              <a:t>ꜫ</a:t>
+            </a:r>
+            <a:r>
+              <a:rPr lang="en-US" dirty="0">
+                <a:latin typeface="Calibri" panose="020F0502020204030204" pitchFamily="34" charset="0"/>
+                <a:cs typeface="Calibri" panose="020F0502020204030204" pitchFamily="34" charset="0"/>
+              </a:rPr>
+              <a:t> </a:t>
+            </a:r>
+            <a:r>
+              <a:rPr lang="en-US" dirty="0" err="1">
+                <a:latin typeface="Calibri" panose="020F0502020204030204" pitchFamily="34" charset="0"/>
+                <a:cs typeface="Calibri" panose="020F0502020204030204" pitchFamily="34" charset="0"/>
+              </a:rPr>
+              <a:t>ist</a:t>
+            </a:r>
+            <a:r>
+              <a:rPr lang="en-US" dirty="0">
+                <a:latin typeface="Calibri" panose="020F0502020204030204" pitchFamily="34" charset="0"/>
+                <a:cs typeface="Calibri" panose="020F0502020204030204" pitchFamily="34" charset="0"/>
+              </a:rPr>
+              <a:t>:</a:t>
+            </a:r>
+          </a:p>
+          <a:p>
+            <a:pPr marL="0" indent="0">
+              <a:buNone/>
+            </a:pPr>
+            <a:endParaRPr lang="en-US" dirty="0">
               <a:latin typeface="Calibri" panose="020F0502020204030204" pitchFamily="34" charset="0"/>
               <a:cs typeface="Calibri" panose="020F0502020204030204" pitchFamily="34" charset="0"/>
             </a:endParaRPr>
@@ -7123,21 +9179,35 @@
               <a:buNone/>
             </a:pPr>
             <a:r>
-              <a:rPr lang="en-US" sz="1800">
+              <a:rPr lang="en-US" sz="1800" dirty="0">
                 <a:latin typeface="Lucida Console" panose="020B0609040504020204" pitchFamily="49" charset="0"/>
                 <a:ea typeface="Source Sans Pro" panose="020B0503030403020204" pitchFamily="34" charset="0"/>
               </a:rPr>
-              <a:t>while((iteration &lt;= mstop) &amp; (risk[iteration-1]/risk[iteration] &gt;= 1+</a:t>
-            </a:r>
-            <a:r>
-              <a:rPr lang="en-US" sz="1800">
+              <a:t>while((iteration &lt;= </a:t>
+            </a:r>
+            <a:r>
+              <a:rPr lang="en-US" sz="1800" dirty="0" err="1">
+                <a:latin typeface="Lucida Console" panose="020B0609040504020204" pitchFamily="49" charset="0"/>
+                <a:ea typeface="Source Sans Pro" panose="020B0503030403020204" pitchFamily="34" charset="0"/>
+              </a:rPr>
+              <a:t>mstop</a:t>
+            </a:r>
+            <a:r>
+              <a:rPr lang="en-US" sz="1800" dirty="0">
+                <a:latin typeface="Lucida Console" panose="020B0609040504020204" pitchFamily="49" charset="0"/>
+                <a:ea typeface="Source Sans Pro" panose="020B0503030403020204" pitchFamily="34" charset="0"/>
+              </a:rPr>
+              <a:t>) &amp; (risk[iteration-1]/risk[iteration] &gt;= 1+</a:t>
+            </a:r>
+            <a:r>
+              <a:rPr lang="en-US" sz="1800" dirty="0">
                 <a:latin typeface="Lucida Console" panose="020B0609040504020204" pitchFamily="49" charset="0"/>
                 <a:cs typeface="Calibri" panose="020F0502020204030204" pitchFamily="34" charset="0"/>
               </a:rPr>
               <a:t>ꜫ </a:t>
             </a:r>
             <a:r>
-              <a:rPr lang="en-US" sz="1800">
+              <a:rPr lang="en-US" sz="1800" dirty="0">
                 <a:latin typeface="Lucida Console" panose="020B0609040504020204" pitchFamily="49" charset="0"/>
                 <a:ea typeface="Source Sans Pro" panose="020B0503030403020204" pitchFamily="34" charset="0"/>
               </a:rPr>
@@ -7149,7 +9219,7 @@
               <a:buNone/>
             </a:pPr>
             <a:r>
-              <a:rPr lang="en-US" sz="1800">
+              <a:rPr lang="en-US" sz="1800" dirty="0">
                 <a:latin typeface="Lucida Console" panose="020B0609040504020204" pitchFamily="49" charset="0"/>
                 <a:ea typeface="Source Sans Pro" panose="020B0503030403020204" pitchFamily="34" charset="0"/>
               </a:rPr>
@@ -7161,13 +9231,13 @@
               <a:buNone/>
             </a:pPr>
             <a:r>
-              <a:rPr lang="en-US" sz="1800">
+              <a:rPr lang="en-US" sz="1800" dirty="0">
                 <a:latin typeface="Lucida Console" panose="020B0609040504020204" pitchFamily="49" charset="0"/>
                 <a:ea typeface="Source Sans Pro" panose="020B0503030403020204" pitchFamily="34" charset="0"/>
               </a:rPr>
               <a:t>	}</a:t>
             </a:r>
-            <a:endParaRPr lang="en-US" sz="1800">
+            <a:endParaRPr lang="en-US" sz="1800" dirty="0">
               <a:latin typeface="Lucida Console" panose="020B0609040504020204" pitchFamily="49" charset="0"/>
               <a:cs typeface="Calibri" panose="020F0502020204030204" pitchFamily="34" charset="0"/>
             </a:endParaRPr>
@@ -7176,16 +9246,16 @@
             <a:pPr marL="0" indent="0">
               <a:buNone/>
             </a:pPr>
-            <a:endParaRPr lang="en-US">
+            <a:endParaRPr lang="en-US" dirty="0">
               <a:latin typeface="Calibri" panose="020F0502020204030204" pitchFamily="34" charset="0"/>
               <a:cs typeface="Calibri" panose="020F0502020204030204" pitchFamily="34" charset="0"/>
             </a:endParaRPr>
           </a:p>
           <a:p>
-            <a:endParaRPr lang="en-US"/>
-          </a:p>
-          <a:p>
-            <a:endParaRPr lang="en-US"/>
+            <a:endParaRPr lang="en-US" dirty="0"/>
+          </a:p>
+          <a:p>
+            <a:endParaRPr lang="en-US" dirty="0"/>
           </a:p>
           <a:p>
             <a:endParaRPr lang="en-US" dirty="0"/>
@@ -7196,772 +9266,6 @@
     <p:extLst>
       <p:ext uri="{BB962C8B-B14F-4D97-AF65-F5344CB8AC3E}">
         <p14:creationId xmlns:p14="http://schemas.microsoft.com/office/powerpoint/2010/main" val="3837886169"/>
-      </p:ext>
-    </p:extLst>
-  </p:cSld>
-  <p:clrMapOvr>
-    <a:masterClrMapping/>
-  </p:clrMapOvr>
-</p:sld>
-</file>
-
-<file path=ppt/slides/slide4.xml><?xml version="1.0" encoding="utf-8"?>
-<p:sld xmlns:a="http://schemas.openxmlformats.org/drawingml/2006/main" xmlns:r="http://schemas.openxmlformats.org/officeDocument/2006/relationships" xmlns:p="http://schemas.openxmlformats.org/presentationml/2006/main">
-  <p:cSld>
-    <p:spTree>
-      <p:nvGrpSpPr>
-        <p:cNvPr id="1" name=""/>
-        <p:cNvGrpSpPr/>
-        <p:nvPr/>
-      </p:nvGrpSpPr>
-      <p:grpSpPr>
-        <a:xfrm>
-          <a:off x="0" y="0"/>
-          <a:ext cx="0" cy="0"/>
-          <a:chOff x="0" y="0"/>
-          <a:chExt cx="0" cy="0"/>
-        </a:xfrm>
-      </p:grpSpPr>
-      <p:sp>
-        <p:nvSpPr>
-          <p:cNvPr id="2" name="Titel 1">
-            <a:extLst>
-              <a:ext uri="{FF2B5EF4-FFF2-40B4-BE49-F238E27FC236}">
-                <a16:creationId xmlns:a16="http://schemas.microsoft.com/office/drawing/2014/main" id="{67DEBF9B-7A0C-45CB-9E56-84330177AAE1}"/>
-              </a:ext>
-            </a:extLst>
-          </p:cNvPr>
-          <p:cNvSpPr>
-            <a:spLocks noGrp="1"/>
-          </p:cNvSpPr>
-          <p:nvPr>
-            <p:ph type="title"/>
-          </p:nvPr>
-        </p:nvSpPr>
-        <p:spPr/>
-        <p:txBody>
-          <a:bodyPr/>
-          <a:lstStyle/>
-          <a:p>
-            <a:r>
-              <a:rPr lang="en-US" dirty="0"/>
-              <a:t>Pseudo-Code: </a:t>
-            </a:r>
-            <a:r>
-              <a:rPr lang="en-US" dirty="0" err="1"/>
-              <a:t>Initialisierung</a:t>
-            </a:r>
-            <a:endParaRPr lang="en-US" dirty="0"/>
-          </a:p>
-        </p:txBody>
-      </p:sp>
-      <p:sp>
-        <p:nvSpPr>
-          <p:cNvPr id="3" name="Inhaltsplatzhalter 2">
-            <a:extLst>
-              <a:ext uri="{FF2B5EF4-FFF2-40B4-BE49-F238E27FC236}">
-                <a16:creationId xmlns:a16="http://schemas.microsoft.com/office/drawing/2014/main" id="{B20FC451-9691-475B-9DC5-F4A60672423B}"/>
-              </a:ext>
-            </a:extLst>
-          </p:cNvPr>
-          <p:cNvSpPr>
-            <a:spLocks noGrp="1"/>
-          </p:cNvSpPr>
-          <p:nvPr>
-            <p:ph idx="1"/>
-          </p:nvPr>
-        </p:nvSpPr>
-        <p:spPr/>
-        <p:txBody>
-          <a:bodyPr>
-            <a:normAutofit/>
-          </a:bodyPr>
-          <a:lstStyle/>
-          <a:p>
-            <a:pPr marL="0" indent="0">
-              <a:buNone/>
-            </a:pPr>
-            <a:r>
-              <a:rPr lang="en-US" sz="1700" dirty="0" err="1">
-                <a:latin typeface="Lucida Console" panose="020B0609040504020204" pitchFamily="49" charset="0"/>
-              </a:rPr>
-              <a:t>interpretable_comp_boost_m</a:t>
-            </a:r>
-            <a:r>
-              <a:rPr lang="en-US" sz="1700" dirty="0">
-                <a:latin typeface="Lucida Console" panose="020B0609040504020204" pitchFamily="49" charset="0"/>
-              </a:rPr>
-              <a:t> &lt;- function(data, formula, nu=0.05, </a:t>
-            </a:r>
-            <a:r>
-              <a:rPr lang="en-US" sz="1700" dirty="0" err="1">
-                <a:latin typeface="Lucida Console" panose="020B0609040504020204" pitchFamily="49" charset="0"/>
-              </a:rPr>
-              <a:t>mstop</a:t>
-            </a:r>
-            <a:r>
-              <a:rPr lang="en-US" sz="1700" dirty="0">
-                <a:latin typeface="Lucida Console" panose="020B0609040504020204" pitchFamily="49" charset="0"/>
-              </a:rPr>
-              <a:t>=200, 					family=Gaussian(), epsilon = 0.0025){</a:t>
-            </a:r>
-          </a:p>
-          <a:p>
-            <a:pPr marL="0" indent="0">
-              <a:buNone/>
-            </a:pPr>
-            <a:endParaRPr lang="en-US" sz="1700" dirty="0">
-              <a:latin typeface="Lucida Console" panose="020B0609040504020204" pitchFamily="49" charset="0"/>
-            </a:endParaRPr>
-          </a:p>
-          <a:p>
-            <a:pPr marL="457200" lvl="1" indent="0">
-              <a:buNone/>
-            </a:pPr>
-            <a:r>
-              <a:rPr lang="en-US" sz="1700" dirty="0">
-                <a:latin typeface="Lucida Console" panose="020B0609040504020204" pitchFamily="49" charset="0"/>
-              </a:rPr>
-              <a:t>…</a:t>
-            </a:r>
-          </a:p>
-          <a:p>
-            <a:pPr marL="457200" lvl="1" indent="0">
-              <a:buNone/>
-            </a:pPr>
-            <a:r>
-              <a:rPr lang="en-US" sz="1700" dirty="0" err="1">
-                <a:latin typeface="Lucida Console" panose="020B0609040504020204" pitchFamily="49" charset="0"/>
-              </a:rPr>
-              <a:t>ngradient</a:t>
-            </a:r>
-            <a:r>
-              <a:rPr lang="en-US" sz="1700" dirty="0">
-                <a:latin typeface="Lucida Console" panose="020B0609040504020204" pitchFamily="49" charset="0"/>
-              </a:rPr>
-              <a:t> &lt;- </a:t>
-            </a:r>
-            <a:r>
-              <a:rPr lang="en-US" sz="1700" dirty="0" err="1">
-                <a:latin typeface="Lucida Console" panose="020B0609040504020204" pitchFamily="49" charset="0"/>
-              </a:rPr>
-              <a:t>family@ngradient</a:t>
-            </a:r>
-            <a:endParaRPr lang="en-US" sz="1700" dirty="0">
-              <a:latin typeface="Lucida Console" panose="020B0609040504020204" pitchFamily="49" charset="0"/>
-            </a:endParaRPr>
-          </a:p>
-          <a:p>
-            <a:pPr marL="457200" lvl="1" indent="0">
-              <a:buNone/>
-            </a:pPr>
-            <a:r>
-              <a:rPr lang="en-US" sz="1700" dirty="0" err="1">
-                <a:latin typeface="Lucida Console" panose="020B0609040504020204" pitchFamily="49" charset="0"/>
-              </a:rPr>
-              <a:t>riskfct</a:t>
-            </a:r>
-            <a:r>
-              <a:rPr lang="en-US" sz="1700" dirty="0">
-                <a:latin typeface="Lucida Console" panose="020B0609040504020204" pitchFamily="49" charset="0"/>
-              </a:rPr>
-              <a:t> &lt;- </a:t>
-            </a:r>
-            <a:r>
-              <a:rPr lang="en-US" sz="1700" dirty="0" err="1">
-                <a:latin typeface="Lucida Console" panose="020B0609040504020204" pitchFamily="49" charset="0"/>
-              </a:rPr>
-              <a:t>family@risk</a:t>
-            </a:r>
-            <a:endParaRPr lang="en-US" sz="1700" dirty="0">
-              <a:latin typeface="Lucida Console" panose="020B0609040504020204" pitchFamily="49" charset="0"/>
-            </a:endParaRPr>
-          </a:p>
-          <a:p>
-            <a:pPr marL="457200" lvl="1" indent="0">
-              <a:buNone/>
-            </a:pPr>
-            <a:r>
-              <a:rPr lang="en-US" sz="1700" dirty="0">
-                <a:latin typeface="Lucida Console" panose="020B0609040504020204" pitchFamily="49" charset="0"/>
-              </a:rPr>
-              <a:t>…</a:t>
-            </a:r>
-          </a:p>
-          <a:p>
-            <a:pPr marL="457200" lvl="1" indent="0">
-              <a:buNone/>
-            </a:pPr>
-            <a:r>
-              <a:rPr lang="en-US" sz="1700" b="1" dirty="0">
-                <a:latin typeface="Lucida Console" panose="020B0609040504020204" pitchFamily="49" charset="0"/>
-              </a:rPr>
-              <a:t>Fit intercept model as initial fit and calculate risk</a:t>
-            </a:r>
-          </a:p>
-          <a:p>
-            <a:pPr marL="457200" lvl="1" indent="0">
-              <a:buNone/>
-            </a:pPr>
-            <a:r>
-              <a:rPr lang="en-US" sz="1700" dirty="0" err="1">
-                <a:latin typeface="Lucida Console" panose="020B0609040504020204" pitchFamily="49" charset="0"/>
-              </a:rPr>
-              <a:t>intercept_model</a:t>
-            </a:r>
-            <a:r>
-              <a:rPr lang="en-US" sz="1700" dirty="0">
-                <a:latin typeface="Lucida Console" panose="020B0609040504020204" pitchFamily="49" charset="0"/>
-              </a:rPr>
-              <a:t> &lt;- </a:t>
-            </a:r>
-            <a:r>
-              <a:rPr lang="en-US" sz="1700" dirty="0" err="1">
-                <a:latin typeface="Lucida Console" panose="020B0609040504020204" pitchFamily="49" charset="0"/>
-              </a:rPr>
-              <a:t>lm.fit</a:t>
-            </a:r>
-            <a:r>
-              <a:rPr lang="en-US" sz="1700" dirty="0">
-                <a:latin typeface="Lucida Console" panose="020B0609040504020204" pitchFamily="49" charset="0"/>
-              </a:rPr>
-              <a:t>(x=X[,1]), y=y)</a:t>
-            </a:r>
-          </a:p>
-          <a:p>
-            <a:pPr marL="457200" lvl="1" indent="0">
-              <a:buNone/>
-            </a:pPr>
-            <a:r>
-              <a:rPr lang="en-US" sz="1700" dirty="0">
-                <a:latin typeface="Lucida Console" panose="020B0609040504020204" pitchFamily="49" charset="0"/>
-              </a:rPr>
-              <a:t>fit_0 &lt;- </a:t>
-            </a:r>
-            <a:r>
-              <a:rPr lang="en-US" sz="1700" dirty="0" err="1">
-                <a:latin typeface="Lucida Console" panose="020B0609040504020204" pitchFamily="49" charset="0"/>
-              </a:rPr>
-              <a:t>intercept_model$fitted.values</a:t>
-            </a:r>
-            <a:endParaRPr lang="en-US" sz="1700" dirty="0">
-              <a:latin typeface="Lucida Console" panose="020B0609040504020204" pitchFamily="49" charset="0"/>
-            </a:endParaRPr>
-          </a:p>
-          <a:p>
-            <a:pPr marL="457200" lvl="1" indent="0">
-              <a:buNone/>
-            </a:pPr>
-            <a:r>
-              <a:rPr lang="en-US" sz="1700" dirty="0">
-                <a:latin typeface="Lucida Console" panose="020B0609040504020204" pitchFamily="49" charset="0"/>
-              </a:rPr>
-              <a:t>risk_0 &lt;- </a:t>
-            </a:r>
-            <a:r>
-              <a:rPr lang="en-US" sz="1700" dirty="0" err="1">
-                <a:latin typeface="Lucida Console" panose="020B0609040504020204" pitchFamily="49" charset="0"/>
-              </a:rPr>
-              <a:t>riskfct</a:t>
-            </a:r>
-            <a:r>
-              <a:rPr lang="en-US" sz="1700" dirty="0">
-                <a:latin typeface="Lucida Console" panose="020B0609040504020204" pitchFamily="49" charset="0"/>
-              </a:rPr>
-              <a:t>(y = y, f = </a:t>
-            </a:r>
-            <a:r>
-              <a:rPr lang="en-US" sz="1700" dirty="0" err="1">
-                <a:latin typeface="Lucida Console" panose="020B0609040504020204" pitchFamily="49" charset="0"/>
-              </a:rPr>
-              <a:t>fitted_values</a:t>
-            </a:r>
-            <a:r>
-              <a:rPr lang="en-US" sz="1700" dirty="0">
-                <a:latin typeface="Lucida Console" panose="020B0609040504020204" pitchFamily="49" charset="0"/>
-              </a:rPr>
-              <a:t>)</a:t>
-            </a:r>
-          </a:p>
-          <a:p>
-            <a:pPr marL="457200" lvl="1" indent="0">
-              <a:buNone/>
-            </a:pPr>
-            <a:endParaRPr lang="en-US" sz="1700" dirty="0">
-              <a:latin typeface="Lucida Console" panose="020B0609040504020204" pitchFamily="49" charset="0"/>
-            </a:endParaRPr>
-          </a:p>
-          <a:p>
-            <a:pPr marL="457200" lvl="1" indent="0">
-              <a:buNone/>
-            </a:pPr>
-            <a:r>
-              <a:rPr lang="en-US" sz="1700" dirty="0" err="1">
-                <a:latin typeface="Lucida Console" panose="020B0609040504020204" pitchFamily="49" charset="0"/>
-              </a:rPr>
-              <a:t>lm_coeffs</a:t>
-            </a:r>
-            <a:r>
-              <a:rPr lang="en-US" sz="1700" dirty="0">
-                <a:latin typeface="Lucida Console" panose="020B0609040504020204" pitchFamily="49" charset="0"/>
-              </a:rPr>
-              <a:t> = numeric(dim(X)[2])</a:t>
-            </a:r>
-          </a:p>
-          <a:p>
-            <a:pPr marL="457200" lvl="1" indent="0">
-              <a:buNone/>
-            </a:pPr>
-            <a:r>
-              <a:rPr lang="fr-FR" sz="1700" dirty="0" err="1">
-                <a:latin typeface="Lucida Console" panose="020B0609040504020204" pitchFamily="49" charset="0"/>
-              </a:rPr>
-              <a:t>lm_coeffs</a:t>
-            </a:r>
-            <a:r>
-              <a:rPr lang="fr-FR" sz="1700" dirty="0">
-                <a:latin typeface="Lucida Console" panose="020B0609040504020204" pitchFamily="49" charset="0"/>
-              </a:rPr>
-              <a:t>[1] &lt;- </a:t>
-            </a:r>
-            <a:r>
-              <a:rPr lang="fr-FR" sz="1700" dirty="0" err="1">
-                <a:latin typeface="Lucida Console" panose="020B0609040504020204" pitchFamily="49" charset="0"/>
-              </a:rPr>
-              <a:t>intercept_model$coefficients</a:t>
-            </a:r>
-            <a:r>
-              <a:rPr lang="fr-FR" sz="1700" dirty="0">
-                <a:latin typeface="Lucida Console" panose="020B0609040504020204" pitchFamily="49" charset="0"/>
-              </a:rPr>
-              <a:t>[1]</a:t>
-            </a:r>
-            <a:endParaRPr lang="en-US" sz="1700" dirty="0">
-              <a:latin typeface="Lucida Console" panose="020B0609040504020204" pitchFamily="49" charset="0"/>
-            </a:endParaRPr>
-          </a:p>
-        </p:txBody>
-      </p:sp>
-    </p:spTree>
-    <p:extLst>
-      <p:ext uri="{BB962C8B-B14F-4D97-AF65-F5344CB8AC3E}">
-        <p14:creationId xmlns:p14="http://schemas.microsoft.com/office/powerpoint/2010/main" val="4112451281"/>
-      </p:ext>
-    </p:extLst>
-  </p:cSld>
-  <p:clrMapOvr>
-    <a:masterClrMapping/>
-  </p:clrMapOvr>
-</p:sld>
-</file>
-
-<file path=ppt/slides/slide5.xml><?xml version="1.0" encoding="utf-8"?>
-<p:sld xmlns:a="http://schemas.openxmlformats.org/drawingml/2006/main" xmlns:r="http://schemas.openxmlformats.org/officeDocument/2006/relationships" xmlns:p="http://schemas.openxmlformats.org/presentationml/2006/main">
-  <p:cSld>
-    <p:spTree>
-      <p:nvGrpSpPr>
-        <p:cNvPr id="1" name=""/>
-        <p:cNvGrpSpPr/>
-        <p:nvPr/>
-      </p:nvGrpSpPr>
-      <p:grpSpPr>
-        <a:xfrm>
-          <a:off x="0" y="0"/>
-          <a:ext cx="0" cy="0"/>
-          <a:chOff x="0" y="0"/>
-          <a:chExt cx="0" cy="0"/>
-        </a:xfrm>
-      </p:grpSpPr>
-      <p:sp>
-        <p:nvSpPr>
-          <p:cNvPr id="2" name="Titel 1">
-            <a:extLst>
-              <a:ext uri="{FF2B5EF4-FFF2-40B4-BE49-F238E27FC236}">
-                <a16:creationId xmlns:a16="http://schemas.microsoft.com/office/drawing/2014/main" id="{67DEBF9B-7A0C-45CB-9E56-84330177AAE1}"/>
-              </a:ext>
-            </a:extLst>
-          </p:cNvPr>
-          <p:cNvSpPr>
-            <a:spLocks noGrp="1"/>
-          </p:cNvSpPr>
-          <p:nvPr>
-            <p:ph type="title"/>
-          </p:nvPr>
-        </p:nvSpPr>
-        <p:spPr/>
-        <p:txBody>
-          <a:bodyPr/>
-          <a:lstStyle/>
-          <a:p>
-            <a:r>
-              <a:rPr lang="en-US" dirty="0"/>
-              <a:t>Pseudo-Code: Phase I Linear Models</a:t>
-            </a:r>
-          </a:p>
-        </p:txBody>
-      </p:sp>
-      <p:sp>
-        <p:nvSpPr>
-          <p:cNvPr id="3" name="Inhaltsplatzhalter 2">
-            <a:extLst>
-              <a:ext uri="{FF2B5EF4-FFF2-40B4-BE49-F238E27FC236}">
-                <a16:creationId xmlns:a16="http://schemas.microsoft.com/office/drawing/2014/main" id="{B20FC451-9691-475B-9DC5-F4A60672423B}"/>
-              </a:ext>
-            </a:extLst>
-          </p:cNvPr>
-          <p:cNvSpPr>
-            <a:spLocks noGrp="1"/>
-          </p:cNvSpPr>
-          <p:nvPr>
-            <p:ph idx="1"/>
-          </p:nvPr>
-        </p:nvSpPr>
-        <p:spPr/>
-        <p:txBody>
-          <a:bodyPr>
-            <a:noAutofit/>
-          </a:bodyPr>
-          <a:lstStyle/>
-          <a:p>
-            <a:pPr marL="0" indent="0">
-              <a:buNone/>
-            </a:pPr>
-            <a:r>
-              <a:rPr lang="en-US" sz="1800" dirty="0">
-                <a:latin typeface="Lucida Console" panose="020B0609040504020204" pitchFamily="49" charset="0"/>
-              </a:rPr>
-              <a:t>while((iteration &lt;= </a:t>
-            </a:r>
-            <a:r>
-              <a:rPr lang="en-US" sz="1800" dirty="0" err="1">
-                <a:latin typeface="Lucida Console" panose="020B0609040504020204" pitchFamily="49" charset="0"/>
-              </a:rPr>
-              <a:t>mstop</a:t>
-            </a:r>
-            <a:r>
-              <a:rPr lang="en-US" sz="1800" dirty="0">
-                <a:latin typeface="Lucida Console" panose="020B0609040504020204" pitchFamily="49" charset="0"/>
-              </a:rPr>
-              <a:t>) &amp; ((risk[iteration-1]/[iteration]) &gt;= (1 + epsilon))){</a:t>
-            </a:r>
-          </a:p>
-          <a:p>
-            <a:pPr marL="0" indent="0">
-              <a:buNone/>
-            </a:pPr>
-            <a:endParaRPr lang="en-US" sz="1800" dirty="0">
-              <a:latin typeface="Lucida Console" panose="020B0609040504020204" pitchFamily="49" charset="0"/>
-            </a:endParaRPr>
-          </a:p>
-          <a:p>
-            <a:pPr marL="0" indent="0">
-              <a:buNone/>
-            </a:pPr>
-            <a:r>
-              <a:rPr lang="en-US" sz="1800" dirty="0">
-                <a:latin typeface="Lucida Console" panose="020B0609040504020204" pitchFamily="49" charset="0"/>
-              </a:rPr>
-              <a:t>	</a:t>
-            </a:r>
-            <a:r>
-              <a:rPr lang="en-US" sz="1800" dirty="0" err="1">
-                <a:latin typeface="Lucida Console" panose="020B0609040504020204" pitchFamily="49" charset="0"/>
-              </a:rPr>
-              <a:t>risk_temp</a:t>
-            </a:r>
-            <a:r>
-              <a:rPr lang="en-US" sz="1800" dirty="0">
-                <a:latin typeface="Lucida Console" panose="020B0609040504020204" pitchFamily="49" charset="0"/>
-              </a:rPr>
-              <a:t> &lt;- </a:t>
-            </a:r>
-            <a:r>
-              <a:rPr lang="en-US" sz="1800" dirty="0" err="1">
-                <a:latin typeface="Lucida Console" panose="020B0609040504020204" pitchFamily="49" charset="0"/>
-              </a:rPr>
-              <a:t>riskfct</a:t>
-            </a:r>
-            <a:r>
-              <a:rPr lang="en-US" sz="1800" dirty="0">
-                <a:latin typeface="Lucida Console" panose="020B0609040504020204" pitchFamily="49" charset="0"/>
-              </a:rPr>
-              <a:t>(y = y, f = </a:t>
-            </a:r>
-            <a:r>
-              <a:rPr lang="en-US" sz="1800" dirty="0" err="1">
-                <a:latin typeface="Lucida Console" panose="020B0609040504020204" pitchFamily="49" charset="0"/>
-              </a:rPr>
-              <a:t>fitted_values</a:t>
-            </a:r>
-            <a:r>
-              <a:rPr lang="en-US" sz="1800" dirty="0">
-                <a:latin typeface="Lucida Console" panose="020B0609040504020204" pitchFamily="49" charset="0"/>
-              </a:rPr>
-              <a:t>) </a:t>
-            </a:r>
-          </a:p>
-          <a:p>
-            <a:pPr marL="0" indent="0">
-              <a:buNone/>
-            </a:pPr>
-            <a:r>
-              <a:rPr lang="en-US" sz="1800" dirty="0">
-                <a:latin typeface="Lucida Console" panose="020B0609040504020204" pitchFamily="49" charset="0"/>
-              </a:rPr>
-              <a:t>      u &lt;- </a:t>
-            </a:r>
-            <a:r>
-              <a:rPr lang="en-US" sz="1800" dirty="0" err="1">
-                <a:latin typeface="Lucida Console" panose="020B0609040504020204" pitchFamily="49" charset="0"/>
-              </a:rPr>
-              <a:t>ngradient</a:t>
-            </a:r>
-            <a:r>
-              <a:rPr lang="en-US" sz="1800" dirty="0">
-                <a:latin typeface="Lucida Console" panose="020B0609040504020204" pitchFamily="49" charset="0"/>
-              </a:rPr>
-              <a:t>(y = y, f = </a:t>
-            </a:r>
-            <a:r>
-              <a:rPr lang="en-US" sz="1800" dirty="0" err="1">
-                <a:latin typeface="Lucida Console" panose="020B0609040504020204" pitchFamily="49" charset="0"/>
-              </a:rPr>
-              <a:t>fitted_values</a:t>
-            </a:r>
-            <a:r>
-              <a:rPr lang="en-US" sz="1800" dirty="0">
-                <a:latin typeface="Lucida Console" panose="020B0609040504020204" pitchFamily="49" charset="0"/>
-              </a:rPr>
-              <a:t>)</a:t>
-            </a:r>
-          </a:p>
-          <a:p>
-            <a:pPr marL="0" indent="0">
-              <a:buNone/>
-            </a:pPr>
-            <a:r>
-              <a:rPr lang="en-US" sz="1800" dirty="0">
-                <a:latin typeface="Lucida Console" panose="020B0609040504020204" pitchFamily="49" charset="0"/>
-              </a:rPr>
-              <a:t>      </a:t>
-            </a:r>
-            <a:r>
-              <a:rPr lang="en-US" sz="1800" dirty="0" err="1">
-                <a:latin typeface="Lucida Console" panose="020B0609040504020204" pitchFamily="49" charset="0"/>
-              </a:rPr>
-              <a:t>lm_coeffs_temp</a:t>
-            </a:r>
-            <a:r>
-              <a:rPr lang="en-US" sz="1800" dirty="0">
-                <a:latin typeface="Lucida Console" panose="020B0609040504020204" pitchFamily="49" charset="0"/>
-              </a:rPr>
-              <a:t> = numeric(dim(X)[2])</a:t>
-            </a:r>
-          </a:p>
-          <a:p>
-            <a:pPr marL="0" indent="0">
-              <a:buNone/>
-            </a:pPr>
-            <a:endParaRPr lang="en-US" sz="1800" dirty="0">
-              <a:latin typeface="Lucida Console" panose="020B0609040504020204" pitchFamily="49" charset="0"/>
-            </a:endParaRPr>
-          </a:p>
-          <a:p>
-            <a:pPr marL="0" indent="0">
-              <a:buNone/>
-            </a:pPr>
-            <a:r>
-              <a:rPr lang="en-US" sz="1800" dirty="0">
-                <a:latin typeface="Lucida Console" panose="020B0609040504020204" pitchFamily="49" charset="0"/>
-              </a:rPr>
-              <a:t>      for(feat in 1:dim(X)[2]){</a:t>
-            </a:r>
-          </a:p>
-          <a:p>
-            <a:pPr marL="0" indent="0">
-              <a:buNone/>
-            </a:pPr>
-            <a:r>
-              <a:rPr lang="en-US" sz="1800" dirty="0">
-                <a:latin typeface="Lucida Console" panose="020B0609040504020204" pitchFamily="49" charset="0"/>
-              </a:rPr>
-              <a:t>		</a:t>
-            </a:r>
-            <a:r>
-              <a:rPr lang="en-US" sz="1800" dirty="0" err="1">
-                <a:latin typeface="Lucida Console" panose="020B0609040504020204" pitchFamily="49" charset="0"/>
-              </a:rPr>
-              <a:t>bl_model</a:t>
-            </a:r>
-            <a:r>
-              <a:rPr lang="en-US" sz="1800" dirty="0">
-                <a:latin typeface="Lucida Console" panose="020B0609040504020204" pitchFamily="49" charset="0"/>
-              </a:rPr>
-              <a:t> &lt;- </a:t>
-            </a:r>
-            <a:r>
-              <a:rPr lang="en-US" sz="1800" dirty="0" err="1">
-                <a:latin typeface="Lucida Console" panose="020B0609040504020204" pitchFamily="49" charset="0"/>
-              </a:rPr>
-              <a:t>lm.fit</a:t>
-            </a:r>
-            <a:r>
-              <a:rPr lang="en-US" sz="1800" dirty="0">
-                <a:latin typeface="Lucida Console" panose="020B0609040504020204" pitchFamily="49" charset="0"/>
-              </a:rPr>
-              <a:t>(x=X[,feat], y=u)</a:t>
-            </a:r>
-          </a:p>
-          <a:p>
-            <a:pPr marL="0" indent="0">
-              <a:buNone/>
-            </a:pPr>
-            <a:r>
-              <a:rPr lang="en-US" sz="1800" dirty="0">
-                <a:latin typeface="Lucida Console" panose="020B0609040504020204" pitchFamily="49" charset="0"/>
-              </a:rPr>
-              <a:t> 	   	</a:t>
-            </a:r>
-            <a:r>
-              <a:rPr lang="en-US" sz="1800" dirty="0" err="1">
-                <a:latin typeface="Lucida Console" panose="020B0609040504020204" pitchFamily="49" charset="0"/>
-              </a:rPr>
-              <a:t>lm_fit</a:t>
-            </a:r>
-            <a:r>
-              <a:rPr lang="en-US" sz="1800" dirty="0">
-                <a:latin typeface="Lucida Console" panose="020B0609040504020204" pitchFamily="49" charset="0"/>
-              </a:rPr>
-              <a:t>[feat] &lt;- </a:t>
-            </a:r>
-            <a:r>
-              <a:rPr lang="en-US" sz="1800" dirty="0" err="1">
-                <a:latin typeface="Lucida Console" panose="020B0609040504020204" pitchFamily="49" charset="0"/>
-              </a:rPr>
-              <a:t>riskfct</a:t>
-            </a:r>
-            <a:r>
-              <a:rPr lang="en-US" sz="1800" dirty="0">
-                <a:latin typeface="Lucida Console" panose="020B0609040504020204" pitchFamily="49" charset="0"/>
-              </a:rPr>
-              <a:t>(y=u, f=</a:t>
-            </a:r>
-            <a:r>
-              <a:rPr lang="en-US" sz="1800" dirty="0" err="1">
-                <a:latin typeface="Lucida Console" panose="020B0609040504020204" pitchFamily="49" charset="0"/>
-              </a:rPr>
-              <a:t>bl_model$fitted.values</a:t>
-            </a:r>
-            <a:r>
-              <a:rPr lang="en-US" sz="1800" dirty="0">
-                <a:latin typeface="Lucida Console" panose="020B0609040504020204" pitchFamily="49" charset="0"/>
-              </a:rPr>
-              <a:t>)</a:t>
-            </a:r>
-          </a:p>
-          <a:p>
-            <a:pPr marL="0" indent="0">
-              <a:buNone/>
-            </a:pPr>
-            <a:r>
-              <a:rPr lang="en-US" sz="1800" dirty="0">
-                <a:latin typeface="Lucida Console" panose="020B0609040504020204" pitchFamily="49" charset="0"/>
-              </a:rPr>
-              <a:t>       	</a:t>
-            </a:r>
-            <a:r>
-              <a:rPr lang="en-US" sz="1800" dirty="0" err="1">
-                <a:latin typeface="Lucida Console" panose="020B0609040504020204" pitchFamily="49" charset="0"/>
-              </a:rPr>
-              <a:t>pred_matrix</a:t>
-            </a:r>
-            <a:r>
-              <a:rPr lang="en-US" sz="1800" dirty="0">
-                <a:latin typeface="Lucida Console" panose="020B0609040504020204" pitchFamily="49" charset="0"/>
-              </a:rPr>
-              <a:t>[,feat] &lt;- </a:t>
-            </a:r>
-            <a:r>
-              <a:rPr lang="en-US" sz="1800" dirty="0" err="1">
-                <a:latin typeface="Lucida Console" panose="020B0609040504020204" pitchFamily="49" charset="0"/>
-              </a:rPr>
-              <a:t>bl_model$fitted.values</a:t>
-            </a:r>
-            <a:endParaRPr lang="en-US" sz="1800" dirty="0">
-              <a:latin typeface="Lucida Console" panose="020B0609040504020204" pitchFamily="49" charset="0"/>
-            </a:endParaRPr>
-          </a:p>
-          <a:p>
-            <a:pPr marL="0" indent="0">
-              <a:buNone/>
-            </a:pPr>
-            <a:r>
-              <a:rPr lang="en-US" sz="1800" dirty="0">
-                <a:latin typeface="Lucida Console" panose="020B0609040504020204" pitchFamily="49" charset="0"/>
-              </a:rPr>
-              <a:t>		</a:t>
-            </a:r>
-            <a:r>
-              <a:rPr lang="en-US" sz="1800" dirty="0" err="1">
-                <a:latin typeface="Lucida Console" panose="020B0609040504020204" pitchFamily="49" charset="0"/>
-              </a:rPr>
-              <a:t>lm_coeffs_temp</a:t>
-            </a:r>
-            <a:r>
-              <a:rPr lang="en-US" sz="1800" dirty="0">
-                <a:latin typeface="Lucida Console" panose="020B0609040504020204" pitchFamily="49" charset="0"/>
-              </a:rPr>
-              <a:t>[feat] &lt;- </a:t>
-            </a:r>
-            <a:r>
-              <a:rPr lang="en-US" sz="1800" dirty="0" err="1">
-                <a:latin typeface="Lucida Console" panose="020B0609040504020204" pitchFamily="49" charset="0"/>
-              </a:rPr>
-              <a:t>bl_model$coefficients</a:t>
-            </a:r>
-            <a:endParaRPr lang="en-US" sz="1800" dirty="0">
-              <a:latin typeface="Lucida Console" panose="020B0609040504020204" pitchFamily="49" charset="0"/>
-            </a:endParaRPr>
-          </a:p>
-          <a:p>
-            <a:pPr marL="0" indent="0">
-              <a:buNone/>
-            </a:pPr>
-            <a:r>
-              <a:rPr lang="en-US" sz="1800" dirty="0">
-                <a:latin typeface="Lucida Console" panose="020B0609040504020204" pitchFamily="49" charset="0"/>
-              </a:rPr>
-              <a:t>      }</a:t>
-            </a:r>
-          </a:p>
-          <a:p>
-            <a:pPr marL="0" indent="0">
-              <a:buNone/>
-            </a:pPr>
-            <a:r>
-              <a:rPr lang="en-US" sz="1800" dirty="0">
-                <a:latin typeface="Lucida Console" panose="020B0609040504020204" pitchFamily="49" charset="0"/>
-              </a:rPr>
-              <a:t>      </a:t>
-            </a:r>
-          </a:p>
-          <a:p>
-            <a:pPr marL="0" indent="0">
-              <a:buNone/>
-            </a:pPr>
-            <a:r>
-              <a:rPr lang="en-US" sz="1800" dirty="0">
-                <a:latin typeface="Lucida Console" panose="020B0609040504020204" pitchFamily="49" charset="0"/>
-              </a:rPr>
-              <a:t>      </a:t>
-            </a:r>
-          </a:p>
-        </p:txBody>
-      </p:sp>
-    </p:spTree>
-    <p:extLst>
-      <p:ext uri="{BB962C8B-B14F-4D97-AF65-F5344CB8AC3E}">
-        <p14:creationId xmlns:p14="http://schemas.microsoft.com/office/powerpoint/2010/main" val="649262095"/>
       </p:ext>
     </p:extLst>
   </p:cSld>
@@ -7993,7 +9297,7 @@
           <p:cNvPr id="2" name="Titel 1">
             <a:extLst>
               <a:ext uri="{FF2B5EF4-FFF2-40B4-BE49-F238E27FC236}">
-                <a16:creationId xmlns:a16="http://schemas.microsoft.com/office/drawing/2014/main" id="{67DEBF9B-7A0C-45CB-9E56-84330177AAE1}"/>
+                <a16:creationId xmlns:a16="http://schemas.microsoft.com/office/drawing/2014/main" id="{95B7FDF9-B041-4598-8240-D5F9640215C1}"/>
               </a:ext>
             </a:extLst>
           </p:cNvPr>
@@ -8011,7 +9315,15 @@
           <a:p>
             <a:r>
               <a:rPr lang="en-US" dirty="0"/>
-              <a:t>Pseudo-Code: Phase I Linear Models</a:t>
+              <a:t>Implementation (</a:t>
+            </a:r>
+            <a:r>
+              <a:rPr lang="en-US" dirty="0" err="1"/>
+              <a:t>aktuell</a:t>
+            </a:r>
+            <a:r>
+              <a:rPr lang="en-US" dirty="0"/>
+              <a:t>)</a:t>
             </a:r>
           </a:p>
         </p:txBody>
@@ -8021,7 +9333,7 @@
           <p:cNvPr id="3" name="Inhaltsplatzhalter 2">
             <a:extLst>
               <a:ext uri="{FF2B5EF4-FFF2-40B4-BE49-F238E27FC236}">
-                <a16:creationId xmlns:a16="http://schemas.microsoft.com/office/drawing/2014/main" id="{B20FC451-9691-475B-9DC5-F4A60672423B}"/>
+                <a16:creationId xmlns:a16="http://schemas.microsoft.com/office/drawing/2014/main" id="{C496FBA4-E8E4-4674-8C77-FEF04193E688}"/>
               </a:ext>
             </a:extLst>
           </p:cNvPr>
@@ -8034,296 +9346,196 @@
         </p:nvSpPr>
         <p:spPr/>
         <p:txBody>
-          <a:bodyPr>
-            <a:noAutofit/>
-          </a:bodyPr>
+          <a:bodyPr/>
           <a:lstStyle/>
           <a:p>
-            <a:pPr marL="0" indent="0">
-              <a:buNone/>
-            </a:pPr>
-            <a:r>
-              <a:rPr lang="en-US" sz="1800" dirty="0">
-                <a:latin typeface="Lucida Console" panose="020B0609040504020204" pitchFamily="49" charset="0"/>
-              </a:rPr>
-              <a:t>		</a:t>
-            </a:r>
-            <a:r>
-              <a:rPr lang="en-US" sz="1800" dirty="0" err="1">
-                <a:latin typeface="Lucida Console" panose="020B0609040504020204" pitchFamily="49" charset="0"/>
-              </a:rPr>
-              <a:t>model_select</a:t>
-            </a:r>
-            <a:r>
-              <a:rPr lang="en-US" sz="1800" dirty="0">
-                <a:latin typeface="Lucida Console" panose="020B0609040504020204" pitchFamily="49" charset="0"/>
-              </a:rPr>
-              <a:t> &lt;- </a:t>
-            </a:r>
-            <a:r>
-              <a:rPr lang="en-US" sz="1800" dirty="0" err="1">
-                <a:latin typeface="Lucida Console" panose="020B0609040504020204" pitchFamily="49" charset="0"/>
-              </a:rPr>
-              <a:t>which.min</a:t>
-            </a:r>
-            <a:r>
-              <a:rPr lang="en-US" sz="1800" dirty="0">
-                <a:latin typeface="Lucida Console" panose="020B0609040504020204" pitchFamily="49" charset="0"/>
-              </a:rPr>
-              <a:t>(</a:t>
-            </a:r>
-            <a:r>
-              <a:rPr lang="en-US" sz="1800" dirty="0" err="1">
-                <a:latin typeface="Lucida Console" panose="020B0609040504020204" pitchFamily="49" charset="0"/>
-              </a:rPr>
-              <a:t>lm_fit</a:t>
-            </a:r>
-            <a:r>
-              <a:rPr lang="en-US" sz="1800" dirty="0">
-                <a:latin typeface="Lucida Console" panose="020B0609040504020204" pitchFamily="49" charset="0"/>
-              </a:rPr>
-              <a:t>)</a:t>
-            </a:r>
-          </a:p>
-          <a:p>
-            <a:pPr marL="0" indent="0">
-              <a:buNone/>
-            </a:pPr>
-            <a:endParaRPr lang="en-US" sz="1800" dirty="0">
-              <a:latin typeface="Lucida Console" panose="020B0609040504020204" pitchFamily="49" charset="0"/>
-            </a:endParaRPr>
-          </a:p>
-          <a:p>
-            <a:pPr marL="0" indent="0">
-              <a:buNone/>
-            </a:pPr>
-            <a:r>
-              <a:rPr lang="en-US" sz="1800" dirty="0">
-                <a:latin typeface="Lucida Console" panose="020B0609040504020204" pitchFamily="49" charset="0"/>
-              </a:rPr>
-              <a:t>		</a:t>
-            </a:r>
-            <a:r>
-              <a:rPr lang="en-US" sz="1800" dirty="0" err="1">
-                <a:latin typeface="Lucida Console" panose="020B0609040504020204" pitchFamily="49" charset="0"/>
-              </a:rPr>
-              <a:t>lm_coeffs</a:t>
-            </a:r>
-            <a:r>
-              <a:rPr lang="en-US" sz="1800" dirty="0">
-                <a:latin typeface="Lucida Console" panose="020B0609040504020204" pitchFamily="49" charset="0"/>
-              </a:rPr>
-              <a:t>[</a:t>
-            </a:r>
-            <a:r>
-              <a:rPr lang="en-US" sz="1800" dirty="0" err="1">
-                <a:latin typeface="Lucida Console" panose="020B0609040504020204" pitchFamily="49" charset="0"/>
-              </a:rPr>
-              <a:t>model_select</a:t>
-            </a:r>
-            <a:r>
-              <a:rPr lang="en-US" sz="1800" dirty="0">
-                <a:latin typeface="Lucida Console" panose="020B0609040504020204" pitchFamily="49" charset="0"/>
-              </a:rPr>
-              <a:t>] &lt;- </a:t>
-            </a:r>
-            <a:r>
-              <a:rPr lang="en-US" sz="1800" dirty="0" err="1">
-                <a:latin typeface="Lucida Console" panose="020B0609040504020204" pitchFamily="49" charset="0"/>
-              </a:rPr>
-              <a:t>lm_coeffs</a:t>
-            </a:r>
-            <a:r>
-              <a:rPr lang="en-US" sz="1800" dirty="0">
-                <a:latin typeface="Lucida Console" panose="020B0609040504020204" pitchFamily="49" charset="0"/>
-              </a:rPr>
-              <a:t>[</a:t>
-            </a:r>
-            <a:r>
-              <a:rPr lang="en-US" sz="1800" dirty="0" err="1">
-                <a:latin typeface="Lucida Console" panose="020B0609040504020204" pitchFamily="49" charset="0"/>
-              </a:rPr>
-              <a:t>model_select</a:t>
-            </a:r>
-            <a:r>
-              <a:rPr lang="en-US" sz="1800" dirty="0">
-                <a:latin typeface="Lucida Console" panose="020B0609040504020204" pitchFamily="49" charset="0"/>
-              </a:rPr>
-              <a:t>] + nu * 							</a:t>
-            </a:r>
-            <a:r>
-              <a:rPr lang="en-US" sz="1800" dirty="0" err="1">
-                <a:latin typeface="Lucida Console" panose="020B0609040504020204" pitchFamily="49" charset="0"/>
-              </a:rPr>
-              <a:t>lm_coeffs_temp</a:t>
-            </a:r>
-            <a:r>
-              <a:rPr lang="en-US" sz="1800" dirty="0">
-                <a:latin typeface="Lucida Console" panose="020B0609040504020204" pitchFamily="49" charset="0"/>
-              </a:rPr>
-              <a:t>[</a:t>
-            </a:r>
-            <a:r>
-              <a:rPr lang="en-US" sz="1800" dirty="0" err="1">
-                <a:latin typeface="Lucida Console" panose="020B0609040504020204" pitchFamily="49" charset="0"/>
-              </a:rPr>
-              <a:t>model_select</a:t>
-            </a:r>
-            <a:r>
-              <a:rPr lang="en-US" sz="1800" dirty="0">
-                <a:latin typeface="Lucida Console" panose="020B0609040504020204" pitchFamily="49" charset="0"/>
-              </a:rPr>
-              <a:t>]</a:t>
-            </a:r>
-          </a:p>
-          <a:p>
-            <a:pPr marL="0" indent="0">
-              <a:buNone/>
-            </a:pPr>
-            <a:endParaRPr lang="en-US" sz="1800" dirty="0">
-              <a:latin typeface="Lucida Console" panose="020B0609040504020204" pitchFamily="49" charset="0"/>
-            </a:endParaRPr>
-          </a:p>
-          <a:p>
-            <a:pPr marL="0" indent="0">
-              <a:buNone/>
-            </a:pPr>
-            <a:r>
-              <a:rPr lang="en-US" sz="1800" dirty="0">
-                <a:latin typeface="Lucida Console" panose="020B0609040504020204" pitchFamily="49" charset="0"/>
-              </a:rPr>
-              <a:t>		</a:t>
-            </a:r>
-            <a:r>
-              <a:rPr lang="en-US" sz="1800" dirty="0" err="1">
-                <a:latin typeface="Lucida Console" panose="020B0609040504020204" pitchFamily="49" charset="0"/>
-              </a:rPr>
-              <a:t>fitted_values</a:t>
-            </a:r>
-            <a:r>
-              <a:rPr lang="en-US" sz="1800" dirty="0">
-                <a:latin typeface="Lucida Console" panose="020B0609040504020204" pitchFamily="49" charset="0"/>
-              </a:rPr>
-              <a:t> &lt;- </a:t>
-            </a:r>
-            <a:r>
-              <a:rPr lang="en-US" sz="1800" dirty="0" err="1">
-                <a:latin typeface="Lucida Console" panose="020B0609040504020204" pitchFamily="49" charset="0"/>
-              </a:rPr>
-              <a:t>X_scaled_lin</a:t>
-            </a:r>
-            <a:r>
-              <a:rPr lang="en-US" sz="1800" dirty="0">
-                <a:latin typeface="Lucida Console" panose="020B0609040504020204" pitchFamily="49" charset="0"/>
-              </a:rPr>
-              <a:t> %*% </a:t>
-            </a:r>
-            <a:r>
-              <a:rPr lang="en-US" sz="1800" dirty="0" err="1">
-                <a:latin typeface="Lucida Console" panose="020B0609040504020204" pitchFamily="49" charset="0"/>
-              </a:rPr>
-              <a:t>lm_coeffs</a:t>
-            </a:r>
-            <a:endParaRPr lang="en-US" sz="1800" dirty="0">
-              <a:latin typeface="Lucida Console" panose="020B0609040504020204" pitchFamily="49" charset="0"/>
-            </a:endParaRPr>
-          </a:p>
-          <a:p>
-            <a:pPr marL="0" indent="0">
-              <a:buNone/>
-            </a:pPr>
-            <a:r>
-              <a:rPr lang="en-US" sz="1800" dirty="0">
-                <a:latin typeface="Lucida Console" panose="020B0609040504020204" pitchFamily="49" charset="0"/>
-              </a:rPr>
-              <a:t>		</a:t>
-            </a:r>
-          </a:p>
-          <a:p>
-            <a:pPr marL="0" indent="0">
-              <a:buNone/>
-            </a:pPr>
-            <a:r>
-              <a:rPr lang="en-US" sz="1800" dirty="0">
-                <a:latin typeface="Lucida Console" panose="020B0609040504020204" pitchFamily="49" charset="0"/>
-              </a:rPr>
-              <a:t>		risk[iteration+1] &lt;- </a:t>
-            </a:r>
-            <a:r>
-              <a:rPr lang="en-US" sz="1800" dirty="0" err="1">
-                <a:latin typeface="Lucida Console" panose="020B0609040504020204" pitchFamily="49" charset="0"/>
-              </a:rPr>
-              <a:t>riskfct</a:t>
-            </a:r>
-            <a:r>
-              <a:rPr lang="en-US" sz="1800" dirty="0">
-                <a:latin typeface="Lucida Console" panose="020B0609040504020204" pitchFamily="49" charset="0"/>
-              </a:rPr>
-              <a:t>(y = y, f = </a:t>
-            </a:r>
-            <a:r>
-              <a:rPr lang="en-US" sz="1800" dirty="0" err="1">
-                <a:latin typeface="Lucida Console" panose="020B0609040504020204" pitchFamily="49" charset="0"/>
-              </a:rPr>
-              <a:t>fitted_values</a:t>
-            </a:r>
-            <a:r>
-              <a:rPr lang="en-US" sz="1800" dirty="0">
-                <a:latin typeface="Lucida Console" panose="020B0609040504020204" pitchFamily="49" charset="0"/>
-              </a:rPr>
-              <a:t>)</a:t>
-            </a:r>
-          </a:p>
-          <a:p>
-            <a:pPr marL="0" indent="0">
-              <a:buNone/>
-            </a:pPr>
-            <a:r>
-              <a:rPr lang="en-US" sz="1800" dirty="0">
-                <a:latin typeface="Lucida Console" panose="020B0609040504020204" pitchFamily="49" charset="0"/>
-              </a:rPr>
-              <a:t>      </a:t>
-            </a:r>
-          </a:p>
-          <a:p>
-            <a:pPr marL="0" indent="0">
-              <a:buNone/>
-            </a:pPr>
-            <a:r>
-              <a:rPr lang="en-US" sz="1800" dirty="0">
-                <a:latin typeface="Lucida Console" panose="020B0609040504020204" pitchFamily="49" charset="0"/>
-              </a:rPr>
-              <a:t>    }</a:t>
-            </a:r>
-          </a:p>
-          <a:p>
-            <a:pPr marL="0" indent="0">
-              <a:buNone/>
-            </a:pPr>
-            <a:r>
-              <a:rPr lang="en-US" sz="1800" dirty="0">
-                <a:latin typeface="Lucida Console" panose="020B0609040504020204" pitchFamily="49" charset="0"/>
-              </a:rPr>
-              <a:t>      </a:t>
-            </a:r>
-          </a:p>
-          <a:p>
-            <a:pPr marL="0" indent="0">
-              <a:buNone/>
-            </a:pPr>
-            <a:r>
-              <a:rPr lang="en-US" sz="1800" dirty="0">
-                <a:latin typeface="Lucida Console" panose="020B0609040504020204" pitchFamily="49" charset="0"/>
-              </a:rPr>
-              <a:t>      </a:t>
-            </a:r>
+            <a:r>
+              <a:rPr lang="en-US" dirty="0"/>
+              <a:t>Boosting der </a:t>
+            </a:r>
+            <a:r>
+              <a:rPr lang="en-US" dirty="0" err="1"/>
+              <a:t>linearen</a:t>
+            </a:r>
+            <a:r>
+              <a:rPr lang="en-US" dirty="0"/>
+              <a:t> </a:t>
+            </a:r>
+            <a:r>
+              <a:rPr lang="en-US" dirty="0" err="1"/>
+              <a:t>Komponenten</a:t>
+            </a:r>
+            <a:r>
+              <a:rPr lang="en-US" dirty="0"/>
+              <a:t> in Phase I </a:t>
+            </a:r>
+            <a:r>
+              <a:rPr lang="en-US" dirty="0" err="1"/>
+              <a:t>eigenständig</a:t>
+            </a:r>
+            <a:r>
+              <a:rPr lang="en-US" dirty="0"/>
+              <a:t> </a:t>
+            </a:r>
+            <a:r>
+              <a:rPr lang="en-US" dirty="0" err="1"/>
+              <a:t>implementiert</a:t>
+            </a:r>
+            <a:endParaRPr lang="en-US" dirty="0"/>
+          </a:p>
+          <a:p>
+            <a:pPr marL="0" indent="0">
+              <a:buNone/>
+            </a:pPr>
+            <a:endParaRPr lang="en-US" dirty="0"/>
+          </a:p>
+          <a:p>
+            <a:r>
+              <a:rPr lang="en-US" dirty="0"/>
+              <a:t>Phase II (Splines) und III (Trees) </a:t>
+            </a:r>
+            <a:r>
+              <a:rPr lang="en-US" dirty="0" err="1"/>
+              <a:t>als</a:t>
+            </a:r>
+            <a:r>
+              <a:rPr lang="en-US" dirty="0"/>
+              <a:t> Wrapper </a:t>
+            </a:r>
+            <a:r>
+              <a:rPr lang="en-US" dirty="0" err="1"/>
+              <a:t>über</a:t>
+            </a:r>
+            <a:r>
+              <a:rPr lang="en-US" dirty="0"/>
+              <a:t> </a:t>
+            </a:r>
+            <a:r>
+              <a:rPr lang="en-US" dirty="0" err="1"/>
+              <a:t>mboost</a:t>
+            </a:r>
+            <a:r>
+              <a:rPr lang="en-US" dirty="0"/>
+              <a:t>, die in </a:t>
+            </a:r>
+            <a:r>
+              <a:rPr lang="en-US" dirty="0" err="1"/>
+              <a:t>jeder</a:t>
+            </a:r>
+            <a:r>
+              <a:rPr lang="en-US" dirty="0"/>
+              <a:t> Iteration </a:t>
+            </a:r>
+            <a:r>
+              <a:rPr lang="en-US" dirty="0" err="1"/>
+              <a:t>ein</a:t>
+            </a:r>
+            <a:r>
+              <a:rPr lang="en-US" dirty="0"/>
+              <a:t> </a:t>
+            </a:r>
+            <a:r>
+              <a:rPr lang="en-US" dirty="0" err="1"/>
+              <a:t>mboost</a:t>
+            </a:r>
+            <a:r>
+              <a:rPr lang="en-US" dirty="0"/>
+              <a:t>-Modell (</a:t>
+            </a:r>
+            <a:r>
+              <a:rPr lang="en-US" dirty="0" err="1"/>
+              <a:t>mit</a:t>
+            </a:r>
+            <a:r>
+              <a:rPr lang="en-US" dirty="0"/>
+              <a:t> </a:t>
+            </a:r>
+            <a:r>
+              <a:rPr lang="en-US" dirty="0" err="1"/>
+              <a:t>mstop</a:t>
+            </a:r>
+            <a:r>
+              <a:rPr lang="en-US" dirty="0"/>
+              <a:t>=1) </a:t>
+            </a:r>
+            <a:r>
+              <a:rPr lang="en-US" dirty="0" err="1"/>
+              <a:t>fitten</a:t>
+            </a:r>
+            <a:endParaRPr lang="en-US" dirty="0"/>
+          </a:p>
+          <a:p>
+            <a:endParaRPr lang="en-US" dirty="0"/>
+          </a:p>
+          <a:p>
+            <a:r>
+              <a:rPr lang="en-US" dirty="0" err="1"/>
+              <a:t>Abspeichern</a:t>
+            </a:r>
+            <a:r>
+              <a:rPr lang="en-US" dirty="0"/>
+              <a:t> der </a:t>
+            </a:r>
+            <a:r>
+              <a:rPr lang="en-US" dirty="0" err="1"/>
+              <a:t>Modelle</a:t>
+            </a:r>
+            <a:r>
+              <a:rPr lang="en-US" dirty="0"/>
+              <a:t> </a:t>
+            </a:r>
+            <a:r>
+              <a:rPr lang="en-US" dirty="0" err="1"/>
+              <a:t>bzw</a:t>
+            </a:r>
+            <a:r>
+              <a:rPr lang="en-US" dirty="0"/>
+              <a:t>. Parameter </a:t>
+            </a:r>
+            <a:r>
+              <a:rPr lang="en-US" dirty="0" err="1"/>
+              <a:t>jeder</a:t>
+            </a:r>
+            <a:r>
+              <a:rPr lang="en-US" dirty="0"/>
+              <a:t> Iteration </a:t>
+            </a:r>
+            <a:r>
+              <a:rPr lang="en-US" dirty="0" err="1"/>
+              <a:t>zur</a:t>
+            </a:r>
+            <a:r>
+              <a:rPr lang="en-US" dirty="0"/>
+              <a:t> </a:t>
+            </a:r>
+            <a:r>
+              <a:rPr lang="en-US" dirty="0" err="1"/>
+              <a:t>späteren</a:t>
+            </a:r>
+            <a:r>
+              <a:rPr lang="en-US" dirty="0"/>
+              <a:t> </a:t>
+            </a:r>
+            <a:r>
+              <a:rPr lang="en-US" dirty="0" err="1"/>
+              <a:t>Nutzung</a:t>
+            </a:r>
+            <a:r>
+              <a:rPr lang="en-US" dirty="0"/>
+              <a:t> in der predict-</a:t>
+            </a:r>
+            <a:r>
+              <a:rPr lang="en-US" dirty="0" err="1"/>
+              <a:t>Funktion</a:t>
+            </a:r>
+            <a:endParaRPr lang="en-US" dirty="0"/>
           </a:p>
         </p:txBody>
       </p:sp>
     </p:spTree>
     <p:extLst>
       <p:ext uri="{BB962C8B-B14F-4D97-AF65-F5344CB8AC3E}">
-        <p14:creationId xmlns:p14="http://schemas.microsoft.com/office/powerpoint/2010/main" val="1007845140"/>
+        <p14:creationId xmlns:p14="http://schemas.microsoft.com/office/powerpoint/2010/main" val="2191410775"/>
       </p:ext>
     </p:extLst>
   </p:cSld>
@@ -8373,8 +9585,13 @@
           <a:p>
             <a:r>
               <a:rPr lang="en-US" dirty="0"/>
-              <a:t>Pseudo-Code: Phase II Splines</a:t>
-            </a:r>
+              <a:t>Pseudo-Code: </a:t>
+            </a:r>
+            <a:r>
+              <a:rPr lang="en-US" dirty="0" err="1"/>
+              <a:t>Initialisierung</a:t>
+            </a:r>
+            <a:endParaRPr lang="en-US" dirty="0"/>
           </a:p>
         </p:txBody>
       </p:sp>
@@ -8397,7 +9614,7 @@
         <p:spPr/>
         <p:txBody>
           <a:bodyPr>
-            <a:noAutofit/>
+            <a:normAutofit/>
           </a:bodyPr>
           <a:lstStyle/>
           <a:p>
@@ -8405,333 +9622,270 @@
               <a:buNone/>
             </a:pPr>
             <a:r>
-              <a:rPr lang="en-US" sz="1800" dirty="0" err="1">
-                <a:latin typeface="Lucida Console" panose="020B0609040504020204" pitchFamily="49" charset="0"/>
-              </a:rPr>
-              <a:t>data_temp</a:t>
-            </a:r>
-            <a:r>
-              <a:rPr lang="en-US" sz="1800" dirty="0">
-                <a:latin typeface="Lucida Console" panose="020B0609040504020204" pitchFamily="49" charset="0"/>
-              </a:rPr>
-              <a:t>[,target] &lt;- </a:t>
-            </a:r>
-            <a:r>
-              <a:rPr lang="en-US" sz="1800" dirty="0" err="1">
-                <a:latin typeface="Lucida Console" panose="020B0609040504020204" pitchFamily="49" charset="0"/>
-              </a:rPr>
-              <a:t>ngradient</a:t>
-            </a:r>
-            <a:r>
-              <a:rPr lang="en-US" sz="1800" dirty="0">
-                <a:latin typeface="Lucida Console" panose="020B0609040504020204" pitchFamily="49" charset="0"/>
-              </a:rPr>
-              <a:t>(y = y, f = </a:t>
-            </a:r>
-            <a:r>
-              <a:rPr lang="en-US" sz="1800" dirty="0" err="1">
-                <a:latin typeface="Lucida Console" panose="020B0609040504020204" pitchFamily="49" charset="0"/>
-              </a:rPr>
-              <a:t>fitted_values</a:t>
-            </a:r>
-            <a:r>
-              <a:rPr lang="en-US" sz="1800" dirty="0">
-                <a:latin typeface="Lucida Console" panose="020B0609040504020204" pitchFamily="49" charset="0"/>
-              </a:rPr>
-              <a:t>)</a:t>
-            </a:r>
-          </a:p>
-          <a:p>
-            <a:pPr marL="0" indent="0">
-              <a:buNone/>
-            </a:pPr>
-            <a:endParaRPr lang="en-US" sz="1800" dirty="0">
+              <a:rPr lang="en-US" sz="1700" dirty="0" err="1">
+                <a:latin typeface="Lucida Console" panose="020B0609040504020204" pitchFamily="49" charset="0"/>
+              </a:rPr>
+              <a:t>interpretable_comp_boost_m</a:t>
+            </a:r>
+            <a:r>
+              <a:rPr lang="en-US" sz="1700" dirty="0">
+                <a:latin typeface="Lucida Console" panose="020B0609040504020204" pitchFamily="49" charset="0"/>
+              </a:rPr>
+              <a:t> &lt;- function(data, formula, nu=0.05, </a:t>
+            </a:r>
+            <a:r>
+              <a:rPr lang="en-US" sz="1700" dirty="0" err="1">
+                <a:latin typeface="Lucida Console" panose="020B0609040504020204" pitchFamily="49" charset="0"/>
+              </a:rPr>
+              <a:t>mstop</a:t>
+            </a:r>
+            <a:r>
+              <a:rPr lang="en-US" sz="1700" dirty="0">
+                <a:latin typeface="Lucida Console" panose="020B0609040504020204" pitchFamily="49" charset="0"/>
+              </a:rPr>
+              <a:t>=200, 					family=Gaussian(), epsilon = 0.0025){</a:t>
+            </a:r>
+          </a:p>
+          <a:p>
+            <a:pPr marL="0" indent="0">
+              <a:buNone/>
+            </a:pPr>
+            <a:endParaRPr lang="en-US" sz="1700" dirty="0">
               <a:latin typeface="Lucida Console" panose="020B0609040504020204" pitchFamily="49" charset="0"/>
             </a:endParaRPr>
           </a:p>
           <a:p>
-            <a:pPr marL="0" indent="0">
-              <a:buNone/>
-            </a:pPr>
-            <a:endParaRPr lang="en-US" sz="1800" dirty="0">
+            <a:pPr marL="457200" lvl="1" indent="0">
+              <a:buNone/>
+            </a:pPr>
+            <a:r>
+              <a:rPr lang="en-US" sz="1700" dirty="0">
+                <a:latin typeface="Lucida Console" panose="020B0609040504020204" pitchFamily="49" charset="0"/>
+              </a:rPr>
+              <a:t>…</a:t>
+            </a:r>
+          </a:p>
+          <a:p>
+            <a:pPr marL="457200" lvl="1" indent="0">
+              <a:buNone/>
+            </a:pPr>
+            <a:r>
+              <a:rPr lang="en-US" sz="1700" dirty="0" err="1">
+                <a:latin typeface="Lucida Console" panose="020B0609040504020204" pitchFamily="49" charset="0"/>
+              </a:rPr>
+              <a:t>ngradient</a:t>
+            </a:r>
+            <a:r>
+              <a:rPr lang="en-US" sz="1700" dirty="0">
+                <a:latin typeface="Lucida Console" panose="020B0609040504020204" pitchFamily="49" charset="0"/>
+              </a:rPr>
+              <a:t> &lt;- </a:t>
+            </a:r>
+            <a:r>
+              <a:rPr lang="en-US" sz="1700" dirty="0" err="1">
+                <a:latin typeface="Lucida Console" panose="020B0609040504020204" pitchFamily="49" charset="0"/>
+              </a:rPr>
+              <a:t>family@ngradient</a:t>
+            </a:r>
+            <a:endParaRPr lang="en-US" sz="1700" dirty="0">
               <a:latin typeface="Lucida Console" panose="020B0609040504020204" pitchFamily="49" charset="0"/>
             </a:endParaRPr>
           </a:p>
           <a:p>
-            <a:pPr marL="0" indent="0">
-              <a:buNone/>
-            </a:pPr>
-            <a:r>
-              <a:rPr lang="en-US" sz="1800" dirty="0">
-                <a:latin typeface="Lucida Console" panose="020B0609040504020204" pitchFamily="49" charset="0"/>
-              </a:rPr>
-              <a:t>while((iteration &lt;= </a:t>
-            </a:r>
-            <a:r>
-              <a:rPr lang="en-US" sz="1800" dirty="0" err="1">
-                <a:latin typeface="Lucida Console" panose="020B0609040504020204" pitchFamily="49" charset="0"/>
-              </a:rPr>
-              <a:t>mstop</a:t>
-            </a:r>
-            <a:r>
-              <a:rPr lang="en-US" sz="1800" dirty="0">
-                <a:latin typeface="Lucida Console" panose="020B0609040504020204" pitchFamily="49" charset="0"/>
-              </a:rPr>
-              <a:t>) &amp; ((</a:t>
-            </a:r>
-            <a:r>
-              <a:rPr lang="en-US" sz="1800" dirty="0" err="1">
-                <a:latin typeface="Lucida Console" panose="020B0609040504020204" pitchFamily="49" charset="0"/>
-              </a:rPr>
-              <a:t>risk_temp</a:t>
-            </a:r>
-            <a:r>
-              <a:rPr lang="en-US" sz="1800" dirty="0">
-                <a:latin typeface="Lucida Console" panose="020B0609040504020204" pitchFamily="49" charset="0"/>
-              </a:rPr>
-              <a:t> / </a:t>
-            </a:r>
-            <a:r>
-              <a:rPr lang="en-US" sz="1800" dirty="0" err="1">
-                <a:latin typeface="Lucida Console" panose="020B0609040504020204" pitchFamily="49" charset="0"/>
-              </a:rPr>
-              <a:t>risk_iter</a:t>
-            </a:r>
-            <a:r>
-              <a:rPr lang="en-US" sz="1800" dirty="0">
-                <a:latin typeface="Lucida Console" panose="020B0609040504020204" pitchFamily="49" charset="0"/>
-              </a:rPr>
-              <a:t>[iteration+1]) &gt;= (1 + epsilon))){</a:t>
-            </a:r>
-          </a:p>
-          <a:p>
-            <a:pPr marL="0" indent="0">
-              <a:buNone/>
-            </a:pPr>
-            <a:r>
-              <a:rPr lang="en-US" sz="1800" dirty="0">
-                <a:latin typeface="Lucida Console" panose="020B0609040504020204" pitchFamily="49" charset="0"/>
-              </a:rPr>
-              <a:t>	</a:t>
-            </a:r>
-            <a:r>
-              <a:rPr lang="en-US" sz="1800" dirty="0" err="1">
-                <a:latin typeface="Lucida Console" panose="020B0609040504020204" pitchFamily="49" charset="0"/>
-              </a:rPr>
-              <a:t>risk_temp</a:t>
-            </a:r>
-            <a:r>
-              <a:rPr lang="en-US" sz="1800" dirty="0">
+            <a:pPr marL="457200" lvl="1" indent="0">
+              <a:buNone/>
+            </a:pPr>
+            <a:r>
+              <a:rPr lang="en-US" sz="1700" dirty="0" err="1">
+                <a:latin typeface="Lucida Console" panose="020B0609040504020204" pitchFamily="49" charset="0"/>
+              </a:rPr>
+              <a:t>riskfct</a:t>
+            </a:r>
+            <a:r>
+              <a:rPr lang="en-US" sz="1700" dirty="0">
                 <a:latin typeface="Lucida Console" panose="020B0609040504020204" pitchFamily="49" charset="0"/>
               </a:rPr>
               <a:t> &lt;- </a:t>
             </a:r>
             <a:r>
-              <a:rPr lang="en-US" sz="1800" dirty="0" err="1">
+              <a:rPr lang="en-US" sz="1700" dirty="0" err="1">
+                <a:latin typeface="Lucida Console" panose="020B0609040504020204" pitchFamily="49" charset="0"/>
+              </a:rPr>
+              <a:t>family@risk</a:t>
+            </a:r>
+            <a:endParaRPr lang="en-US" sz="1700" dirty="0">
+              <a:latin typeface="Lucida Console" panose="020B0609040504020204" pitchFamily="49" charset="0"/>
+            </a:endParaRPr>
+          </a:p>
+          <a:p>
+            <a:pPr marL="457200" lvl="1" indent="0">
+              <a:buNone/>
+            </a:pPr>
+            <a:r>
+              <a:rPr lang="en-US" sz="1700" dirty="0">
+                <a:latin typeface="Lucida Console" panose="020B0609040504020204" pitchFamily="49" charset="0"/>
+              </a:rPr>
+              <a:t>…</a:t>
+            </a:r>
+          </a:p>
+          <a:p>
+            <a:pPr marL="457200" lvl="1" indent="0">
+              <a:buNone/>
+            </a:pPr>
+            <a:r>
+              <a:rPr lang="en-US" sz="1700" b="1" dirty="0">
+                <a:latin typeface="Lucida Console" panose="020B0609040504020204" pitchFamily="49" charset="0"/>
+              </a:rPr>
+              <a:t>Fit intercept model as initial fit and calculate risk</a:t>
+            </a:r>
+          </a:p>
+          <a:p>
+            <a:pPr marL="457200" lvl="1" indent="0">
+              <a:buNone/>
+            </a:pPr>
+            <a:r>
+              <a:rPr lang="en-US" sz="1700" dirty="0" err="1">
+                <a:latin typeface="Lucida Console" panose="020B0609040504020204" pitchFamily="49" charset="0"/>
+              </a:rPr>
+              <a:t>intercept_model</a:t>
+            </a:r>
+            <a:r>
+              <a:rPr lang="en-US" sz="1700" dirty="0">
+                <a:latin typeface="Lucida Console" panose="020B0609040504020204" pitchFamily="49" charset="0"/>
+              </a:rPr>
+              <a:t> &lt;- </a:t>
+            </a:r>
+            <a:r>
+              <a:rPr lang="en-US" sz="1700" dirty="0" err="1">
+                <a:latin typeface="Lucida Console" panose="020B0609040504020204" pitchFamily="49" charset="0"/>
+              </a:rPr>
+              <a:t>lm.fit</a:t>
+            </a:r>
+            <a:r>
+              <a:rPr lang="en-US" sz="1700" dirty="0">
+                <a:latin typeface="Lucida Console" panose="020B0609040504020204" pitchFamily="49" charset="0"/>
+              </a:rPr>
+              <a:t>(x=X[,1]), y=y)</a:t>
+            </a:r>
+          </a:p>
+          <a:p>
+            <a:pPr marL="457200" lvl="1" indent="0">
+              <a:buNone/>
+            </a:pPr>
+            <a:r>
+              <a:rPr lang="en-US" sz="1700" dirty="0">
+                <a:latin typeface="Lucida Console" panose="020B0609040504020204" pitchFamily="49" charset="0"/>
+              </a:rPr>
+              <a:t>fit_0 &lt;- </a:t>
+            </a:r>
+            <a:r>
+              <a:rPr lang="en-US" sz="1700" dirty="0" err="1">
+                <a:latin typeface="Lucida Console" panose="020B0609040504020204" pitchFamily="49" charset="0"/>
+              </a:rPr>
+              <a:t>intercept_model$fitted.values</a:t>
+            </a:r>
+            <a:endParaRPr lang="en-US" sz="1700" dirty="0">
+              <a:latin typeface="Lucida Console" panose="020B0609040504020204" pitchFamily="49" charset="0"/>
+            </a:endParaRPr>
+          </a:p>
+          <a:p>
+            <a:pPr marL="457200" lvl="1" indent="0">
+              <a:buNone/>
+            </a:pPr>
+            <a:r>
+              <a:rPr lang="en-US" sz="1700" dirty="0">
+                <a:latin typeface="Lucida Console" panose="020B0609040504020204" pitchFamily="49" charset="0"/>
+              </a:rPr>
+              <a:t>risk_0 &lt;- </a:t>
+            </a:r>
+            <a:r>
+              <a:rPr lang="en-US" sz="1700" dirty="0" err="1">
                 <a:latin typeface="Lucida Console" panose="020B0609040504020204" pitchFamily="49" charset="0"/>
               </a:rPr>
               <a:t>riskfct</a:t>
             </a:r>
             <a:r>
-              <a:rPr lang="en-US" sz="1800" dirty="0">
+              <a:rPr lang="en-US" sz="1700" dirty="0">
                 <a:latin typeface="Lucida Console" panose="020B0609040504020204" pitchFamily="49" charset="0"/>
               </a:rPr>
               <a:t>(y = y, f = </a:t>
             </a:r>
             <a:r>
-              <a:rPr lang="en-US" sz="1800" dirty="0" err="1">
+              <a:rPr lang="en-US" sz="1700" dirty="0" err="1">
                 <a:latin typeface="Lucida Console" panose="020B0609040504020204" pitchFamily="49" charset="0"/>
               </a:rPr>
               <a:t>fitted_values</a:t>
             </a:r>
             <a:r>
-              <a:rPr lang="en-US" sz="1800" dirty="0">
+              <a:rPr lang="en-US" sz="1700" dirty="0">
                 <a:latin typeface="Lucida Console" panose="020B0609040504020204" pitchFamily="49" charset="0"/>
               </a:rPr>
               <a:t>)</a:t>
             </a:r>
           </a:p>
           <a:p>
-            <a:pPr marL="0" indent="0">
-              <a:buNone/>
-            </a:pPr>
-            <a:r>
-              <a:rPr lang="en-US" sz="1800" dirty="0">
-                <a:latin typeface="Lucida Console" panose="020B0609040504020204" pitchFamily="49" charset="0"/>
-              </a:rPr>
-              <a:t>	u &lt;- </a:t>
-            </a:r>
-            <a:r>
-              <a:rPr lang="en-US" sz="1800" dirty="0" err="1">
-                <a:latin typeface="Lucida Console" panose="020B0609040504020204" pitchFamily="49" charset="0"/>
-              </a:rPr>
-              <a:t>ngradient</a:t>
-            </a:r>
-            <a:r>
-              <a:rPr lang="en-US" sz="1800" dirty="0">
-                <a:latin typeface="Lucida Console" panose="020B0609040504020204" pitchFamily="49" charset="0"/>
-              </a:rPr>
-              <a:t>(y = y, f = </a:t>
-            </a:r>
-            <a:r>
-              <a:rPr lang="en-US" sz="1800" dirty="0" err="1">
-                <a:latin typeface="Lucida Console" panose="020B0609040504020204" pitchFamily="49" charset="0"/>
-              </a:rPr>
-              <a:t>fitted_values</a:t>
-            </a:r>
-            <a:r>
-              <a:rPr lang="en-US" sz="1800" dirty="0">
-                <a:latin typeface="Lucida Console" panose="020B0609040504020204" pitchFamily="49" charset="0"/>
-              </a:rPr>
-              <a:t>)</a:t>
-            </a:r>
-          </a:p>
-          <a:p>
-            <a:pPr marL="0" indent="0">
-              <a:buNone/>
-            </a:pPr>
-            <a:r>
-              <a:rPr lang="en-US" sz="1800" dirty="0">
-                <a:latin typeface="Lucida Console" panose="020B0609040504020204" pitchFamily="49" charset="0"/>
-              </a:rPr>
-              <a:t>	</a:t>
-            </a:r>
-          </a:p>
-          <a:p>
-            <a:pPr marL="0" indent="0">
-              <a:buNone/>
-            </a:pPr>
-            <a:r>
-              <a:rPr lang="en-US" sz="1800" dirty="0">
-                <a:latin typeface="Lucida Console" panose="020B0609040504020204" pitchFamily="49" charset="0"/>
-              </a:rPr>
-              <a:t>	</a:t>
-            </a:r>
-            <a:r>
-              <a:rPr lang="en-US" sz="1800" dirty="0" err="1">
-                <a:latin typeface="Lucida Console" panose="020B0609040504020204" pitchFamily="49" charset="0"/>
-              </a:rPr>
-              <a:t>mb_spline</a:t>
-            </a:r>
-            <a:r>
-              <a:rPr lang="en-US" sz="1800" dirty="0">
-                <a:latin typeface="Lucida Console" panose="020B0609040504020204" pitchFamily="49" charset="0"/>
-              </a:rPr>
-              <a:t> = </a:t>
-            </a:r>
-            <a:r>
-              <a:rPr lang="en-US" sz="1800" dirty="0" err="1">
-                <a:latin typeface="Lucida Console" panose="020B0609040504020204" pitchFamily="49" charset="0"/>
-              </a:rPr>
-              <a:t>mboost</a:t>
-            </a:r>
-            <a:r>
-              <a:rPr lang="en-US" sz="1800" dirty="0">
-                <a:latin typeface="Lucida Console" panose="020B0609040504020204" pitchFamily="49" charset="0"/>
-              </a:rPr>
-              <a:t>::</a:t>
-            </a:r>
-            <a:r>
-              <a:rPr lang="en-US" sz="1800" dirty="0" err="1">
-                <a:latin typeface="Lucida Console" panose="020B0609040504020204" pitchFamily="49" charset="0"/>
-              </a:rPr>
-              <a:t>gamboost</a:t>
-            </a:r>
-            <a:r>
-              <a:rPr lang="en-US" sz="1800" dirty="0">
-                <a:latin typeface="Lucida Console" panose="020B0609040504020204" pitchFamily="49" charset="0"/>
-              </a:rPr>
-              <a:t>(formula = formula, data = </a:t>
-            </a:r>
-            <a:r>
-              <a:rPr lang="en-US" sz="1800" dirty="0" err="1">
-                <a:latin typeface="Lucida Console" panose="020B0609040504020204" pitchFamily="49" charset="0"/>
-              </a:rPr>
-              <a:t>data_temp</a:t>
-            </a:r>
-            <a:r>
-              <a:rPr lang="en-US" sz="1800" dirty="0">
-                <a:latin typeface="Lucida Console" panose="020B0609040504020204" pitchFamily="49" charset="0"/>
-              </a:rPr>
-              <a:t>, 				family = family, </a:t>
-            </a:r>
-            <a:r>
-              <a:rPr lang="en-US" sz="1800" dirty="0" err="1">
-                <a:latin typeface="Lucida Console" panose="020B0609040504020204" pitchFamily="49" charset="0"/>
-              </a:rPr>
-              <a:t>baselearner</a:t>
-            </a:r>
-            <a:r>
-              <a:rPr lang="en-US" sz="1800" dirty="0">
-                <a:latin typeface="Lucida Console" panose="020B0609040504020204" pitchFamily="49" charset="0"/>
-              </a:rPr>
-              <a:t> = "</a:t>
-            </a:r>
-            <a:r>
-              <a:rPr lang="en-US" sz="1800" dirty="0" err="1">
-                <a:latin typeface="Lucida Console" panose="020B0609040504020204" pitchFamily="49" charset="0"/>
-              </a:rPr>
-              <a:t>bbs</a:t>
-            </a:r>
-            <a:r>
-              <a:rPr lang="en-US" sz="1800" dirty="0">
-                <a:latin typeface="Lucida Console" panose="020B0609040504020204" pitchFamily="49" charset="0"/>
-              </a:rPr>
-              <a:t>", control = 				</a:t>
-            </a:r>
-            <a:r>
-              <a:rPr lang="en-US" sz="1800" dirty="0" err="1">
-                <a:latin typeface="Lucida Console" panose="020B0609040504020204" pitchFamily="49" charset="0"/>
-              </a:rPr>
-              <a:t>boost_control</a:t>
-            </a:r>
-            <a:r>
-              <a:rPr lang="en-US" sz="1800" dirty="0">
-                <a:latin typeface="Lucida Console" panose="020B0609040504020204" pitchFamily="49" charset="0"/>
-              </a:rPr>
-              <a:t>(nu = nu, </a:t>
-            </a:r>
-            <a:r>
-              <a:rPr lang="en-US" sz="1800" dirty="0" err="1">
-                <a:latin typeface="Lucida Console" panose="020B0609040504020204" pitchFamily="49" charset="0"/>
-              </a:rPr>
-              <a:t>mstop</a:t>
-            </a:r>
-            <a:r>
-              <a:rPr lang="en-US" sz="1800" dirty="0">
-                <a:latin typeface="Lucida Console" panose="020B0609040504020204" pitchFamily="49" charset="0"/>
-              </a:rPr>
-              <a:t> = 1))</a:t>
-            </a:r>
-          </a:p>
-          <a:p>
-            <a:pPr marL="0" indent="0">
-              <a:buNone/>
-            </a:pPr>
-            <a:r>
-              <a:rPr lang="en-US" sz="1800" dirty="0">
-                <a:latin typeface="Lucida Console" panose="020B0609040504020204" pitchFamily="49" charset="0"/>
-              </a:rPr>
-              <a:t>    </a:t>
-            </a:r>
-          </a:p>
-          <a:p>
-            <a:pPr marL="0" indent="0">
-              <a:buNone/>
-            </a:pPr>
-            <a:r>
-              <a:rPr lang="en-US" sz="1800" dirty="0">
-                <a:latin typeface="Lucida Console" panose="020B0609040504020204" pitchFamily="49" charset="0"/>
-              </a:rPr>
-              <a:t>	</a:t>
-            </a:r>
+            <a:pPr marL="457200" lvl="1" indent="0">
+              <a:buNone/>
+            </a:pPr>
+            <a:endParaRPr lang="en-US" sz="1700" dirty="0">
+              <a:latin typeface="Lucida Console" panose="020B0609040504020204" pitchFamily="49" charset="0"/>
+            </a:endParaRPr>
+          </a:p>
+          <a:p>
+            <a:pPr marL="457200" lvl="1" indent="0">
+              <a:buNone/>
+            </a:pPr>
+            <a:r>
+              <a:rPr lang="en-US" sz="1700" dirty="0" err="1">
+                <a:latin typeface="Lucida Console" panose="020B0609040504020204" pitchFamily="49" charset="0"/>
+              </a:rPr>
+              <a:t>lm_coeffs</a:t>
+            </a:r>
+            <a:r>
+              <a:rPr lang="en-US" sz="1700" dirty="0">
+                <a:latin typeface="Lucida Console" panose="020B0609040504020204" pitchFamily="49" charset="0"/>
+              </a:rPr>
+              <a:t> = numeric(dim(X)[2])</a:t>
+            </a:r>
+          </a:p>
+          <a:p>
+            <a:pPr marL="457200" lvl="1" indent="0">
+              <a:buNone/>
+            </a:pPr>
+            <a:r>
+              <a:rPr lang="fr-FR" sz="1700" dirty="0" err="1">
+                <a:latin typeface="Lucida Console" panose="020B0609040504020204" pitchFamily="49" charset="0"/>
+              </a:rPr>
+              <a:t>lm_coeffs</a:t>
+            </a:r>
+            <a:r>
+              <a:rPr lang="fr-FR" sz="1700" dirty="0">
+                <a:latin typeface="Lucida Console" panose="020B0609040504020204" pitchFamily="49" charset="0"/>
+              </a:rPr>
+              <a:t>[1] &lt;- </a:t>
+            </a:r>
+            <a:r>
+              <a:rPr lang="fr-FR" sz="1700" dirty="0" err="1">
+                <a:latin typeface="Lucida Console" panose="020B0609040504020204" pitchFamily="49" charset="0"/>
+              </a:rPr>
+              <a:t>intercept_model$coefficients</a:t>
+            </a:r>
+            <a:r>
+              <a:rPr lang="fr-FR" sz="1700" dirty="0">
+                <a:latin typeface="Lucida Console" panose="020B0609040504020204" pitchFamily="49" charset="0"/>
+              </a:rPr>
+              <a:t>[1]</a:t>
+            </a:r>
+            <a:endParaRPr lang="en-US" sz="1700" dirty="0">
+              <a:latin typeface="Lucida Console" panose="020B0609040504020204" pitchFamily="49" charset="0"/>
+            </a:endParaRPr>
           </a:p>
         </p:txBody>
       </p:sp>
     </p:spTree>
     <p:extLst>
       <p:ext uri="{BB962C8B-B14F-4D97-AF65-F5344CB8AC3E}">
-        <p14:creationId xmlns:p14="http://schemas.microsoft.com/office/powerpoint/2010/main" val="2368917616"/>
+        <p14:creationId xmlns:p14="http://schemas.microsoft.com/office/powerpoint/2010/main" val="4112451281"/>
       </p:ext>
     </p:extLst>
   </p:cSld>
@@ -8781,7 +9935,7 @@
           <a:p>
             <a:r>
               <a:rPr lang="en-US" dirty="0"/>
-              <a:t>Pseudo-Code: Phase II Splines</a:t>
+              <a:t>Pseudo-Code: Phase I Linear Models</a:t>
             </a:r>
           </a:p>
         </p:txBody>
@@ -8816,143 +9970,25 @@
               <a:rPr lang="en-US" sz="1800" dirty="0">
                 <a:latin typeface="Lucida Console" panose="020B0609040504020204" pitchFamily="49" charset="0"/>
               </a:rPr>
-              <a:t>		</a:t>
+              <a:t>while((iteration &lt;= </a:t>
             </a:r>
             <a:r>
               <a:rPr lang="en-US" sz="1800" dirty="0" err="1">
                 <a:latin typeface="Lucida Console" panose="020B0609040504020204" pitchFamily="49" charset="0"/>
               </a:rPr>
-              <a:t>mboost_coeff</a:t>
-            </a:r>
-            <a:r>
-              <a:rPr lang="en-US" sz="1800" dirty="0">
-                <a:latin typeface="Lucida Console" panose="020B0609040504020204" pitchFamily="49" charset="0"/>
-              </a:rPr>
-              <a:t> = </a:t>
-            </a:r>
-            <a:r>
-              <a:rPr lang="en-US" sz="1800" dirty="0" err="1">
-                <a:latin typeface="Lucida Console" panose="020B0609040504020204" pitchFamily="49" charset="0"/>
-              </a:rPr>
-              <a:t>mb_spline$coef</a:t>
-            </a:r>
-            <a:r>
-              <a:rPr lang="en-US" sz="1800" dirty="0">
-                <a:latin typeface="Lucida Console" panose="020B0609040504020204" pitchFamily="49" charset="0"/>
-              </a:rPr>
-              <a:t>()[[1]]</a:t>
-            </a:r>
-          </a:p>
-          <a:p>
-            <a:pPr marL="0" indent="0">
-              <a:buNone/>
-            </a:pPr>
-            <a:r>
-              <a:rPr lang="en-US" sz="1800" dirty="0">
-                <a:latin typeface="Lucida Console" panose="020B0609040504020204" pitchFamily="49" charset="0"/>
-              </a:rPr>
-              <a:t>		</a:t>
-            </a:r>
-            <a:r>
-              <a:rPr lang="en-US" sz="1800" dirty="0" err="1">
-                <a:latin typeface="Lucida Console" panose="020B0609040504020204" pitchFamily="49" charset="0"/>
-              </a:rPr>
-              <a:t>mboost_risk</a:t>
-            </a:r>
-            <a:r>
-              <a:rPr lang="en-US" sz="1800" dirty="0">
-                <a:latin typeface="Lucida Console" panose="020B0609040504020204" pitchFamily="49" charset="0"/>
-              </a:rPr>
-              <a:t> = </a:t>
-            </a:r>
-            <a:r>
-              <a:rPr lang="en-US" sz="1800" dirty="0" err="1">
-                <a:latin typeface="Lucida Console" panose="020B0609040504020204" pitchFamily="49" charset="0"/>
-              </a:rPr>
-              <a:t>mb_spline$risk</a:t>
-            </a:r>
-            <a:r>
-              <a:rPr lang="en-US" sz="1800" dirty="0">
-                <a:latin typeface="Lucida Console" panose="020B0609040504020204" pitchFamily="49" charset="0"/>
-              </a:rPr>
-              <a:t>()[2]</a:t>
-            </a:r>
-          </a:p>
-          <a:p>
-            <a:pPr marL="0" indent="0">
-              <a:buNone/>
-            </a:pPr>
-            <a:r>
-              <a:rPr lang="en-US" sz="1800" dirty="0">
-                <a:latin typeface="Lucida Console" panose="020B0609040504020204" pitchFamily="49" charset="0"/>
-              </a:rPr>
-              <a:t>    </a:t>
-            </a:r>
-          </a:p>
-          <a:p>
-            <a:pPr marL="0" indent="0">
-              <a:buNone/>
-            </a:pPr>
-            <a:r>
-              <a:rPr lang="en-US" sz="1800" dirty="0">
-                <a:latin typeface="Lucida Console" panose="020B0609040504020204" pitchFamily="49" charset="0"/>
-              </a:rPr>
-              <a:t>		</a:t>
-            </a:r>
-            <a:r>
-              <a:rPr lang="en-US" sz="1800" dirty="0" err="1">
-                <a:latin typeface="Lucida Console" panose="020B0609040504020204" pitchFamily="49" charset="0"/>
-              </a:rPr>
-              <a:t>coeff_list</a:t>
-            </a:r>
-            <a:r>
-              <a:rPr lang="en-US" sz="1800" dirty="0">
-                <a:latin typeface="Lucida Console" panose="020B0609040504020204" pitchFamily="49" charset="0"/>
-              </a:rPr>
-              <a:t>[[</a:t>
-            </a:r>
-            <a:r>
-              <a:rPr lang="en-US" sz="1800" dirty="0" err="1">
-                <a:latin typeface="Lucida Console" panose="020B0609040504020204" pitchFamily="49" charset="0"/>
-              </a:rPr>
-              <a:t>mboost_feature</a:t>
-            </a:r>
-            <a:r>
-              <a:rPr lang="en-US" sz="1800" dirty="0">
-                <a:latin typeface="Lucida Console" panose="020B0609040504020204" pitchFamily="49" charset="0"/>
-              </a:rPr>
-              <a:t>]] &lt;- </a:t>
-            </a:r>
-            <a:r>
-              <a:rPr lang="en-US" sz="1800" dirty="0" err="1">
-                <a:latin typeface="Lucida Console" panose="020B0609040504020204" pitchFamily="49" charset="0"/>
-              </a:rPr>
-              <a:t>coeff_list</a:t>
-            </a:r>
-            <a:r>
-              <a:rPr lang="en-US" sz="1800" dirty="0">
-                <a:latin typeface="Lucida Console" panose="020B0609040504020204" pitchFamily="49" charset="0"/>
-              </a:rPr>
-              <a:t>[[</a:t>
-            </a:r>
-            <a:r>
-              <a:rPr lang="en-US" sz="1800" dirty="0" err="1">
-                <a:latin typeface="Lucida Console" panose="020B0609040504020204" pitchFamily="49" charset="0"/>
-              </a:rPr>
-              <a:t>mboost_feature</a:t>
-            </a:r>
-            <a:r>
-              <a:rPr lang="en-US" sz="1800" dirty="0">
-                <a:latin typeface="Lucida Console" panose="020B0609040504020204" pitchFamily="49" charset="0"/>
-              </a:rPr>
-              <a:t>]] 							+ </a:t>
-            </a:r>
-            <a:r>
-              <a:rPr lang="en-US" sz="1800" dirty="0" err="1">
-                <a:latin typeface="Lucida Console" panose="020B0609040504020204" pitchFamily="49" charset="0"/>
-              </a:rPr>
-              <a:t>mboost_coeff</a:t>
-            </a:r>
+              <a:t>mstop</a:t>
+            </a:r>
+            <a:r>
+              <a:rPr lang="en-US" sz="1800" dirty="0">
+                <a:latin typeface="Lucida Console" panose="020B0609040504020204" pitchFamily="49" charset="0"/>
+              </a:rPr>
+              <a:t>) &amp; ((risk[iteration-1]/[iteration]) &gt;= (1 + epsilon))){</a:t>
+            </a:r>
+          </a:p>
+          <a:p>
+            <a:pPr marL="0" indent="0">
+              <a:buNone/>
+            </a:pPr>
             <a:endParaRPr lang="en-US" sz="1800" dirty="0">
               <a:latin typeface="Lucida Console" panose="020B0609040504020204" pitchFamily="49" charset="0"/>
             </a:endParaRPr>
@@ -8965,54 +10001,101 @@
               <a:rPr lang="en-US" sz="1800" dirty="0">
                 <a:latin typeface="Lucida Console" panose="020B0609040504020204" pitchFamily="49" charset="0"/>
               </a:rPr>
-              <a:t>    </a:t>
-            </a:r>
-          </a:p>
-          <a:p>
-            <a:pPr marL="0" indent="0">
-              <a:buNone/>
-            </a:pPr>
-            <a:r>
-              <a:rPr lang="en-US" sz="1800" dirty="0">
-                <a:latin typeface="Lucida Console" panose="020B0609040504020204" pitchFamily="49" charset="0"/>
-              </a:rPr>
-              <a:t>      		</a:t>
+              <a:t>	</a:t>
             </a:r>
             <a:r>
               <a:rPr lang="en-US" sz="1800" dirty="0" err="1">
                 <a:latin typeface="Lucida Console" panose="020B0609040504020204" pitchFamily="49" charset="0"/>
               </a:rPr>
+              <a:t>risk_temp</a:t>
+            </a:r>
+            <a:r>
+              <a:rPr lang="en-US" sz="1800" dirty="0">
+                <a:latin typeface="Lucida Console" panose="020B0609040504020204" pitchFamily="49" charset="0"/>
+              </a:rPr>
+              <a:t> &lt;- </a:t>
+            </a:r>
+            <a:r>
+              <a:rPr lang="en-US" sz="1800" dirty="0" err="1">
+                <a:latin typeface="Lucida Console" panose="020B0609040504020204" pitchFamily="49" charset="0"/>
+              </a:rPr>
+              <a:t>riskfct</a:t>
+            </a:r>
+            <a:r>
+              <a:rPr lang="en-US" sz="1800" dirty="0">
+                <a:latin typeface="Lucida Console" panose="020B0609040504020204" pitchFamily="49" charset="0"/>
+              </a:rPr>
+              <a:t>(y = y, f = </a:t>
+            </a:r>
+            <a:r>
+              <a:rPr lang="en-US" sz="1800" dirty="0" err="1">
+                <a:latin typeface="Lucida Console" panose="020B0609040504020204" pitchFamily="49" charset="0"/>
+              </a:rPr>
               <a:t>fitted_values</a:t>
             </a:r>
             <a:r>
               <a:rPr lang="en-US" sz="1800" dirty="0">
                 <a:latin typeface="Lucida Console" panose="020B0609040504020204" pitchFamily="49" charset="0"/>
               </a:rPr>
-              <a:t> &lt;- </a:t>
+              <a:t>) </a:t>
+            </a:r>
+          </a:p>
+          <a:p>
+            <a:pPr marL="0" indent="0">
+              <a:buNone/>
+            </a:pPr>
+            <a:r>
+              <a:rPr lang="en-US" sz="1800" dirty="0">
+                <a:latin typeface="Lucida Console" panose="020B0609040504020204" pitchFamily="49" charset="0"/>
+              </a:rPr>
+              <a:t>      u &lt;- </a:t>
             </a:r>
             <a:r>
               <a:rPr lang="en-US" sz="1800" dirty="0" err="1">
                 <a:latin typeface="Lucida Console" panose="020B0609040504020204" pitchFamily="49" charset="0"/>
               </a:rPr>
+              <a:t>ngradient</a:t>
+            </a:r>
+            <a:r>
+              <a:rPr lang="en-US" sz="1800" dirty="0">
+                <a:latin typeface="Lucida Console" panose="020B0609040504020204" pitchFamily="49" charset="0"/>
+              </a:rPr>
+              <a:t>(y = y, f = </a:t>
+            </a:r>
+            <a:r>
+              <a:rPr lang="en-US" sz="1800" dirty="0" err="1">
+                <a:latin typeface="Lucida Console" panose="020B0609040504020204" pitchFamily="49" charset="0"/>
+              </a:rPr>
               <a:t>fitted_values</a:t>
             </a:r>
             <a:r>
               <a:rPr lang="en-US" sz="1800" dirty="0">
                 <a:latin typeface="Lucida Console" panose="020B0609040504020204" pitchFamily="49" charset="0"/>
               </a:rPr>
-              <a:t> + </a:t>
+              <a:t>)</a:t>
+            </a:r>
+          </a:p>
+          <a:p>
+            <a:pPr marL="0" indent="0">
+              <a:buNone/>
+            </a:pPr>
+            <a:r>
+              <a:rPr lang="en-US" sz="1800" dirty="0">
+                <a:latin typeface="Lucida Console" panose="020B0609040504020204" pitchFamily="49" charset="0"/>
+              </a:rPr>
+              <a:t>      </a:t>
             </a:r>
             <a:r>
               <a:rPr lang="en-US" sz="1800" dirty="0" err="1">
                 <a:latin typeface="Lucida Console" panose="020B0609040504020204" pitchFamily="49" charset="0"/>
               </a:rPr>
-              <a:t>mb_spline$fitted</a:t>
-            </a:r>
-            <a:r>
-              <a:rPr lang="en-US" sz="1800" dirty="0">
-                <a:latin typeface="Lucida Console" panose="020B0609040504020204" pitchFamily="49" charset="0"/>
-              </a:rPr>
-              <a:t>()</a:t>
+              <a:t>lm_coeffs_temp</a:t>
+            </a:r>
+            <a:r>
+              <a:rPr lang="en-US" sz="1800" dirty="0">
+                <a:latin typeface="Lucida Console" panose="020B0609040504020204" pitchFamily="49" charset="0"/>
+              </a:rPr>
+              <a:t> = numeric(dim(X)[2])</a:t>
             </a:r>
           </a:p>
           <a:p>
@@ -9031,25 +10114,83 @@
               <a:rPr lang="en-US" sz="1800" dirty="0">
                 <a:latin typeface="Lucida Console" panose="020B0609040504020204" pitchFamily="49" charset="0"/>
               </a:rPr>
-              <a:t>    		risk[iteration+1] &lt;- </a:t>
+              <a:t>      for(feat in 1:dim(X)[2]){</a:t>
+            </a:r>
+          </a:p>
+          <a:p>
+            <a:pPr marL="0" indent="0">
+              <a:buNone/>
+            </a:pPr>
+            <a:r>
+              <a:rPr lang="en-US" sz="1800" dirty="0">
+                <a:latin typeface="Lucida Console" panose="020B0609040504020204" pitchFamily="49" charset="0"/>
+              </a:rPr>
+              <a:t>		</a:t>
             </a:r>
             <a:r>
               <a:rPr lang="en-US" sz="1800" dirty="0" err="1">
                 <a:latin typeface="Lucida Console" panose="020B0609040504020204" pitchFamily="49" charset="0"/>
               </a:rPr>
+              <a:t>bl_model</a:t>
+            </a:r>
+            <a:r>
+              <a:rPr lang="en-US" sz="1800" dirty="0">
+                <a:latin typeface="Lucida Console" panose="020B0609040504020204" pitchFamily="49" charset="0"/>
+              </a:rPr>
+              <a:t> &lt;- </a:t>
+            </a:r>
+            <a:r>
+              <a:rPr lang="en-US" sz="1800" dirty="0" err="1">
+                <a:latin typeface="Lucida Console" panose="020B0609040504020204" pitchFamily="49" charset="0"/>
+              </a:rPr>
+              <a:t>lm.fit</a:t>
+            </a:r>
+            <a:r>
+              <a:rPr lang="en-US" sz="1800" dirty="0">
+                <a:latin typeface="Lucida Console" panose="020B0609040504020204" pitchFamily="49" charset="0"/>
+              </a:rPr>
+              <a:t>(x=X[,feat], y=u)</a:t>
+            </a:r>
+          </a:p>
+          <a:p>
+            <a:pPr marL="0" indent="0">
+              <a:buNone/>
+            </a:pPr>
+            <a:r>
+              <a:rPr lang="en-US" sz="1800" dirty="0">
+                <a:latin typeface="Lucida Console" panose="020B0609040504020204" pitchFamily="49" charset="0"/>
+              </a:rPr>
+              <a:t> 	   	</a:t>
+            </a:r>
+            <a:r>
+              <a:rPr lang="en-US" sz="1800" dirty="0" err="1">
+                <a:latin typeface="Lucida Console" panose="020B0609040504020204" pitchFamily="49" charset="0"/>
+              </a:rPr>
+              <a:t>lm_fit</a:t>
+            </a:r>
+            <a:r>
+              <a:rPr lang="en-US" sz="1800" dirty="0">
+                <a:latin typeface="Lucida Console" panose="020B0609040504020204" pitchFamily="49" charset="0"/>
+              </a:rPr>
+              <a:t>[feat] &lt;- </a:t>
+            </a:r>
+            <a:r>
+              <a:rPr lang="en-US" sz="1800" dirty="0" err="1">
+                <a:latin typeface="Lucida Console" panose="020B0609040504020204" pitchFamily="49" charset="0"/>
+              </a:rPr>
               <a:t>riskfct</a:t>
             </a:r>
             <a:r>
               <a:rPr lang="en-US" sz="1800" dirty="0">
                 <a:latin typeface="Lucida Console" panose="020B0609040504020204" pitchFamily="49" charset="0"/>
               </a:rPr>
-              <a:t>(y = y, f = </a:t>
+              <a:t>(y=u, f=</a:t>
             </a:r>
             <a:r>
               <a:rPr lang="en-US" sz="1800" dirty="0" err="1">
                 <a:latin typeface="Lucida Console" panose="020B0609040504020204" pitchFamily="49" charset="0"/>
               </a:rPr>
-              <a:t>fitted_values</a:t>
+              <a:t>bl_model$fitted.values</a:t>
             </a:r>
             <a:r>
               <a:rPr lang="en-US" sz="1800" dirty="0">
@@ -9062,6 +10203,30 @@
             <a:pPr marL="0" indent="0">
               <a:buNone/>
             </a:pPr>
+            <a:r>
+              <a:rPr lang="en-US" sz="1800" dirty="0">
+                <a:latin typeface="Lucida Console" panose="020B0609040504020204" pitchFamily="49" charset="0"/>
+              </a:rPr>
+              <a:t>       	</a:t>
+            </a:r>
+            <a:r>
+              <a:rPr lang="en-US" sz="1800" dirty="0" err="1">
+                <a:latin typeface="Lucida Console" panose="020B0609040504020204" pitchFamily="49" charset="0"/>
+              </a:rPr>
+              <a:t>pred_matrix</a:t>
+            </a:r>
+            <a:r>
+              <a:rPr lang="en-US" sz="1800" dirty="0">
+                <a:latin typeface="Lucida Console" panose="020B0609040504020204" pitchFamily="49" charset="0"/>
+              </a:rPr>
+              <a:t>[,feat] &lt;- </a:t>
+            </a:r>
+            <a:r>
+              <a:rPr lang="en-US" sz="1800" dirty="0" err="1">
+                <a:latin typeface="Lucida Console" panose="020B0609040504020204" pitchFamily="49" charset="0"/>
+              </a:rPr>
+              <a:t>bl_model$fitted.values</a:t>
+            </a:r>
             <a:endParaRPr lang="en-US" sz="1800" dirty="0">
               <a:latin typeface="Lucida Console" panose="020B0609040504020204" pitchFamily="49" charset="0"/>
             </a:endParaRPr>
@@ -9074,65 +10239,39 @@
               <a:rPr lang="en-US" sz="1800" dirty="0">
                 <a:latin typeface="Lucida Console" panose="020B0609040504020204" pitchFamily="49" charset="0"/>
               </a:rPr>
-              <a:t>    		</a:t>
+              <a:t>		</a:t>
             </a:r>
             <a:r>
               <a:rPr lang="en-US" sz="1800" dirty="0" err="1">
                 <a:latin typeface="Lucida Console" panose="020B0609040504020204" pitchFamily="49" charset="0"/>
               </a:rPr>
-              <a:t>data_temp</a:t>
-            </a:r>
-            <a:r>
-              <a:rPr lang="en-US" sz="1800" dirty="0">
-                <a:latin typeface="Lucida Console" panose="020B0609040504020204" pitchFamily="49" charset="0"/>
-              </a:rPr>
-              <a:t>[,target] &lt;- </a:t>
+              <a:t>lm_coeffs_temp</a:t>
+            </a:r>
+            <a:r>
+              <a:rPr lang="en-US" sz="1800" dirty="0">
+                <a:latin typeface="Lucida Console" panose="020B0609040504020204" pitchFamily="49" charset="0"/>
+              </a:rPr>
+              <a:t>[feat] &lt;- </a:t>
             </a:r>
             <a:r>
               <a:rPr lang="en-US" sz="1800" dirty="0" err="1">
                 <a:latin typeface="Lucida Console" panose="020B0609040504020204" pitchFamily="49" charset="0"/>
               </a:rPr>
-              <a:t>ngradient</a:t>
-            </a:r>
-            <a:r>
-              <a:rPr lang="en-US" sz="1800" dirty="0">
-                <a:latin typeface="Lucida Console" panose="020B0609040504020204" pitchFamily="49" charset="0"/>
-              </a:rPr>
-              <a:t>(y = y, f = </a:t>
-            </a:r>
-            <a:r>
-              <a:rPr lang="en-US" sz="1800" dirty="0" err="1">
-                <a:latin typeface="Lucida Console" panose="020B0609040504020204" pitchFamily="49" charset="0"/>
-              </a:rPr>
-              <a:t>fitted_values</a:t>
-            </a:r>
-            <a:r>
-              <a:rPr lang="en-US" sz="1800" dirty="0">
-                <a:latin typeface="Lucida Console" panose="020B0609040504020204" pitchFamily="49" charset="0"/>
-              </a:rPr>
-              <a:t>)</a:t>
-            </a:r>
-          </a:p>
-          <a:p>
-            <a:pPr marL="0" indent="0">
-              <a:buNone/>
-            </a:pPr>
-            <a:r>
-              <a:rPr lang="en-US" sz="1800" dirty="0">
-                <a:latin typeface="Lucida Console" panose="020B0609040504020204" pitchFamily="49" charset="0"/>
-              </a:rPr>
-              <a:t>    </a:t>
-            </a:r>
-          </a:p>
-          <a:p>
-            <a:pPr marL="0" indent="0">
-              <a:buNone/>
-            </a:pPr>
-            <a:r>
-              <a:rPr lang="en-US" sz="1800" dirty="0">
-                <a:latin typeface="Lucida Console" panose="020B0609040504020204" pitchFamily="49" charset="0"/>
-              </a:rPr>
-              <a:t>  }</a:t>
+              <a:t>bl_model$coefficients</a:t>
+            </a:r>
+            <a:endParaRPr lang="en-US" sz="1800" dirty="0">
+              <a:latin typeface="Lucida Console" panose="020B0609040504020204" pitchFamily="49" charset="0"/>
+            </a:endParaRPr>
+          </a:p>
+          <a:p>
+            <a:pPr marL="0" indent="0">
+              <a:buNone/>
+            </a:pPr>
+            <a:r>
+              <a:rPr lang="en-US" sz="1800" dirty="0">
+                <a:latin typeface="Lucida Console" panose="020B0609040504020204" pitchFamily="49" charset="0"/>
+              </a:rPr>
+              <a:t>      }</a:t>
             </a:r>
           </a:p>
           <a:p>
@@ -9154,18 +10293,7 @@
               <a:rPr lang="en-US" sz="1800" dirty="0">
                 <a:latin typeface="Lucida Console" panose="020B0609040504020204" pitchFamily="49" charset="0"/>
               </a:rPr>
-              <a:t>    </a:t>
-            </a:r>
-          </a:p>
-          <a:p>
-            <a:pPr marL="0" indent="0">
-              <a:buNone/>
-            </a:pPr>
-            <a:r>
-              <a:rPr lang="en-US" sz="1800" dirty="0">
-                <a:latin typeface="Lucida Console" panose="020B0609040504020204" pitchFamily="49" charset="0"/>
-              </a:rPr>
-              <a:t>	</a:t>
+              <a:t>      </a:t>
             </a:r>
           </a:p>
         </p:txBody>
@@ -9173,7 +10301,7 @@
     </p:spTree>
     <p:extLst>
       <p:ext uri="{BB962C8B-B14F-4D97-AF65-F5344CB8AC3E}">
-        <p14:creationId xmlns:p14="http://schemas.microsoft.com/office/powerpoint/2010/main" val="1780484347"/>
+        <p14:creationId xmlns:p14="http://schemas.microsoft.com/office/powerpoint/2010/main" val="649262095"/>
       </p:ext>
     </p:extLst>
   </p:cSld>
@@ -9223,7 +10351,7 @@
           <a:p>
             <a:r>
               <a:rPr lang="en-US" dirty="0"/>
-              <a:t>Pseudo-Code: Phase III Trees</a:t>
+              <a:t>Pseudo-Code: Phase I Linear Models</a:t>
             </a:r>
           </a:p>
         </p:txBody>
@@ -9244,12 +10372,7 @@
             <p:ph idx="1"/>
           </p:nvPr>
         </p:nvSpPr>
-        <p:spPr>
-          <a:xfrm>
-            <a:off x="549704" y="1814732"/>
-            <a:ext cx="11843931" cy="4351337"/>
-          </a:xfrm>
-        </p:spPr>
+        <p:spPr/>
         <p:txBody>
           <a:bodyPr>
             <a:noAutofit/>
@@ -9260,47 +10383,16 @@
               <a:buNone/>
             </a:pPr>
             <a:r>
-              <a:rPr lang="en-US" sz="1700" dirty="0">
-                <a:latin typeface="Lucida Console" panose="020B0609040504020204" pitchFamily="49" charset="0"/>
-              </a:rPr>
-              <a:t>while((iteration &lt;= </a:t>
-            </a:r>
-            <a:r>
-              <a:rPr lang="en-US" sz="1700" dirty="0" err="1">
-                <a:latin typeface="Lucida Console" panose="020B0609040504020204" pitchFamily="49" charset="0"/>
-              </a:rPr>
-              <a:t>mstop</a:t>
-            </a:r>
-            <a:r>
-              <a:rPr lang="en-US" sz="1700" dirty="0">
-                <a:latin typeface="Lucida Console" panose="020B0609040504020204" pitchFamily="49" charset="0"/>
-              </a:rPr>
-              <a:t>) &amp; ((risk[iteration]/risk[iteration+1]) &gt;= (1 + epsilon))){</a:t>
-            </a:r>
-          </a:p>
-          <a:p>
-            <a:pPr marL="0" indent="0">
-              <a:buNone/>
-            </a:pPr>
-            <a:endParaRPr lang="en-US" sz="1700" dirty="0">
-              <a:latin typeface="Lucida Console" panose="020B0609040504020204" pitchFamily="49" charset="0"/>
-            </a:endParaRPr>
-          </a:p>
-          <a:p>
-            <a:pPr marL="0" indent="0">
-              <a:buNone/>
-            </a:pPr>
-            <a:r>
-              <a:rPr lang="en-US" sz="1800" dirty="0">
-                <a:latin typeface="Lucida Console" panose="020B0609040504020204" pitchFamily="49" charset="0"/>
-              </a:rPr>
-              <a:t>	</a:t>
+              <a:rPr lang="en-US" sz="1800" dirty="0">
+                <a:latin typeface="Lucida Console" panose="020B0609040504020204" pitchFamily="49" charset="0"/>
+              </a:rPr>
+              <a:t>		</a:t>
             </a:r>
             <a:r>
               <a:rPr lang="en-US" sz="1800" dirty="0" err="1">
                 <a:latin typeface="Lucida Console" panose="020B0609040504020204" pitchFamily="49" charset="0"/>
               </a:rPr>
-              <a:t>risk_temp</a:t>
+              <a:t>model_select</a:t>
             </a:r>
             <a:r>
               <a:rPr lang="en-US" sz="1800" dirty="0">
@@ -9312,227 +10404,25 @@
               <a:rPr lang="en-US" sz="1800" dirty="0" err="1">
                 <a:latin typeface="Lucida Console" panose="020B0609040504020204" pitchFamily="49" charset="0"/>
               </a:rPr>
-              <a:t>riskfct</a:t>
-            </a:r>
-            <a:r>
-              <a:rPr lang="en-US" sz="1800" dirty="0">
-                <a:latin typeface="Lucida Console" panose="020B0609040504020204" pitchFamily="49" charset="0"/>
-              </a:rPr>
-              <a:t>(y = y, f = </a:t>
+              <a:t>which.min</a:t>
+            </a:r>
+            <a:r>
+              <a:rPr lang="en-US" sz="1800" dirty="0">
+                <a:latin typeface="Lucida Console" panose="020B0609040504020204" pitchFamily="49" charset="0"/>
+              </a:rPr>
+              <a:t>(</a:t>
             </a:r>
             <a:r>
               <a:rPr lang="en-US" sz="1800" dirty="0" err="1">
                 <a:latin typeface="Lucida Console" panose="020B0609040504020204" pitchFamily="49" charset="0"/>
               </a:rPr>
-              <a:t>fitted_values</a:t>
+              <a:t>lm_fit</a:t>
             </a:r>
             <a:r>
               <a:rPr lang="en-US" sz="1800" dirty="0">
                 <a:latin typeface="Lucida Console" panose="020B0609040504020204" pitchFamily="49" charset="0"/>
               </a:rPr>
               <a:t>)</a:t>
-            </a:r>
-          </a:p>
-          <a:p>
-            <a:pPr marL="0" indent="0">
-              <a:buNone/>
-            </a:pPr>
-            <a:r>
-              <a:rPr lang="en-US" sz="1800" dirty="0">
-                <a:latin typeface="Lucida Console" panose="020B0609040504020204" pitchFamily="49" charset="0"/>
-              </a:rPr>
-              <a:t>	</a:t>
-            </a:r>
-            <a:r>
-              <a:rPr lang="en-US" sz="1700" dirty="0">
-                <a:latin typeface="Lucida Console" panose="020B0609040504020204" pitchFamily="49" charset="0"/>
-              </a:rPr>
-              <a:t>u &lt;- </a:t>
-            </a:r>
-            <a:r>
-              <a:rPr lang="en-US" sz="1700" dirty="0" err="1">
-                <a:latin typeface="Lucida Console" panose="020B0609040504020204" pitchFamily="49" charset="0"/>
-              </a:rPr>
-              <a:t>ngradient</a:t>
-            </a:r>
-            <a:r>
-              <a:rPr lang="en-US" sz="1700" dirty="0">
-                <a:latin typeface="Lucida Console" panose="020B0609040504020204" pitchFamily="49" charset="0"/>
-              </a:rPr>
-              <a:t>(y = y, f = </a:t>
-            </a:r>
-            <a:r>
-              <a:rPr lang="en-US" sz="1700" dirty="0" err="1">
-                <a:latin typeface="Lucida Console" panose="020B0609040504020204" pitchFamily="49" charset="0"/>
-              </a:rPr>
-              <a:t>fitted_values</a:t>
-            </a:r>
-            <a:r>
-              <a:rPr lang="en-US" sz="1700" dirty="0">
-                <a:latin typeface="Lucida Console" panose="020B0609040504020204" pitchFamily="49" charset="0"/>
-              </a:rPr>
-              <a:t>)</a:t>
-            </a:r>
-          </a:p>
-          <a:p>
-            <a:pPr marL="0" indent="0">
-              <a:buNone/>
-            </a:pPr>
-            <a:endParaRPr lang="en-US" sz="1700" dirty="0">
-              <a:latin typeface="Lucida Console" panose="020B0609040504020204" pitchFamily="49" charset="0"/>
-            </a:endParaRPr>
-          </a:p>
-          <a:p>
-            <a:pPr marL="457200" lvl="1" indent="0">
-              <a:buNone/>
-            </a:pPr>
-            <a:r>
-              <a:rPr lang="en-US" sz="1700" dirty="0">
-                <a:latin typeface="Lucida Console" panose="020B0609040504020204" pitchFamily="49" charset="0"/>
-              </a:rPr>
-              <a:t>	</a:t>
-            </a:r>
-            <a:r>
-              <a:rPr lang="en-US" sz="1700" dirty="0" err="1">
-                <a:latin typeface="Lucida Console" panose="020B0609040504020204" pitchFamily="49" charset="0"/>
-              </a:rPr>
-              <a:t>mb_tree</a:t>
-            </a:r>
-            <a:r>
-              <a:rPr lang="en-US" sz="1700" dirty="0">
-                <a:latin typeface="Lucida Console" panose="020B0609040504020204" pitchFamily="49" charset="0"/>
-              </a:rPr>
-              <a:t> = </a:t>
-            </a:r>
-            <a:r>
-              <a:rPr lang="en-US" sz="1700" dirty="0" err="1">
-                <a:latin typeface="Lucida Console" panose="020B0609040504020204" pitchFamily="49" charset="0"/>
-              </a:rPr>
-              <a:t>mboost</a:t>
-            </a:r>
-            <a:r>
-              <a:rPr lang="en-US" sz="1700" dirty="0">
-                <a:latin typeface="Lucida Console" panose="020B0609040504020204" pitchFamily="49" charset="0"/>
-              </a:rPr>
-              <a:t>::</a:t>
-            </a:r>
-            <a:r>
-              <a:rPr lang="en-US" sz="1700" dirty="0" err="1">
-                <a:latin typeface="Lucida Console" panose="020B0609040504020204" pitchFamily="49" charset="0"/>
-              </a:rPr>
-              <a:t>mboost</a:t>
-            </a:r>
-            <a:r>
-              <a:rPr lang="en-US" sz="1700" dirty="0">
-                <a:latin typeface="Lucida Console" panose="020B0609040504020204" pitchFamily="49" charset="0"/>
-              </a:rPr>
-              <a:t>(formula = formula, data = </a:t>
-            </a:r>
-            <a:r>
-              <a:rPr lang="en-US" sz="1700" dirty="0" err="1">
-                <a:latin typeface="Lucida Console" panose="020B0609040504020204" pitchFamily="49" charset="0"/>
-              </a:rPr>
-              <a:t>data_temp</a:t>
-            </a:r>
-            <a:r>
-              <a:rPr lang="en-US" sz="1700" dirty="0">
-                <a:latin typeface="Lucida Console" panose="020B0609040504020204" pitchFamily="49" charset="0"/>
-              </a:rPr>
-              <a:t>, family = 						family, </a:t>
-            </a:r>
-            <a:r>
-              <a:rPr lang="en-US" sz="1700" dirty="0" err="1">
-                <a:latin typeface="Lucida Console" panose="020B0609040504020204" pitchFamily="49" charset="0"/>
-              </a:rPr>
-              <a:t>baselearner</a:t>
-            </a:r>
-            <a:r>
-              <a:rPr lang="en-US" sz="1700" dirty="0">
-                <a:latin typeface="Lucida Console" panose="020B0609040504020204" pitchFamily="49" charset="0"/>
-              </a:rPr>
-              <a:t> = "</a:t>
-            </a:r>
-            <a:r>
-              <a:rPr lang="en-US" sz="1700" dirty="0" err="1">
-                <a:latin typeface="Lucida Console" panose="020B0609040504020204" pitchFamily="49" charset="0"/>
-              </a:rPr>
-              <a:t>btree</a:t>
-            </a:r>
-            <a:r>
-              <a:rPr lang="en-US" sz="1700" dirty="0">
-                <a:latin typeface="Lucida Console" panose="020B0609040504020204" pitchFamily="49" charset="0"/>
-              </a:rPr>
-              <a:t>", control = 							</a:t>
-            </a:r>
-            <a:r>
-              <a:rPr lang="en-US" sz="1700" dirty="0" err="1">
-                <a:latin typeface="Lucida Console" panose="020B0609040504020204" pitchFamily="49" charset="0"/>
-              </a:rPr>
-              <a:t>boost_control</a:t>
-            </a:r>
-            <a:r>
-              <a:rPr lang="en-US" sz="1700" dirty="0">
-                <a:latin typeface="Lucida Console" panose="020B0609040504020204" pitchFamily="49" charset="0"/>
-              </a:rPr>
-              <a:t>(nu = nu, </a:t>
-            </a:r>
-            <a:r>
-              <a:rPr lang="en-US" sz="1700" dirty="0" err="1">
-                <a:latin typeface="Lucida Console" panose="020B0609040504020204" pitchFamily="49" charset="0"/>
-              </a:rPr>
-              <a:t>mstop</a:t>
-            </a:r>
-            <a:r>
-              <a:rPr lang="en-US" sz="1700" dirty="0">
-                <a:latin typeface="Lucida Console" panose="020B0609040504020204" pitchFamily="49" charset="0"/>
-              </a:rPr>
-              <a:t> = 1))</a:t>
-            </a:r>
-          </a:p>
-          <a:p>
-            <a:pPr marL="0" indent="0">
-              <a:buNone/>
-            </a:pPr>
-            <a:r>
-              <a:rPr lang="en-US" sz="1800" dirty="0">
-                <a:latin typeface="Lucida Console" panose="020B0609040504020204" pitchFamily="49" charset="0"/>
-              </a:rPr>
-              <a:t>    </a:t>
-            </a:r>
-          </a:p>
-          <a:p>
-            <a:pPr marL="0" indent="0">
-              <a:buNone/>
-            </a:pPr>
-            <a:r>
-              <a:rPr lang="en-US" sz="1800" dirty="0">
-                <a:latin typeface="Lucida Console" panose="020B0609040504020204" pitchFamily="49" charset="0"/>
-              </a:rPr>
-              <a:t>	</a:t>
-            </a:r>
-            <a:r>
-              <a:rPr lang="en-US" sz="1800" dirty="0" err="1">
-                <a:latin typeface="Lucida Console" panose="020B0609040504020204" pitchFamily="49" charset="0"/>
-              </a:rPr>
-              <a:t>mboost_risk</a:t>
-            </a:r>
-            <a:r>
-              <a:rPr lang="en-US" sz="1800" dirty="0">
-                <a:latin typeface="Lucida Console" panose="020B0609040504020204" pitchFamily="49" charset="0"/>
-              </a:rPr>
-              <a:t> = </a:t>
-            </a:r>
-            <a:r>
-              <a:rPr lang="en-US" sz="1800" dirty="0" err="1">
-                <a:latin typeface="Lucida Console" panose="020B0609040504020204" pitchFamily="49" charset="0"/>
-              </a:rPr>
-              <a:t>mb_tree$risk</a:t>
-            </a:r>
-            <a:r>
-              <a:rPr lang="en-US" sz="1800" dirty="0">
-                <a:latin typeface="Lucida Console" panose="020B0609040504020204" pitchFamily="49" charset="0"/>
-              </a:rPr>
-              <a:t>()[2]</a:t>
             </a:r>
           </a:p>
           <a:p>
@@ -9551,12 +10441,103 @@
               <a:rPr lang="en-US" sz="1800" dirty="0">
                 <a:latin typeface="Lucida Console" panose="020B0609040504020204" pitchFamily="49" charset="0"/>
               </a:rPr>
-              <a:t>	</a:t>
+              <a:t>		</a:t>
             </a:r>
             <a:r>
               <a:rPr lang="en-US" sz="1800" dirty="0" err="1">
                 <a:latin typeface="Lucida Console" panose="020B0609040504020204" pitchFamily="49" charset="0"/>
               </a:rPr>
+              <a:t>lm_coeffs</a:t>
+            </a:r>
+            <a:r>
+              <a:rPr lang="en-US" sz="1800" dirty="0">
+                <a:latin typeface="Lucida Console" panose="020B0609040504020204" pitchFamily="49" charset="0"/>
+              </a:rPr>
+              <a:t>[</a:t>
+            </a:r>
+            <a:r>
+              <a:rPr lang="en-US" sz="1800" dirty="0" err="1">
+                <a:latin typeface="Lucida Console" panose="020B0609040504020204" pitchFamily="49" charset="0"/>
+              </a:rPr>
+              <a:t>model_select</a:t>
+            </a:r>
+            <a:r>
+              <a:rPr lang="en-US" sz="1800" dirty="0">
+                <a:latin typeface="Lucida Console" panose="020B0609040504020204" pitchFamily="49" charset="0"/>
+              </a:rPr>
+              <a:t>] &lt;- </a:t>
+            </a:r>
+            <a:r>
+              <a:rPr lang="en-US" sz="1800" dirty="0" err="1">
+                <a:latin typeface="Lucida Console" panose="020B0609040504020204" pitchFamily="49" charset="0"/>
+              </a:rPr>
+              <a:t>lm_coeffs</a:t>
+            </a:r>
+            <a:r>
+              <a:rPr lang="en-US" sz="1800" dirty="0">
+                <a:latin typeface="Lucida Console" panose="020B0609040504020204" pitchFamily="49" charset="0"/>
+              </a:rPr>
+              <a:t>[</a:t>
+            </a:r>
+            <a:r>
+              <a:rPr lang="en-US" sz="1800" dirty="0" err="1">
+                <a:latin typeface="Lucida Console" panose="020B0609040504020204" pitchFamily="49" charset="0"/>
+              </a:rPr>
+              <a:t>model_select</a:t>
+            </a:r>
+            <a:r>
+              <a:rPr lang="en-US" sz="1800" dirty="0">
+                <a:latin typeface="Lucida Console" panose="020B0609040504020204" pitchFamily="49" charset="0"/>
+              </a:rPr>
+              <a:t>] + nu * 							</a:t>
+            </a:r>
+            <a:r>
+              <a:rPr lang="en-US" sz="1800" dirty="0" err="1">
+                <a:latin typeface="Lucida Console" panose="020B0609040504020204" pitchFamily="49" charset="0"/>
+              </a:rPr>
+              <a:t>lm_coeffs_temp</a:t>
+            </a:r>
+            <a:r>
+              <a:rPr lang="en-US" sz="1800" dirty="0">
+                <a:latin typeface="Lucida Console" panose="020B0609040504020204" pitchFamily="49" charset="0"/>
+              </a:rPr>
+              <a:t>[</a:t>
+            </a:r>
+            <a:r>
+              <a:rPr lang="en-US" sz="1800" dirty="0" err="1">
+                <a:latin typeface="Lucida Console" panose="020B0609040504020204" pitchFamily="49" charset="0"/>
+              </a:rPr>
+              <a:t>model_select</a:t>
+            </a:r>
+            <a:r>
+              <a:rPr lang="en-US" sz="1800" dirty="0">
+                <a:latin typeface="Lucida Console" panose="020B0609040504020204" pitchFamily="49" charset="0"/>
+              </a:rPr>
+              <a:t>]</a:t>
+            </a:r>
+          </a:p>
+          <a:p>
+            <a:pPr marL="0" indent="0">
+              <a:buNone/>
+            </a:pPr>
+            <a:endParaRPr lang="en-US" sz="1800" dirty="0">
+              <a:latin typeface="Lucida Console" panose="020B0609040504020204" pitchFamily="49" charset="0"/>
+            </a:endParaRPr>
+          </a:p>
+          <a:p>
+            <a:pPr marL="0" indent="0">
+              <a:buNone/>
+            </a:pPr>
+            <a:r>
+              <a:rPr lang="en-US" sz="1800" dirty="0">
+                <a:latin typeface="Lucida Console" panose="020B0609040504020204" pitchFamily="49" charset="0"/>
+              </a:rPr>
+              <a:t>		</a:t>
+            </a:r>
+            <a:r>
+              <a:rPr lang="en-US" sz="1800" dirty="0" err="1">
+                <a:latin typeface="Lucida Console" panose="020B0609040504020204" pitchFamily="49" charset="0"/>
+              </a:rPr>
               <a:t>fitted_values</a:t>
             </a:r>
             <a:r>
@@ -9569,82 +10550,67 @@
               <a:rPr lang="en-US" sz="1800" dirty="0" err="1">
                 <a:latin typeface="Lucida Console" panose="020B0609040504020204" pitchFamily="49" charset="0"/>
               </a:rPr>
+              <a:t>X_scaled_lin</a:t>
+            </a:r>
+            <a:r>
+              <a:rPr lang="en-US" sz="1800" dirty="0">
+                <a:latin typeface="Lucida Console" panose="020B0609040504020204" pitchFamily="49" charset="0"/>
+              </a:rPr>
+              <a:t> %*% </a:t>
+            </a:r>
+            <a:r>
+              <a:rPr lang="en-US" sz="1800" dirty="0" err="1">
+                <a:latin typeface="Lucida Console" panose="020B0609040504020204" pitchFamily="49" charset="0"/>
+              </a:rPr>
+              <a:t>lm_coeffs</a:t>
+            </a:r>
+            <a:endParaRPr lang="en-US" sz="1800" dirty="0">
+              <a:latin typeface="Lucida Console" panose="020B0609040504020204" pitchFamily="49" charset="0"/>
+            </a:endParaRPr>
+          </a:p>
+          <a:p>
+            <a:pPr marL="0" indent="0">
+              <a:buNone/>
+            </a:pPr>
+            <a:r>
+              <a:rPr lang="en-US" sz="1800" dirty="0">
+                <a:latin typeface="Lucida Console" panose="020B0609040504020204" pitchFamily="49" charset="0"/>
+              </a:rPr>
+              <a:t>		</a:t>
+            </a:r>
+          </a:p>
+          <a:p>
+            <a:pPr marL="0" indent="0">
+              <a:buNone/>
+            </a:pPr>
+            <a:r>
+              <a:rPr lang="en-US" sz="1800" dirty="0">
+                <a:latin typeface="Lucida Console" panose="020B0609040504020204" pitchFamily="49" charset="0"/>
+              </a:rPr>
+              <a:t>		risk[iteration+1] &lt;- </a:t>
+            </a:r>
+            <a:r>
+              <a:rPr lang="en-US" sz="1800" dirty="0" err="1">
+                <a:latin typeface="Lucida Console" panose="020B0609040504020204" pitchFamily="49" charset="0"/>
+              </a:rPr>
+              <a:t>riskfct</a:t>
+            </a:r>
+            <a:r>
+              <a:rPr lang="en-US" sz="1800" dirty="0">
+                <a:latin typeface="Lucida Console" panose="020B0609040504020204" pitchFamily="49" charset="0"/>
+              </a:rPr>
+              <a:t>(y = y, f = </a:t>
+            </a:r>
+            <a:r>
+              <a:rPr lang="en-US" sz="1800" dirty="0" err="1">
+                <a:latin typeface="Lucida Console" panose="020B0609040504020204" pitchFamily="49" charset="0"/>
+              </a:rPr>
               <a:t>fitted_values</a:t>
             </a:r>
             <a:r>
               <a:rPr lang="en-US" sz="1800" dirty="0">
                 <a:latin typeface="Lucida Console" panose="020B0609040504020204" pitchFamily="49" charset="0"/>
               </a:rPr>
-              <a:t> + </a:t>
-            </a:r>
-            <a:r>
-              <a:rPr lang="en-US" sz="1800" dirty="0" err="1">
-                <a:latin typeface="Lucida Console" panose="020B0609040504020204" pitchFamily="49" charset="0"/>
-              </a:rPr>
-              <a:t>mb_tree$fitted</a:t>
-            </a:r>
-            <a:r>
-              <a:rPr lang="en-US" sz="1800" dirty="0">
-                <a:latin typeface="Lucida Console" panose="020B0609040504020204" pitchFamily="49" charset="0"/>
-              </a:rPr>
-              <a:t>()</a:t>
-            </a:r>
-          </a:p>
-          <a:p>
-            <a:pPr marL="0" indent="0">
-              <a:buNone/>
-            </a:pPr>
-            <a:r>
-              <a:rPr lang="en-US" sz="1800" dirty="0">
-                <a:latin typeface="Lucida Console" panose="020B0609040504020204" pitchFamily="49" charset="0"/>
-              </a:rPr>
-              <a:t>	</a:t>
-            </a:r>
-          </a:p>
-          <a:p>
-            <a:pPr marL="0" indent="0">
-              <a:buNone/>
-            </a:pPr>
-            <a:r>
-              <a:rPr lang="en-US" sz="1800" dirty="0">
-                <a:latin typeface="Lucida Console" panose="020B0609040504020204" pitchFamily="49" charset="0"/>
-              </a:rPr>
-              <a:t>	</a:t>
-            </a:r>
-            <a:r>
-              <a:rPr lang="en-US" sz="1800" dirty="0" err="1">
-                <a:latin typeface="Lucida Console" panose="020B0609040504020204" pitchFamily="49" charset="0"/>
-              </a:rPr>
-              <a:t>data_temp</a:t>
-            </a:r>
-            <a:r>
-              <a:rPr lang="en-US" sz="1800" dirty="0">
-                <a:latin typeface="Lucida Console" panose="020B0609040504020204" pitchFamily="49" charset="0"/>
-              </a:rPr>
-              <a:t>[,target] &lt;- </a:t>
-            </a:r>
-            <a:r>
-              <a:rPr lang="en-US" sz="1800" dirty="0" err="1">
-                <a:latin typeface="Lucida Console" panose="020B0609040504020204" pitchFamily="49" charset="0"/>
-              </a:rPr>
-              <a:t>ngradient</a:t>
-            </a:r>
-            <a:r>
-              <a:rPr lang="en-US" sz="1800" dirty="0">
-                <a:latin typeface="Lucida Console" panose="020B0609040504020204" pitchFamily="49" charset="0"/>
-              </a:rPr>
-              <a:t>(y = y, f = </a:t>
-            </a:r>
-            <a:r>
-              <a:rPr lang="en-US" sz="1800" dirty="0" err="1">
-                <a:latin typeface="Lucida Console" panose="020B0609040504020204" pitchFamily="49" charset="0"/>
-              </a:rPr>
-              <a:t>fitted_values</a:t>
-            </a:r>
-            <a:r>
-              <a:rPr lang="en-US" sz="1800" dirty="0">
-                <a:latin typeface="Lucida Console" panose="020B0609040504020204" pitchFamily="49" charset="0"/>
-              </a:rPr>
               <a:t>)</a:t>
             </a:r>
           </a:p>
@@ -9656,18 +10622,40 @@
               <a:rPr lang="en-US" sz="1800" dirty="0">
                 <a:latin typeface="Lucida Console" panose="020B0609040504020204" pitchFamily="49" charset="0"/>
               </a:rPr>
-              <a:t> 	</a:t>
-            </a:r>
-          </a:p>
-          <a:p>
-            <a:pPr marL="0" indent="0">
-              <a:buNone/>
-            </a:pPr>
-            <a:r>
-              <a:rPr lang="en-US" sz="1800" dirty="0">
-                <a:latin typeface="Lucida Console" panose="020B0609040504020204" pitchFamily="49" charset="0"/>
-              </a:rPr>
-              <a:t>	</a:t>
+              <a:t>      </a:t>
+            </a:r>
+          </a:p>
+          <a:p>
+            <a:pPr marL="0" indent="0">
+              <a:buNone/>
+            </a:pPr>
+            <a:r>
+              <a:rPr lang="en-US" sz="1800" dirty="0">
+                <a:latin typeface="Lucida Console" panose="020B0609040504020204" pitchFamily="49" charset="0"/>
+              </a:rPr>
+              <a:t>    }</a:t>
+            </a:r>
+          </a:p>
+          <a:p>
+            <a:pPr marL="0" indent="0">
+              <a:buNone/>
+            </a:pPr>
+            <a:r>
+              <a:rPr lang="en-US" sz="1800" dirty="0">
+                <a:latin typeface="Lucida Console" panose="020B0609040504020204" pitchFamily="49" charset="0"/>
+              </a:rPr>
+              <a:t>      </a:t>
+            </a:r>
+          </a:p>
+          <a:p>
+            <a:pPr marL="0" indent="0">
+              <a:buNone/>
+            </a:pPr>
+            <a:r>
+              <a:rPr lang="en-US" sz="1800" dirty="0">
+                <a:latin typeface="Lucida Console" panose="020B0609040504020204" pitchFamily="49" charset="0"/>
+              </a:rPr>
+              <a:t>      </a:t>
             </a:r>
           </a:p>
         </p:txBody>
@@ -9675,7 +10663,7 @@
     </p:spTree>
     <p:extLst>
       <p:ext uri="{BB962C8B-B14F-4D97-AF65-F5344CB8AC3E}">
-        <p14:creationId xmlns:p14="http://schemas.microsoft.com/office/powerpoint/2010/main" val="257691928"/>
+        <p14:creationId xmlns:p14="http://schemas.microsoft.com/office/powerpoint/2010/main" val="1007845140"/>
       </p:ext>
     </p:extLst>
   </p:cSld>
